--- a/docs/images.pptx
+++ b/docs/images.pptx
@@ -5,10 +5,12 @@
     <p:sldMasterId id="2147483648" r:id="rId1"/>
   </p:sldMasterIdLst>
   <p:notesMasterIdLst>
-    <p:notesMasterId r:id="rId3"/>
+    <p:notesMasterId r:id="rId5"/>
   </p:notesMasterIdLst>
   <p:sldIdLst>
     <p:sldId id="257" r:id="rId2"/>
+    <p:sldId id="259" r:id="rId3"/>
+    <p:sldId id="258" r:id="rId4"/>
   </p:sldIdLst>
   <p:sldSz cx="12192000" cy="6858000"/>
   <p:notesSz cx="6858000" cy="9144000"/>
@@ -3450,7 +3452,7 @@
           <a:p>
             <a:pPr algn="r"/>
             <a:r>
-              <a:rPr lang="en-US" altLang="zh-CN" sz="1400" b="1" smtClean="0">
+              <a:rPr lang="en-US" altLang="zh-CN" sz="1400" b="1" dirty="0" err="1" smtClean="0">
                 <a:solidFill>
                   <a:schemeClr val="tx1">
                     <a:lumMod val="65000"/>
@@ -5954,10 +5956,5259 @@
           </a:prstGeom>
         </p:spPr>
       </p:pic>
+      <p:sp>
+        <p:nvSpPr>
+          <p:cNvPr id="136" name="文本框 135"/>
+          <p:cNvSpPr txBox="1"/>
+          <p:nvPr/>
+        </p:nvSpPr>
+        <p:spPr>
+          <a:xfrm>
+            <a:off x="3439452" y="5547881"/>
+            <a:ext cx="694421" cy="276999"/>
+          </a:xfrm>
+          <a:prstGeom prst="rect">
+            <a:avLst/>
+          </a:prstGeom>
+          <a:noFill/>
+        </p:spPr>
+        <p:txBody>
+          <a:bodyPr wrap="none" rtlCol="0">
+            <a:spAutoFit/>
+          </a:bodyPr>
+          <a:lstStyle/>
+          <a:p>
+            <a:r>
+              <a:rPr lang="en-US" altLang="zh-CN" sz="1200" dirty="0" smtClean="0">
+                <a:latin typeface="Consolas" panose="020B0609020204030204" pitchFamily="49" charset="0"/>
+              </a:rPr>
+              <a:t>filter</a:t>
+            </a:r>
+          </a:p>
+        </p:txBody>
+      </p:sp>
     </p:spTree>
     <p:extLst>
       <p:ext uri="{BB962C8B-B14F-4D97-AF65-F5344CB8AC3E}">
         <p14:creationId xmlns:p14="http://schemas.microsoft.com/office/powerpoint/2010/main" val="1116148567"/>
+      </p:ext>
+    </p:extLst>
+  </p:cSld>
+  <p:clrMapOvr>
+    <a:masterClrMapping/>
+  </p:clrMapOvr>
+  <p:timing>
+    <p:tnLst>
+      <p:par>
+        <p:cTn id="1" dur="indefinite" restart="never" nodeType="tmRoot"/>
+      </p:par>
+    </p:tnLst>
+  </p:timing>
+</p:sld>
+</file>
+
+<file path=ppt/slides/slide2.xml><?xml version="1.0" encoding="utf-8"?>
+<p:sld xmlns:a="http://schemas.openxmlformats.org/drawingml/2006/main" xmlns:r="http://schemas.openxmlformats.org/officeDocument/2006/relationships" xmlns:p="http://schemas.openxmlformats.org/presentationml/2006/main">
+  <p:cSld>
+    <p:spTree>
+      <p:nvGrpSpPr>
+        <p:cNvPr id="1" name=""/>
+        <p:cNvGrpSpPr/>
+        <p:nvPr/>
+      </p:nvGrpSpPr>
+      <p:grpSpPr>
+        <a:xfrm>
+          <a:off x="0" y="0"/>
+          <a:ext cx="0" cy="0"/>
+          <a:chOff x="0" y="0"/>
+          <a:chExt cx="0" cy="0"/>
+        </a:xfrm>
+      </p:grpSpPr>
+      <p:sp>
+        <p:nvSpPr>
+          <p:cNvPr id="2" name="标题 1"/>
+          <p:cNvSpPr>
+            <a:spLocks noGrp="1"/>
+          </p:cNvSpPr>
+          <p:nvPr>
+            <p:ph type="title"/>
+          </p:nvPr>
+        </p:nvSpPr>
+        <p:spPr>
+          <a:xfrm>
+            <a:off x="0" y="6470730"/>
+            <a:ext cx="12192000" cy="387269"/>
+          </a:xfrm>
+        </p:spPr>
+        <p:txBody>
+          <a:bodyPr>
+            <a:normAutofit/>
+          </a:bodyPr>
+          <a:lstStyle/>
+          <a:p>
+            <a:pPr algn="ctr"/>
+            <a:r>
+              <a:rPr lang="en-US" altLang="zh-CN" sz="1600" b="1" dirty="0" smtClean="0"/>
+              <a:t>multi-trace.md – Design diagram </a:t>
+            </a:r>
+            <a:endParaRPr lang="zh-CN" altLang="en-US" sz="1600" b="1" dirty="0"/>
+          </a:p>
+        </p:txBody>
+      </p:sp>
+      <p:cxnSp>
+        <p:nvCxnSpPr>
+          <p:cNvPr id="40" name="直接连接符 39"/>
+          <p:cNvCxnSpPr/>
+          <p:nvPr/>
+        </p:nvCxnSpPr>
+        <p:spPr>
+          <a:xfrm flipV="1">
+            <a:off x="28685" y="1841886"/>
+            <a:ext cx="12110928" cy="29744"/>
+          </a:xfrm>
+          <a:prstGeom prst="line">
+            <a:avLst/>
+          </a:prstGeom>
+          <a:ln w="19050">
+            <a:prstDash val="solid"/>
+            <a:headEnd type="none" w="med" len="med"/>
+            <a:tailEnd type="triangle" w="med" len="med"/>
+          </a:ln>
+        </p:spPr>
+        <p:style>
+          <a:lnRef idx="1">
+            <a:schemeClr val="accent1"/>
+          </a:lnRef>
+          <a:fillRef idx="0">
+            <a:schemeClr val="accent1"/>
+          </a:fillRef>
+          <a:effectRef idx="0">
+            <a:schemeClr val="accent1"/>
+          </a:effectRef>
+          <a:fontRef idx="minor">
+            <a:schemeClr val="tx1"/>
+          </a:fontRef>
+        </p:style>
+      </p:cxnSp>
+      <p:sp>
+        <p:nvSpPr>
+          <p:cNvPr id="45" name="文本框 44"/>
+          <p:cNvSpPr txBox="1"/>
+          <p:nvPr/>
+        </p:nvSpPr>
+        <p:spPr>
+          <a:xfrm>
+            <a:off x="11159858" y="1789544"/>
+            <a:ext cx="979755" cy="307777"/>
+          </a:xfrm>
+          <a:prstGeom prst="rect">
+            <a:avLst/>
+          </a:prstGeom>
+          <a:noFill/>
+        </p:spPr>
+        <p:txBody>
+          <a:bodyPr wrap="none" rtlCol="0">
+            <a:spAutoFit/>
+          </a:bodyPr>
+          <a:lstStyle/>
+          <a:p>
+            <a:r>
+              <a:rPr lang="en-US" altLang="zh-CN" sz="1400" dirty="0" smtClean="0">
+                <a:latin typeface="Consolas" panose="020B0609020204030204" pitchFamily="49" charset="0"/>
+              </a:rPr>
+              <a:t>timeline</a:t>
+            </a:r>
+            <a:endParaRPr lang="zh-CN" altLang="en-US" sz="1400" dirty="0">
+              <a:latin typeface="Consolas" panose="020B0609020204030204" pitchFamily="49" charset="0"/>
+            </a:endParaRPr>
+          </a:p>
+        </p:txBody>
+      </p:sp>
+      <p:grpSp>
+        <p:nvGrpSpPr>
+          <p:cNvPr id="60" name="组合 59"/>
+          <p:cNvGrpSpPr/>
+          <p:nvPr/>
+        </p:nvGrpSpPr>
+        <p:grpSpPr>
+          <a:xfrm>
+            <a:off x="1904360" y="3589222"/>
+            <a:ext cx="606890" cy="2505172"/>
+            <a:chOff x="719556" y="3592955"/>
+            <a:chExt cx="606890" cy="2505172"/>
+          </a:xfrm>
+        </p:grpSpPr>
+        <p:grpSp>
+          <p:nvGrpSpPr>
+            <p:cNvPr id="31" name="组合 30"/>
+            <p:cNvGrpSpPr/>
+            <p:nvPr/>
+          </p:nvGrpSpPr>
+          <p:grpSpPr>
+            <a:xfrm>
+              <a:off x="719556" y="3592955"/>
+              <a:ext cx="606890" cy="2205858"/>
+              <a:chOff x="5395396" y="3320462"/>
+              <a:chExt cx="606890" cy="2205858"/>
+            </a:xfrm>
+          </p:grpSpPr>
+          <p:grpSp>
+            <p:nvGrpSpPr>
+              <p:cNvPr id="32" name="组合 31"/>
+              <p:cNvGrpSpPr/>
+              <p:nvPr/>
+            </p:nvGrpSpPr>
+            <p:grpSpPr>
+              <a:xfrm>
+                <a:off x="5401776" y="3320462"/>
+                <a:ext cx="600510" cy="2205858"/>
+                <a:chOff x="5395387" y="3320462"/>
+                <a:chExt cx="600510" cy="2205858"/>
+              </a:xfrm>
+            </p:grpSpPr>
+            <p:sp>
+              <p:nvSpPr>
+                <p:cNvPr id="34" name="矩形 33"/>
+                <p:cNvSpPr/>
+                <p:nvPr/>
+              </p:nvSpPr>
+              <p:spPr>
+                <a:xfrm>
+                  <a:off x="5395396" y="3365425"/>
+                  <a:ext cx="600501" cy="2160895"/>
+                </a:xfrm>
+                <a:prstGeom prst="rect">
+                  <a:avLst/>
+                </a:prstGeom>
+                <a:solidFill>
+                  <a:schemeClr val="accent5">
+                    <a:lumMod val="20000"/>
+                    <a:lumOff val="80000"/>
+                  </a:schemeClr>
+                </a:solidFill>
+              </p:spPr>
+              <p:style>
+                <a:lnRef idx="2">
+                  <a:schemeClr val="accent1">
+                    <a:shade val="50000"/>
+                  </a:schemeClr>
+                </a:lnRef>
+                <a:fillRef idx="1">
+                  <a:schemeClr val="accent1"/>
+                </a:fillRef>
+                <a:effectRef idx="0">
+                  <a:schemeClr val="accent1"/>
+                </a:effectRef>
+                <a:fontRef idx="minor">
+                  <a:schemeClr val="lt1"/>
+                </a:fontRef>
+              </p:style>
+              <p:txBody>
+                <a:bodyPr rtlCol="0" anchor="ctr"/>
+                <a:lstStyle/>
+                <a:p>
+                  <a:pPr algn="ctr"/>
+                  <a:endParaRPr lang="zh-CN" altLang="en-US"/>
+                </a:p>
+              </p:txBody>
+            </p:sp>
+            <p:cxnSp>
+              <p:nvCxnSpPr>
+                <p:cNvPr id="35" name="直接连接符 34"/>
+                <p:cNvCxnSpPr/>
+                <p:nvPr/>
+              </p:nvCxnSpPr>
+              <p:spPr>
+                <a:xfrm>
+                  <a:off x="5395394" y="3673522"/>
+                  <a:ext cx="600501" cy="0"/>
+                </a:xfrm>
+                <a:prstGeom prst="line">
+                  <a:avLst/>
+                </a:prstGeom>
+              </p:spPr>
+              <p:style>
+                <a:lnRef idx="1">
+                  <a:schemeClr val="accent1"/>
+                </a:lnRef>
+                <a:fillRef idx="0">
+                  <a:schemeClr val="accent1"/>
+                </a:fillRef>
+                <a:effectRef idx="0">
+                  <a:schemeClr val="accent1"/>
+                </a:effectRef>
+                <a:fontRef idx="minor">
+                  <a:schemeClr val="tx1"/>
+                </a:fontRef>
+              </p:style>
+            </p:cxnSp>
+            <p:cxnSp>
+              <p:nvCxnSpPr>
+                <p:cNvPr id="36" name="直接连接符 35"/>
+                <p:cNvCxnSpPr/>
+                <p:nvPr/>
+              </p:nvCxnSpPr>
+              <p:spPr>
+                <a:xfrm>
+                  <a:off x="5395393" y="3843781"/>
+                  <a:ext cx="600501" cy="0"/>
+                </a:xfrm>
+                <a:prstGeom prst="line">
+                  <a:avLst/>
+                </a:prstGeom>
+              </p:spPr>
+              <p:style>
+                <a:lnRef idx="1">
+                  <a:schemeClr val="accent1"/>
+                </a:lnRef>
+                <a:fillRef idx="0">
+                  <a:schemeClr val="accent1"/>
+                </a:fillRef>
+                <a:effectRef idx="0">
+                  <a:schemeClr val="accent1"/>
+                </a:effectRef>
+                <a:fontRef idx="minor">
+                  <a:schemeClr val="tx1"/>
+                </a:fontRef>
+              </p:style>
+            </p:cxnSp>
+            <p:sp>
+              <p:nvSpPr>
+                <p:cNvPr id="37" name="文本框 36"/>
+                <p:cNvSpPr txBox="1"/>
+                <p:nvPr/>
+              </p:nvSpPr>
+              <p:spPr>
+                <a:xfrm>
+                  <a:off x="5395393" y="3320462"/>
+                  <a:ext cx="600501" cy="246221"/>
+                </a:xfrm>
+                <a:prstGeom prst="rect">
+                  <a:avLst/>
+                </a:prstGeom>
+                <a:noFill/>
+              </p:spPr>
+              <p:txBody>
+                <a:bodyPr wrap="square" rtlCol="0">
+                  <a:spAutoFit/>
+                </a:bodyPr>
+                <a:lstStyle/>
+                <a:p>
+                  <a:pPr algn="ctr"/>
+                  <a:r>
+                    <a:rPr lang="en-US" altLang="zh-CN" sz="1000" dirty="0" smtClean="0">
+                      <a:latin typeface="Consolas" panose="020B0609020204030204" pitchFamily="49" charset="0"/>
+                    </a:rPr>
+                    <a:t>event</a:t>
+                  </a:r>
+                  <a:endParaRPr lang="zh-CN" altLang="en-US" sz="1000" dirty="0">
+                    <a:latin typeface="Consolas" panose="020B0609020204030204" pitchFamily="49" charset="0"/>
+                  </a:endParaRPr>
+                </a:p>
+              </p:txBody>
+            </p:sp>
+            <p:cxnSp>
+              <p:nvCxnSpPr>
+                <p:cNvPr id="38" name="直接连接符 37"/>
+                <p:cNvCxnSpPr/>
+                <p:nvPr/>
+              </p:nvCxnSpPr>
+              <p:spPr>
+                <a:xfrm>
+                  <a:off x="5395392" y="4025119"/>
+                  <a:ext cx="600501" cy="0"/>
+                </a:xfrm>
+                <a:prstGeom prst="line">
+                  <a:avLst/>
+                </a:prstGeom>
+              </p:spPr>
+              <p:style>
+                <a:lnRef idx="1">
+                  <a:schemeClr val="accent1"/>
+                </a:lnRef>
+                <a:fillRef idx="0">
+                  <a:schemeClr val="accent1"/>
+                </a:fillRef>
+                <a:effectRef idx="0">
+                  <a:schemeClr val="accent1"/>
+                </a:effectRef>
+                <a:fontRef idx="minor">
+                  <a:schemeClr val="tx1"/>
+                </a:fontRef>
+              </p:style>
+            </p:cxnSp>
+            <p:cxnSp>
+              <p:nvCxnSpPr>
+                <p:cNvPr id="39" name="直接连接符 38"/>
+                <p:cNvCxnSpPr/>
+                <p:nvPr/>
+              </p:nvCxnSpPr>
+              <p:spPr>
+                <a:xfrm>
+                  <a:off x="5395387" y="4220018"/>
+                  <a:ext cx="600501" cy="0"/>
+                </a:xfrm>
+                <a:prstGeom prst="line">
+                  <a:avLst/>
+                </a:prstGeom>
+              </p:spPr>
+              <p:style>
+                <a:lnRef idx="1">
+                  <a:schemeClr val="accent1"/>
+                </a:lnRef>
+                <a:fillRef idx="0">
+                  <a:schemeClr val="accent1"/>
+                </a:fillRef>
+                <a:effectRef idx="0">
+                  <a:schemeClr val="accent1"/>
+                </a:effectRef>
+                <a:fontRef idx="minor">
+                  <a:schemeClr val="tx1"/>
+                </a:fontRef>
+              </p:style>
+            </p:cxnSp>
+          </p:grpSp>
+          <p:cxnSp>
+            <p:nvCxnSpPr>
+              <p:cNvPr id="33" name="直接连接符 32"/>
+              <p:cNvCxnSpPr/>
+              <p:nvPr/>
+            </p:nvCxnSpPr>
+            <p:spPr>
+              <a:xfrm>
+                <a:off x="5395396" y="3521122"/>
+                <a:ext cx="600501" cy="0"/>
+              </a:xfrm>
+              <a:prstGeom prst="line">
+                <a:avLst/>
+              </a:prstGeom>
+            </p:spPr>
+            <p:style>
+              <a:lnRef idx="1">
+                <a:schemeClr val="accent1"/>
+              </a:lnRef>
+              <a:fillRef idx="0">
+                <a:schemeClr val="accent1"/>
+              </a:fillRef>
+              <a:effectRef idx="0">
+                <a:schemeClr val="accent1"/>
+              </a:effectRef>
+              <a:fontRef idx="minor">
+                <a:schemeClr val="tx1"/>
+              </a:fontRef>
+            </p:style>
+          </p:cxnSp>
+        </p:grpSp>
+        <p:sp>
+          <p:nvSpPr>
+            <p:cNvPr id="46" name="文本框 45"/>
+            <p:cNvSpPr txBox="1"/>
+            <p:nvPr/>
+          </p:nvSpPr>
+          <p:spPr>
+            <a:xfrm>
+              <a:off x="719556" y="5821128"/>
+              <a:ext cx="600501" cy="276999"/>
+            </a:xfrm>
+            <a:prstGeom prst="rect">
+              <a:avLst/>
+            </a:prstGeom>
+            <a:noFill/>
+          </p:spPr>
+          <p:txBody>
+            <a:bodyPr wrap="square" rtlCol="0">
+              <a:spAutoFit/>
+            </a:bodyPr>
+            <a:lstStyle/>
+            <a:p>
+              <a:pPr algn="ctr"/>
+              <a:r>
+                <a:rPr lang="en-US" altLang="zh-CN" sz="1200" dirty="0" smtClean="0">
+                  <a:latin typeface="Consolas" panose="020B0609020204030204" pitchFamily="49" charset="0"/>
+                </a:rPr>
+                <a:t>cpu0</a:t>
+              </a:r>
+              <a:endParaRPr lang="zh-CN" altLang="en-US" sz="1200" dirty="0">
+                <a:latin typeface="Consolas" panose="020B0609020204030204" pitchFamily="49" charset="0"/>
+              </a:endParaRPr>
+            </a:p>
+          </p:txBody>
+        </p:sp>
+      </p:grpSp>
+      <p:grpSp>
+        <p:nvGrpSpPr>
+          <p:cNvPr id="63" name="组合 62"/>
+          <p:cNvGrpSpPr/>
+          <p:nvPr/>
+        </p:nvGrpSpPr>
+        <p:grpSpPr>
+          <a:xfrm>
+            <a:off x="5089321" y="3589222"/>
+            <a:ext cx="650542" cy="2488207"/>
+            <a:chOff x="8294124" y="3592955"/>
+            <a:chExt cx="650542" cy="2488207"/>
+          </a:xfrm>
+        </p:grpSpPr>
+        <p:grpSp>
+          <p:nvGrpSpPr>
+            <p:cNvPr id="4" name="组合 3"/>
+            <p:cNvGrpSpPr/>
+            <p:nvPr/>
+          </p:nvGrpSpPr>
+          <p:grpSpPr>
+            <a:xfrm>
+              <a:off x="8294124" y="3592955"/>
+              <a:ext cx="606890" cy="2205858"/>
+              <a:chOff x="5395396" y="3320462"/>
+              <a:chExt cx="606890" cy="2205858"/>
+            </a:xfrm>
+          </p:grpSpPr>
+          <p:grpSp>
+            <p:nvGrpSpPr>
+              <p:cNvPr id="5" name="组合 4"/>
+              <p:cNvGrpSpPr/>
+              <p:nvPr/>
+            </p:nvGrpSpPr>
+            <p:grpSpPr>
+              <a:xfrm>
+                <a:off x="5401776" y="3320462"/>
+                <a:ext cx="600510" cy="2205858"/>
+                <a:chOff x="5395387" y="3320462"/>
+                <a:chExt cx="600510" cy="2205858"/>
+              </a:xfrm>
+            </p:grpSpPr>
+            <p:sp>
+              <p:nvSpPr>
+                <p:cNvPr id="7" name="矩形 6"/>
+                <p:cNvSpPr/>
+                <p:nvPr/>
+              </p:nvSpPr>
+              <p:spPr>
+                <a:xfrm>
+                  <a:off x="5395396" y="3365425"/>
+                  <a:ext cx="600501" cy="2160895"/>
+                </a:xfrm>
+                <a:prstGeom prst="rect">
+                  <a:avLst/>
+                </a:prstGeom>
+                <a:solidFill>
+                  <a:schemeClr val="accent5">
+                    <a:lumMod val="20000"/>
+                    <a:lumOff val="80000"/>
+                  </a:schemeClr>
+                </a:solidFill>
+              </p:spPr>
+              <p:style>
+                <a:lnRef idx="2">
+                  <a:schemeClr val="accent1">
+                    <a:shade val="50000"/>
+                  </a:schemeClr>
+                </a:lnRef>
+                <a:fillRef idx="1">
+                  <a:schemeClr val="accent1"/>
+                </a:fillRef>
+                <a:effectRef idx="0">
+                  <a:schemeClr val="accent1"/>
+                </a:effectRef>
+                <a:fontRef idx="minor">
+                  <a:schemeClr val="lt1"/>
+                </a:fontRef>
+              </p:style>
+              <p:txBody>
+                <a:bodyPr rtlCol="0" anchor="ctr"/>
+                <a:lstStyle/>
+                <a:p>
+                  <a:pPr algn="ctr"/>
+                  <a:endParaRPr lang="zh-CN" altLang="en-US"/>
+                </a:p>
+              </p:txBody>
+            </p:sp>
+            <p:cxnSp>
+              <p:nvCxnSpPr>
+                <p:cNvPr id="8" name="直接连接符 7"/>
+                <p:cNvCxnSpPr/>
+                <p:nvPr/>
+              </p:nvCxnSpPr>
+              <p:spPr>
+                <a:xfrm>
+                  <a:off x="5395394" y="3673522"/>
+                  <a:ext cx="600501" cy="0"/>
+                </a:xfrm>
+                <a:prstGeom prst="line">
+                  <a:avLst/>
+                </a:prstGeom>
+              </p:spPr>
+              <p:style>
+                <a:lnRef idx="1">
+                  <a:schemeClr val="accent1"/>
+                </a:lnRef>
+                <a:fillRef idx="0">
+                  <a:schemeClr val="accent1"/>
+                </a:fillRef>
+                <a:effectRef idx="0">
+                  <a:schemeClr val="accent1"/>
+                </a:effectRef>
+                <a:fontRef idx="minor">
+                  <a:schemeClr val="tx1"/>
+                </a:fontRef>
+              </p:style>
+            </p:cxnSp>
+            <p:cxnSp>
+              <p:nvCxnSpPr>
+                <p:cNvPr id="9" name="直接连接符 8"/>
+                <p:cNvCxnSpPr/>
+                <p:nvPr/>
+              </p:nvCxnSpPr>
+              <p:spPr>
+                <a:xfrm>
+                  <a:off x="5395393" y="3843781"/>
+                  <a:ext cx="600501" cy="0"/>
+                </a:xfrm>
+                <a:prstGeom prst="line">
+                  <a:avLst/>
+                </a:prstGeom>
+              </p:spPr>
+              <p:style>
+                <a:lnRef idx="1">
+                  <a:schemeClr val="accent1"/>
+                </a:lnRef>
+                <a:fillRef idx="0">
+                  <a:schemeClr val="accent1"/>
+                </a:fillRef>
+                <a:effectRef idx="0">
+                  <a:schemeClr val="accent1"/>
+                </a:effectRef>
+                <a:fontRef idx="minor">
+                  <a:schemeClr val="tx1"/>
+                </a:fontRef>
+              </p:style>
+            </p:cxnSp>
+            <p:sp>
+              <p:nvSpPr>
+                <p:cNvPr id="10" name="文本框 9"/>
+                <p:cNvSpPr txBox="1"/>
+                <p:nvPr/>
+              </p:nvSpPr>
+              <p:spPr>
+                <a:xfrm>
+                  <a:off x="5395393" y="3320462"/>
+                  <a:ext cx="600501" cy="246221"/>
+                </a:xfrm>
+                <a:prstGeom prst="rect">
+                  <a:avLst/>
+                </a:prstGeom>
+                <a:noFill/>
+              </p:spPr>
+              <p:txBody>
+                <a:bodyPr wrap="square" rtlCol="0">
+                  <a:spAutoFit/>
+                </a:bodyPr>
+                <a:lstStyle/>
+                <a:p>
+                  <a:pPr algn="ctr"/>
+                  <a:r>
+                    <a:rPr lang="en-US" altLang="zh-CN" sz="1000" dirty="0" smtClean="0">
+                      <a:latin typeface="Consolas" panose="020B0609020204030204" pitchFamily="49" charset="0"/>
+                    </a:rPr>
+                    <a:t>event</a:t>
+                  </a:r>
+                  <a:endParaRPr lang="zh-CN" altLang="en-US" sz="1000" dirty="0">
+                    <a:latin typeface="Consolas" panose="020B0609020204030204" pitchFamily="49" charset="0"/>
+                  </a:endParaRPr>
+                </a:p>
+              </p:txBody>
+            </p:sp>
+            <p:cxnSp>
+              <p:nvCxnSpPr>
+                <p:cNvPr id="11" name="直接连接符 10"/>
+                <p:cNvCxnSpPr/>
+                <p:nvPr/>
+              </p:nvCxnSpPr>
+              <p:spPr>
+                <a:xfrm>
+                  <a:off x="5395392" y="4025119"/>
+                  <a:ext cx="600501" cy="0"/>
+                </a:xfrm>
+                <a:prstGeom prst="line">
+                  <a:avLst/>
+                </a:prstGeom>
+              </p:spPr>
+              <p:style>
+                <a:lnRef idx="1">
+                  <a:schemeClr val="accent1"/>
+                </a:lnRef>
+                <a:fillRef idx="0">
+                  <a:schemeClr val="accent1"/>
+                </a:fillRef>
+                <a:effectRef idx="0">
+                  <a:schemeClr val="accent1"/>
+                </a:effectRef>
+                <a:fontRef idx="minor">
+                  <a:schemeClr val="tx1"/>
+                </a:fontRef>
+              </p:style>
+            </p:cxnSp>
+            <p:cxnSp>
+              <p:nvCxnSpPr>
+                <p:cNvPr id="12" name="直接连接符 11"/>
+                <p:cNvCxnSpPr/>
+                <p:nvPr/>
+              </p:nvCxnSpPr>
+              <p:spPr>
+                <a:xfrm>
+                  <a:off x="5395387" y="4220018"/>
+                  <a:ext cx="600501" cy="0"/>
+                </a:xfrm>
+                <a:prstGeom prst="line">
+                  <a:avLst/>
+                </a:prstGeom>
+              </p:spPr>
+              <p:style>
+                <a:lnRef idx="1">
+                  <a:schemeClr val="accent1"/>
+                </a:lnRef>
+                <a:fillRef idx="0">
+                  <a:schemeClr val="accent1"/>
+                </a:fillRef>
+                <a:effectRef idx="0">
+                  <a:schemeClr val="accent1"/>
+                </a:effectRef>
+                <a:fontRef idx="minor">
+                  <a:schemeClr val="tx1"/>
+                </a:fontRef>
+              </p:style>
+            </p:cxnSp>
+          </p:grpSp>
+          <p:cxnSp>
+            <p:nvCxnSpPr>
+              <p:cNvPr id="6" name="直接连接符 5"/>
+              <p:cNvCxnSpPr/>
+              <p:nvPr/>
+            </p:nvCxnSpPr>
+            <p:spPr>
+              <a:xfrm>
+                <a:off x="5395396" y="3521122"/>
+                <a:ext cx="600501" cy="0"/>
+              </a:xfrm>
+              <a:prstGeom prst="line">
+                <a:avLst/>
+              </a:prstGeom>
+            </p:spPr>
+            <p:style>
+              <a:lnRef idx="1">
+                <a:schemeClr val="accent1"/>
+              </a:lnRef>
+              <a:fillRef idx="0">
+                <a:schemeClr val="accent1"/>
+              </a:fillRef>
+              <a:effectRef idx="0">
+                <a:schemeClr val="accent1"/>
+              </a:effectRef>
+              <a:fontRef idx="minor">
+                <a:schemeClr val="tx1"/>
+              </a:fontRef>
+            </p:style>
+          </p:cxnSp>
+        </p:grpSp>
+        <p:sp>
+          <p:nvSpPr>
+            <p:cNvPr id="49" name="文本框 48"/>
+            <p:cNvSpPr txBox="1"/>
+            <p:nvPr/>
+          </p:nvSpPr>
+          <p:spPr>
+            <a:xfrm>
+              <a:off x="8344165" y="5804163"/>
+              <a:ext cx="600501" cy="276999"/>
+            </a:xfrm>
+            <a:prstGeom prst="rect">
+              <a:avLst/>
+            </a:prstGeom>
+            <a:noFill/>
+          </p:spPr>
+          <p:txBody>
+            <a:bodyPr wrap="square" rtlCol="0">
+              <a:spAutoFit/>
+            </a:bodyPr>
+            <a:lstStyle/>
+            <a:p>
+              <a:pPr algn="ctr"/>
+              <a:r>
+                <a:rPr lang="en-US" altLang="zh-CN" sz="1200" dirty="0" err="1" smtClean="0">
+                  <a:latin typeface="Consolas" panose="020B0609020204030204" pitchFamily="49" charset="0"/>
+                </a:rPr>
+                <a:t>cpuN</a:t>
+              </a:r>
+              <a:endParaRPr lang="zh-CN" altLang="en-US" sz="1200" dirty="0">
+                <a:latin typeface="Consolas" panose="020B0609020204030204" pitchFamily="49" charset="0"/>
+              </a:endParaRPr>
+            </a:p>
+          </p:txBody>
+        </p:sp>
+      </p:grpSp>
+      <p:sp>
+        <p:nvSpPr>
+          <p:cNvPr id="692" name="文本框 691"/>
+          <p:cNvSpPr txBox="1"/>
+          <p:nvPr/>
+        </p:nvSpPr>
+        <p:spPr>
+          <a:xfrm>
+            <a:off x="634473" y="104713"/>
+            <a:ext cx="4347665" cy="1200329"/>
+          </a:xfrm>
+          <a:prstGeom prst="rect">
+            <a:avLst/>
+          </a:prstGeom>
+          <a:noFill/>
+        </p:spPr>
+        <p:txBody>
+          <a:bodyPr wrap="none" rtlCol="0">
+            <a:spAutoFit/>
+          </a:bodyPr>
+          <a:lstStyle/>
+          <a:p>
+            <a:r>
+              <a:rPr lang="en-US" altLang="zh-CN" sz="1200" dirty="0">
+                <a:latin typeface="Consolas" panose="020B0609020204030204" pitchFamily="49" charset="0"/>
+              </a:rPr>
+              <a:t>perf-prof multi-trace -e </a:t>
+            </a:r>
+            <a:r>
+              <a:rPr lang="en-US" altLang="zh-CN" sz="1200" dirty="0" smtClean="0">
+                <a:latin typeface="Consolas" panose="020B0609020204030204" pitchFamily="49" charset="0"/>
+              </a:rPr>
+              <a:t>A,B,C </a:t>
+            </a:r>
+            <a:r>
+              <a:rPr lang="en-US" altLang="zh-CN" sz="1200" dirty="0">
+                <a:latin typeface="Consolas" panose="020B0609020204030204" pitchFamily="49" charset="0"/>
+              </a:rPr>
+              <a:t>-e </a:t>
+            </a:r>
+            <a:r>
+              <a:rPr lang="en-US" altLang="zh-CN" sz="1200" dirty="0" smtClean="0">
+                <a:latin typeface="Consolas" panose="020B0609020204030204" pitchFamily="49" charset="0"/>
+              </a:rPr>
+              <a:t>D,E –e F –k key</a:t>
+            </a:r>
+          </a:p>
+          <a:p>
+            <a:r>
+              <a:rPr lang="en-US" altLang="zh-CN" sz="1200" dirty="0" smtClean="0">
+                <a:latin typeface="Consolas" panose="020B0609020204030204" pitchFamily="49" charset="0"/>
+              </a:rPr>
+              <a:t>A-&gt;D, A-&gt;E</a:t>
+            </a:r>
+          </a:p>
+          <a:p>
+            <a:r>
+              <a:rPr lang="en-US" altLang="zh-CN" sz="1200" dirty="0" smtClean="0">
+                <a:latin typeface="Consolas" panose="020B0609020204030204" pitchFamily="49" charset="0"/>
+              </a:rPr>
+              <a:t>B-&gt;D, B-&gt;E</a:t>
+            </a:r>
+          </a:p>
+          <a:p>
+            <a:r>
+              <a:rPr lang="en-US" altLang="zh-CN" sz="1200" dirty="0" smtClean="0">
+                <a:latin typeface="Consolas" panose="020B0609020204030204" pitchFamily="49" charset="0"/>
+              </a:rPr>
+              <a:t>C-&gt;D, C-&gt;E</a:t>
+            </a:r>
+          </a:p>
+          <a:p>
+            <a:r>
+              <a:rPr lang="en-US" altLang="zh-CN" sz="1200" dirty="0">
+                <a:latin typeface="Consolas" panose="020B0609020204030204" pitchFamily="49" charset="0"/>
+              </a:rPr>
+              <a:t>D</a:t>
+            </a:r>
+            <a:r>
+              <a:rPr lang="en-US" altLang="zh-CN" sz="1200" dirty="0" smtClean="0">
+                <a:latin typeface="Consolas" panose="020B0609020204030204" pitchFamily="49" charset="0"/>
+              </a:rPr>
+              <a:t>-&gt;F, E-&gt;F</a:t>
+            </a:r>
+          </a:p>
+          <a:p>
+            <a:r>
+              <a:rPr lang="zh-CN" altLang="en-US" sz="1200" dirty="0">
+                <a:latin typeface="Consolas" panose="020B0609020204030204" pitchFamily="49" charset="0"/>
+              </a:rPr>
+              <a:t>统计</a:t>
+            </a:r>
+            <a:r>
+              <a:rPr lang="zh-CN" altLang="en-US" sz="1200" dirty="0" smtClean="0">
+                <a:latin typeface="Consolas" panose="020B0609020204030204" pitchFamily="49" charset="0"/>
+              </a:rPr>
+              <a:t>成对事件之间的关系</a:t>
+            </a:r>
+            <a:endParaRPr lang="en-US" altLang="zh-CN" sz="1200" dirty="0" smtClean="0">
+              <a:latin typeface="Consolas" panose="020B0609020204030204" pitchFamily="49" charset="0"/>
+            </a:endParaRPr>
+          </a:p>
+        </p:txBody>
+      </p:sp>
+      <p:sp>
+        <p:nvSpPr>
+          <p:cNvPr id="723" name="文本框 722"/>
+          <p:cNvSpPr txBox="1"/>
+          <p:nvPr/>
+        </p:nvSpPr>
+        <p:spPr>
+          <a:xfrm>
+            <a:off x="2090922" y="1651045"/>
+            <a:ext cx="6471643" cy="276999"/>
+          </a:xfrm>
+          <a:prstGeom prst="rect">
+            <a:avLst/>
+          </a:prstGeom>
+          <a:noFill/>
+        </p:spPr>
+        <p:txBody>
+          <a:bodyPr wrap="none" rtlCol="0">
+            <a:spAutoFit/>
+          </a:bodyPr>
+          <a:lstStyle/>
+          <a:p>
+            <a:r>
+              <a:rPr lang="en-US" altLang="zh-CN" sz="1200" strike="sngStrike" dirty="0" smtClean="0">
+                <a:solidFill>
+                  <a:schemeClr val="bg2">
+                    <a:lumMod val="90000"/>
+                  </a:schemeClr>
+                </a:solidFill>
+                <a:latin typeface="Consolas" panose="020B0609020204030204" pitchFamily="49" charset="0"/>
+              </a:rPr>
+              <a:t>ABCDEFAAFCDBDEFFFFFFFFFFFA</a:t>
+            </a:r>
+            <a:r>
+              <a:rPr lang="en-US" altLang="zh-CN" sz="1200" dirty="0" smtClean="0">
+                <a:solidFill>
+                  <a:srgbClr val="FF0000"/>
+                </a:solidFill>
+                <a:latin typeface="Consolas" panose="020B0609020204030204" pitchFamily="49" charset="0"/>
+              </a:rPr>
+              <a:t>A</a:t>
+            </a:r>
+            <a:r>
+              <a:rPr lang="en-US" altLang="zh-CN" sz="1200" dirty="0" smtClean="0">
+                <a:solidFill>
+                  <a:schemeClr val="bg2">
+                    <a:lumMod val="90000"/>
+                  </a:schemeClr>
+                </a:solidFill>
+                <a:latin typeface="Consolas" panose="020B0609020204030204" pitchFamily="49" charset="0"/>
+              </a:rPr>
+              <a:t>AAAAABBCC</a:t>
+            </a:r>
+            <a:r>
+              <a:rPr lang="en-US" altLang="zh-CN" sz="1200" dirty="0" smtClean="0">
+                <a:solidFill>
+                  <a:schemeClr val="accent2">
+                    <a:lumMod val="75000"/>
+                  </a:schemeClr>
+                </a:solidFill>
+                <a:latin typeface="Consolas" panose="020B0609020204030204" pitchFamily="49" charset="0"/>
+              </a:rPr>
+              <a:t>C</a:t>
+            </a:r>
+            <a:r>
+              <a:rPr lang="en-US" altLang="zh-CN" sz="1200" dirty="0" smtClean="0">
+                <a:solidFill>
+                  <a:schemeClr val="bg2">
+                    <a:lumMod val="90000"/>
+                  </a:schemeClr>
+                </a:solidFill>
+                <a:latin typeface="Consolas" panose="020B0609020204030204" pitchFamily="49" charset="0"/>
+              </a:rPr>
+              <a:t>CCCCC</a:t>
+            </a:r>
+            <a:r>
+              <a:rPr lang="en-US" altLang="zh-CN" sz="1200" dirty="0" smtClean="0">
+                <a:solidFill>
+                  <a:schemeClr val="accent1">
+                    <a:lumMod val="75000"/>
+                  </a:schemeClr>
+                </a:solidFill>
+                <a:latin typeface="Consolas" panose="020B0609020204030204" pitchFamily="49" charset="0"/>
+              </a:rPr>
+              <a:t>B</a:t>
+            </a:r>
+            <a:r>
+              <a:rPr lang="en-US" altLang="zh-CN" sz="1200" dirty="0" smtClean="0">
+                <a:solidFill>
+                  <a:schemeClr val="bg2">
+                    <a:lumMod val="90000"/>
+                  </a:schemeClr>
+                </a:solidFill>
+                <a:latin typeface="Consolas" panose="020B0609020204030204" pitchFamily="49" charset="0"/>
+              </a:rPr>
+              <a:t>CDDDDD</a:t>
+            </a:r>
+            <a:r>
+              <a:rPr lang="en-US" altLang="zh-CN" sz="1200" dirty="0" smtClean="0">
+                <a:solidFill>
+                  <a:schemeClr val="accent2">
+                    <a:lumMod val="75000"/>
+                  </a:schemeClr>
+                </a:solidFill>
+                <a:latin typeface="Consolas" panose="020B0609020204030204" pitchFamily="49" charset="0"/>
+              </a:rPr>
+              <a:t>E</a:t>
+            </a:r>
+            <a:r>
+              <a:rPr lang="en-US" altLang="zh-CN" sz="1200" dirty="0" smtClean="0">
+                <a:solidFill>
+                  <a:schemeClr val="bg2">
+                    <a:lumMod val="90000"/>
+                  </a:schemeClr>
+                </a:solidFill>
+                <a:latin typeface="Consolas" panose="020B0609020204030204" pitchFamily="49" charset="0"/>
+              </a:rPr>
+              <a:t>EEE</a:t>
+            </a:r>
+            <a:r>
+              <a:rPr lang="en-US" altLang="zh-CN" sz="1200" dirty="0" smtClean="0">
+                <a:solidFill>
+                  <a:schemeClr val="accent1">
+                    <a:lumMod val="75000"/>
+                  </a:schemeClr>
+                </a:solidFill>
+                <a:latin typeface="Consolas" panose="020B0609020204030204" pitchFamily="49" charset="0"/>
+              </a:rPr>
+              <a:t>E</a:t>
+            </a:r>
+            <a:r>
+              <a:rPr lang="en-US" altLang="zh-CN" sz="1200" dirty="0" smtClean="0">
+                <a:solidFill>
+                  <a:schemeClr val="bg2">
+                    <a:lumMod val="90000"/>
+                  </a:schemeClr>
+                </a:solidFill>
+                <a:latin typeface="Consolas" panose="020B0609020204030204" pitchFamily="49" charset="0"/>
+              </a:rPr>
+              <a:t>FFFFF</a:t>
+            </a:r>
+            <a:r>
+              <a:rPr lang="en-US" altLang="zh-CN" sz="1200" dirty="0" smtClean="0">
+                <a:solidFill>
+                  <a:schemeClr val="accent1">
+                    <a:lumMod val="60000"/>
+                    <a:lumOff val="40000"/>
+                  </a:schemeClr>
+                </a:solidFill>
+                <a:latin typeface="Consolas" panose="020B0609020204030204" pitchFamily="49" charset="0"/>
+              </a:rPr>
+              <a:t>F</a:t>
+            </a:r>
+            <a:r>
+              <a:rPr lang="en-US" altLang="zh-CN" sz="1200" dirty="0" smtClean="0">
+                <a:solidFill>
+                  <a:schemeClr val="bg2">
+                    <a:lumMod val="90000"/>
+                  </a:schemeClr>
+                </a:solidFill>
+                <a:latin typeface="Consolas" panose="020B0609020204030204" pitchFamily="49" charset="0"/>
+              </a:rPr>
+              <a:t>FFFF</a:t>
+            </a:r>
+            <a:r>
+              <a:rPr lang="en-US" altLang="zh-CN" sz="1200" dirty="0" smtClean="0">
+                <a:solidFill>
+                  <a:srgbClr val="FF0000"/>
+                </a:solidFill>
+                <a:latin typeface="Consolas" panose="020B0609020204030204" pitchFamily="49" charset="0"/>
+              </a:rPr>
+              <a:t>D</a:t>
+            </a:r>
+            <a:r>
+              <a:rPr lang="en-US" altLang="zh-CN" sz="1200" dirty="0" smtClean="0">
+                <a:solidFill>
+                  <a:schemeClr val="bg2">
+                    <a:lumMod val="90000"/>
+                  </a:schemeClr>
+                </a:solidFill>
+                <a:latin typeface="Consolas" panose="020B0609020204030204" pitchFamily="49" charset="0"/>
+              </a:rPr>
+              <a:t>DDDEEEE..</a:t>
+            </a:r>
+            <a:endParaRPr lang="zh-CN" altLang="en-US" sz="1200" dirty="0">
+              <a:solidFill>
+                <a:schemeClr val="bg2">
+                  <a:lumMod val="90000"/>
+                </a:schemeClr>
+              </a:solidFill>
+              <a:latin typeface="Consolas" panose="020B0609020204030204" pitchFamily="49" charset="0"/>
+            </a:endParaRPr>
+          </a:p>
+        </p:txBody>
+      </p:sp>
+      <p:grpSp>
+        <p:nvGrpSpPr>
+          <p:cNvPr id="735" name="组合 734"/>
+          <p:cNvGrpSpPr/>
+          <p:nvPr/>
+        </p:nvGrpSpPr>
+        <p:grpSpPr>
+          <a:xfrm>
+            <a:off x="5363377" y="188576"/>
+            <a:ext cx="2424052" cy="1030298"/>
+            <a:chOff x="5543283" y="377186"/>
+            <a:chExt cx="2424052" cy="1030298"/>
+          </a:xfrm>
+        </p:grpSpPr>
+        <p:grpSp>
+          <p:nvGrpSpPr>
+            <p:cNvPr id="717" name="组合 716"/>
+            <p:cNvGrpSpPr/>
+            <p:nvPr/>
+          </p:nvGrpSpPr>
+          <p:grpSpPr>
+            <a:xfrm>
+              <a:off x="5543283" y="377186"/>
+              <a:ext cx="2424052" cy="1030298"/>
+              <a:chOff x="5543283" y="377186"/>
+              <a:chExt cx="2424052" cy="1030298"/>
+            </a:xfrm>
+          </p:grpSpPr>
+          <p:grpSp>
+            <p:nvGrpSpPr>
+              <p:cNvPr id="699" name="组合 698"/>
+              <p:cNvGrpSpPr/>
+              <p:nvPr/>
+            </p:nvGrpSpPr>
+            <p:grpSpPr>
+              <a:xfrm>
+                <a:off x="5543283" y="377186"/>
+                <a:ext cx="301897" cy="1030298"/>
+                <a:chOff x="4751859" y="432179"/>
+                <a:chExt cx="301897" cy="1030298"/>
+              </a:xfrm>
+            </p:grpSpPr>
+            <p:sp>
+              <p:nvSpPr>
+                <p:cNvPr id="693" name="椭圆 692"/>
+                <p:cNvSpPr/>
+                <p:nvPr/>
+              </p:nvSpPr>
+              <p:spPr>
+                <a:xfrm>
+                  <a:off x="4751859" y="432179"/>
+                  <a:ext cx="301897" cy="301897"/>
+                </a:xfrm>
+                <a:prstGeom prst="ellipse">
+                  <a:avLst/>
+                </a:prstGeom>
+                <a:solidFill>
+                  <a:schemeClr val="accent5">
+                    <a:lumMod val="20000"/>
+                    <a:lumOff val="80000"/>
+                  </a:schemeClr>
+                </a:solidFill>
+              </p:spPr>
+              <p:style>
+                <a:lnRef idx="2">
+                  <a:schemeClr val="accent1">
+                    <a:shade val="50000"/>
+                  </a:schemeClr>
+                </a:lnRef>
+                <a:fillRef idx="1">
+                  <a:schemeClr val="accent1"/>
+                </a:fillRef>
+                <a:effectRef idx="0">
+                  <a:schemeClr val="accent1"/>
+                </a:effectRef>
+                <a:fontRef idx="minor">
+                  <a:schemeClr val="lt1"/>
+                </a:fontRef>
+              </p:style>
+              <p:txBody>
+                <a:bodyPr rtlCol="0" anchor="ctr"/>
+                <a:lstStyle/>
+                <a:p>
+                  <a:pPr algn="ctr"/>
+                  <a:r>
+                    <a:rPr lang="en-US" altLang="zh-CN" dirty="0" smtClean="0">
+                      <a:solidFill>
+                        <a:schemeClr val="tx1"/>
+                      </a:solidFill>
+                    </a:rPr>
+                    <a:t>A</a:t>
+                  </a:r>
+                  <a:endParaRPr lang="zh-CN" altLang="en-US" dirty="0">
+                    <a:solidFill>
+                      <a:schemeClr val="tx1"/>
+                    </a:solidFill>
+                  </a:endParaRPr>
+                </a:p>
+              </p:txBody>
+            </p:sp>
+            <p:sp>
+              <p:nvSpPr>
+                <p:cNvPr id="694" name="椭圆 693"/>
+                <p:cNvSpPr/>
+                <p:nvPr/>
+              </p:nvSpPr>
+              <p:spPr>
+                <a:xfrm>
+                  <a:off x="4751859" y="799033"/>
+                  <a:ext cx="301897" cy="301897"/>
+                </a:xfrm>
+                <a:prstGeom prst="ellipse">
+                  <a:avLst/>
+                </a:prstGeom>
+                <a:solidFill>
+                  <a:schemeClr val="accent5">
+                    <a:lumMod val="20000"/>
+                    <a:lumOff val="80000"/>
+                  </a:schemeClr>
+                </a:solidFill>
+              </p:spPr>
+              <p:style>
+                <a:lnRef idx="2">
+                  <a:schemeClr val="accent1">
+                    <a:shade val="50000"/>
+                  </a:schemeClr>
+                </a:lnRef>
+                <a:fillRef idx="1">
+                  <a:schemeClr val="accent1"/>
+                </a:fillRef>
+                <a:effectRef idx="0">
+                  <a:schemeClr val="accent1"/>
+                </a:effectRef>
+                <a:fontRef idx="minor">
+                  <a:schemeClr val="lt1"/>
+                </a:fontRef>
+              </p:style>
+              <p:txBody>
+                <a:bodyPr rtlCol="0" anchor="ctr"/>
+                <a:lstStyle/>
+                <a:p>
+                  <a:pPr algn="ctr"/>
+                  <a:r>
+                    <a:rPr lang="en-US" altLang="zh-CN" dirty="0">
+                      <a:solidFill>
+                        <a:schemeClr val="tx1"/>
+                      </a:solidFill>
+                    </a:rPr>
+                    <a:t>B</a:t>
+                  </a:r>
+                  <a:endParaRPr lang="zh-CN" altLang="en-US" dirty="0">
+                    <a:solidFill>
+                      <a:schemeClr val="tx1"/>
+                    </a:solidFill>
+                  </a:endParaRPr>
+                </a:p>
+              </p:txBody>
+            </p:sp>
+            <p:sp>
+              <p:nvSpPr>
+                <p:cNvPr id="695" name="椭圆 694"/>
+                <p:cNvSpPr/>
+                <p:nvPr/>
+              </p:nvSpPr>
+              <p:spPr>
+                <a:xfrm>
+                  <a:off x="4751859" y="1160580"/>
+                  <a:ext cx="301897" cy="301897"/>
+                </a:xfrm>
+                <a:prstGeom prst="ellipse">
+                  <a:avLst/>
+                </a:prstGeom>
+                <a:solidFill>
+                  <a:schemeClr val="accent5">
+                    <a:lumMod val="20000"/>
+                    <a:lumOff val="80000"/>
+                  </a:schemeClr>
+                </a:solidFill>
+              </p:spPr>
+              <p:style>
+                <a:lnRef idx="2">
+                  <a:schemeClr val="accent1">
+                    <a:shade val="50000"/>
+                  </a:schemeClr>
+                </a:lnRef>
+                <a:fillRef idx="1">
+                  <a:schemeClr val="accent1"/>
+                </a:fillRef>
+                <a:effectRef idx="0">
+                  <a:schemeClr val="accent1"/>
+                </a:effectRef>
+                <a:fontRef idx="minor">
+                  <a:schemeClr val="lt1"/>
+                </a:fontRef>
+              </p:style>
+              <p:txBody>
+                <a:bodyPr rtlCol="0" anchor="ctr"/>
+                <a:lstStyle/>
+                <a:p>
+                  <a:pPr algn="ctr"/>
+                  <a:r>
+                    <a:rPr lang="en-US" altLang="zh-CN" dirty="0">
+                      <a:solidFill>
+                        <a:schemeClr val="tx1"/>
+                      </a:solidFill>
+                    </a:rPr>
+                    <a:t>C</a:t>
+                  </a:r>
+                  <a:endParaRPr lang="zh-CN" altLang="en-US" dirty="0">
+                    <a:solidFill>
+                      <a:schemeClr val="tx1"/>
+                    </a:solidFill>
+                  </a:endParaRPr>
+                </a:p>
+              </p:txBody>
+            </p:sp>
+          </p:grpSp>
+          <p:grpSp>
+            <p:nvGrpSpPr>
+              <p:cNvPr id="700" name="组合 699"/>
+              <p:cNvGrpSpPr/>
+              <p:nvPr/>
+            </p:nvGrpSpPr>
+            <p:grpSpPr>
+              <a:xfrm>
+                <a:off x="6604360" y="531507"/>
+                <a:ext cx="301897" cy="721657"/>
+                <a:chOff x="6105941" y="518052"/>
+                <a:chExt cx="301897" cy="721657"/>
+              </a:xfrm>
+            </p:grpSpPr>
+            <p:sp>
+              <p:nvSpPr>
+                <p:cNvPr id="696" name="椭圆 695"/>
+                <p:cNvSpPr/>
+                <p:nvPr/>
+              </p:nvSpPr>
+              <p:spPr>
+                <a:xfrm>
+                  <a:off x="6105941" y="518052"/>
+                  <a:ext cx="301897" cy="301897"/>
+                </a:xfrm>
+                <a:prstGeom prst="ellipse">
+                  <a:avLst/>
+                </a:prstGeom>
+                <a:solidFill>
+                  <a:schemeClr val="accent5">
+                    <a:lumMod val="20000"/>
+                    <a:lumOff val="80000"/>
+                  </a:schemeClr>
+                </a:solidFill>
+              </p:spPr>
+              <p:style>
+                <a:lnRef idx="2">
+                  <a:schemeClr val="accent1">
+                    <a:shade val="50000"/>
+                  </a:schemeClr>
+                </a:lnRef>
+                <a:fillRef idx="1">
+                  <a:schemeClr val="accent1"/>
+                </a:fillRef>
+                <a:effectRef idx="0">
+                  <a:schemeClr val="accent1"/>
+                </a:effectRef>
+                <a:fontRef idx="minor">
+                  <a:schemeClr val="lt1"/>
+                </a:fontRef>
+              </p:style>
+              <p:txBody>
+                <a:bodyPr rtlCol="0" anchor="ctr"/>
+                <a:lstStyle/>
+                <a:p>
+                  <a:pPr algn="ctr"/>
+                  <a:r>
+                    <a:rPr lang="en-US" altLang="zh-CN" dirty="0" smtClean="0">
+                      <a:solidFill>
+                        <a:schemeClr val="tx1"/>
+                      </a:solidFill>
+                    </a:rPr>
+                    <a:t>D</a:t>
+                  </a:r>
+                  <a:endParaRPr lang="zh-CN" altLang="en-US" dirty="0">
+                    <a:solidFill>
+                      <a:schemeClr val="tx1"/>
+                    </a:solidFill>
+                  </a:endParaRPr>
+                </a:p>
+              </p:txBody>
+            </p:sp>
+            <p:sp>
+              <p:nvSpPr>
+                <p:cNvPr id="697" name="椭圆 696"/>
+                <p:cNvSpPr/>
+                <p:nvPr/>
+              </p:nvSpPr>
+              <p:spPr>
+                <a:xfrm>
+                  <a:off x="6105941" y="937812"/>
+                  <a:ext cx="301897" cy="301897"/>
+                </a:xfrm>
+                <a:prstGeom prst="ellipse">
+                  <a:avLst/>
+                </a:prstGeom>
+                <a:solidFill>
+                  <a:schemeClr val="accent5">
+                    <a:lumMod val="20000"/>
+                    <a:lumOff val="80000"/>
+                  </a:schemeClr>
+                </a:solidFill>
+              </p:spPr>
+              <p:style>
+                <a:lnRef idx="2">
+                  <a:schemeClr val="accent1">
+                    <a:shade val="50000"/>
+                  </a:schemeClr>
+                </a:lnRef>
+                <a:fillRef idx="1">
+                  <a:schemeClr val="accent1"/>
+                </a:fillRef>
+                <a:effectRef idx="0">
+                  <a:schemeClr val="accent1"/>
+                </a:effectRef>
+                <a:fontRef idx="minor">
+                  <a:schemeClr val="lt1"/>
+                </a:fontRef>
+              </p:style>
+              <p:txBody>
+                <a:bodyPr rtlCol="0" anchor="ctr"/>
+                <a:lstStyle/>
+                <a:p>
+                  <a:pPr algn="ctr"/>
+                  <a:r>
+                    <a:rPr lang="en-US" altLang="zh-CN" dirty="0" smtClean="0">
+                      <a:solidFill>
+                        <a:schemeClr val="tx1"/>
+                      </a:solidFill>
+                    </a:rPr>
+                    <a:t>E</a:t>
+                  </a:r>
+                  <a:endParaRPr lang="zh-CN" altLang="en-US" dirty="0">
+                    <a:solidFill>
+                      <a:schemeClr val="tx1"/>
+                    </a:solidFill>
+                  </a:endParaRPr>
+                </a:p>
+              </p:txBody>
+            </p:sp>
+          </p:grpSp>
+          <p:sp>
+            <p:nvSpPr>
+              <p:cNvPr id="698" name="椭圆 697"/>
+              <p:cNvSpPr/>
+              <p:nvPr/>
+            </p:nvSpPr>
+            <p:spPr>
+              <a:xfrm>
+                <a:off x="7665438" y="741387"/>
+                <a:ext cx="301897" cy="301897"/>
+              </a:xfrm>
+              <a:prstGeom prst="ellipse">
+                <a:avLst/>
+              </a:prstGeom>
+              <a:solidFill>
+                <a:schemeClr val="accent5">
+                  <a:lumMod val="20000"/>
+                  <a:lumOff val="80000"/>
+                </a:schemeClr>
+              </a:solidFill>
+            </p:spPr>
+            <p:style>
+              <a:lnRef idx="2">
+                <a:schemeClr val="accent1">
+                  <a:shade val="50000"/>
+                </a:schemeClr>
+              </a:lnRef>
+              <a:fillRef idx="1">
+                <a:schemeClr val="accent1"/>
+              </a:fillRef>
+              <a:effectRef idx="0">
+                <a:schemeClr val="accent1"/>
+              </a:effectRef>
+              <a:fontRef idx="minor">
+                <a:schemeClr val="lt1"/>
+              </a:fontRef>
+            </p:style>
+            <p:txBody>
+              <a:bodyPr rtlCol="0" anchor="ctr"/>
+              <a:lstStyle/>
+              <a:p>
+                <a:pPr algn="ctr"/>
+                <a:r>
+                  <a:rPr lang="en-US" altLang="zh-CN" dirty="0" smtClean="0">
+                    <a:solidFill>
+                      <a:schemeClr val="tx1"/>
+                    </a:solidFill>
+                  </a:rPr>
+                  <a:t>F</a:t>
+                </a:r>
+                <a:endParaRPr lang="zh-CN" altLang="en-US" dirty="0">
+                  <a:solidFill>
+                    <a:schemeClr val="tx1"/>
+                  </a:solidFill>
+                </a:endParaRPr>
+              </a:p>
+            </p:txBody>
+          </p:sp>
+          <p:cxnSp>
+            <p:nvCxnSpPr>
+              <p:cNvPr id="702" name="直接箭头连接符 701"/>
+              <p:cNvCxnSpPr>
+                <a:stCxn id="693" idx="6"/>
+                <a:endCxn id="696" idx="2"/>
+              </p:cNvCxnSpPr>
+              <p:nvPr/>
+            </p:nvCxnSpPr>
+            <p:spPr>
+              <a:xfrm>
+                <a:off x="5845180" y="528135"/>
+                <a:ext cx="759180" cy="154321"/>
+              </a:xfrm>
+              <a:prstGeom prst="straightConnector1">
+                <a:avLst/>
+              </a:prstGeom>
+              <a:ln>
+                <a:tailEnd type="triangle"/>
+              </a:ln>
+            </p:spPr>
+            <p:style>
+              <a:lnRef idx="1">
+                <a:schemeClr val="accent1"/>
+              </a:lnRef>
+              <a:fillRef idx="0">
+                <a:schemeClr val="accent1"/>
+              </a:fillRef>
+              <a:effectRef idx="0">
+                <a:schemeClr val="accent1"/>
+              </a:effectRef>
+              <a:fontRef idx="minor">
+                <a:schemeClr val="tx1"/>
+              </a:fontRef>
+            </p:style>
+          </p:cxnSp>
+          <p:cxnSp>
+            <p:nvCxnSpPr>
+              <p:cNvPr id="704" name="直接箭头连接符 703"/>
+              <p:cNvCxnSpPr>
+                <a:stCxn id="694" idx="6"/>
+                <a:endCxn id="696" idx="2"/>
+              </p:cNvCxnSpPr>
+              <p:nvPr/>
+            </p:nvCxnSpPr>
+            <p:spPr>
+              <a:xfrm flipV="1">
+                <a:off x="5845180" y="682456"/>
+                <a:ext cx="759180" cy="212533"/>
+              </a:xfrm>
+              <a:prstGeom prst="straightConnector1">
+                <a:avLst/>
+              </a:prstGeom>
+              <a:ln>
+                <a:tailEnd type="triangle"/>
+              </a:ln>
+            </p:spPr>
+            <p:style>
+              <a:lnRef idx="1">
+                <a:schemeClr val="accent1"/>
+              </a:lnRef>
+              <a:fillRef idx="0">
+                <a:schemeClr val="accent1"/>
+              </a:fillRef>
+              <a:effectRef idx="0">
+                <a:schemeClr val="accent1"/>
+              </a:effectRef>
+              <a:fontRef idx="minor">
+                <a:schemeClr val="tx1"/>
+              </a:fontRef>
+            </p:style>
+          </p:cxnSp>
+          <p:cxnSp>
+            <p:nvCxnSpPr>
+              <p:cNvPr id="706" name="直接箭头连接符 705"/>
+              <p:cNvCxnSpPr>
+                <a:stCxn id="695" idx="6"/>
+                <a:endCxn id="696" idx="2"/>
+              </p:cNvCxnSpPr>
+              <p:nvPr/>
+            </p:nvCxnSpPr>
+            <p:spPr>
+              <a:xfrm flipV="1">
+                <a:off x="5845180" y="682456"/>
+                <a:ext cx="759180" cy="574080"/>
+              </a:xfrm>
+              <a:prstGeom prst="straightConnector1">
+                <a:avLst/>
+              </a:prstGeom>
+              <a:ln>
+                <a:tailEnd type="triangle"/>
+              </a:ln>
+            </p:spPr>
+            <p:style>
+              <a:lnRef idx="1">
+                <a:schemeClr val="accent1"/>
+              </a:lnRef>
+              <a:fillRef idx="0">
+                <a:schemeClr val="accent1"/>
+              </a:fillRef>
+              <a:effectRef idx="0">
+                <a:schemeClr val="accent1"/>
+              </a:effectRef>
+              <a:fontRef idx="minor">
+                <a:schemeClr val="tx1"/>
+              </a:fontRef>
+            </p:style>
+          </p:cxnSp>
+          <p:cxnSp>
+            <p:nvCxnSpPr>
+              <p:cNvPr id="708" name="直接箭头连接符 707"/>
+              <p:cNvCxnSpPr>
+                <a:stCxn id="693" idx="6"/>
+                <a:endCxn id="697" idx="2"/>
+              </p:cNvCxnSpPr>
+              <p:nvPr/>
+            </p:nvCxnSpPr>
+            <p:spPr>
+              <a:xfrm>
+                <a:off x="5845180" y="528135"/>
+                <a:ext cx="759180" cy="574081"/>
+              </a:xfrm>
+              <a:prstGeom prst="straightConnector1">
+                <a:avLst/>
+              </a:prstGeom>
+              <a:ln>
+                <a:tailEnd type="triangle"/>
+              </a:ln>
+            </p:spPr>
+            <p:style>
+              <a:lnRef idx="1">
+                <a:schemeClr val="accent1"/>
+              </a:lnRef>
+              <a:fillRef idx="0">
+                <a:schemeClr val="accent1"/>
+              </a:fillRef>
+              <a:effectRef idx="0">
+                <a:schemeClr val="accent1"/>
+              </a:effectRef>
+              <a:fontRef idx="minor">
+                <a:schemeClr val="tx1"/>
+              </a:fontRef>
+            </p:style>
+          </p:cxnSp>
+          <p:cxnSp>
+            <p:nvCxnSpPr>
+              <p:cNvPr id="710" name="直接箭头连接符 709"/>
+              <p:cNvCxnSpPr>
+                <a:stCxn id="694" idx="6"/>
+                <a:endCxn id="697" idx="2"/>
+              </p:cNvCxnSpPr>
+              <p:nvPr/>
+            </p:nvCxnSpPr>
+            <p:spPr>
+              <a:xfrm>
+                <a:off x="5845180" y="894989"/>
+                <a:ext cx="759180" cy="207227"/>
+              </a:xfrm>
+              <a:prstGeom prst="straightConnector1">
+                <a:avLst/>
+              </a:prstGeom>
+              <a:ln>
+                <a:tailEnd type="triangle"/>
+              </a:ln>
+            </p:spPr>
+            <p:style>
+              <a:lnRef idx="1">
+                <a:schemeClr val="accent1"/>
+              </a:lnRef>
+              <a:fillRef idx="0">
+                <a:schemeClr val="accent1"/>
+              </a:fillRef>
+              <a:effectRef idx="0">
+                <a:schemeClr val="accent1"/>
+              </a:effectRef>
+              <a:fontRef idx="minor">
+                <a:schemeClr val="tx1"/>
+              </a:fontRef>
+            </p:style>
+          </p:cxnSp>
+          <p:cxnSp>
+            <p:nvCxnSpPr>
+              <p:cNvPr id="712" name="直接箭头连接符 711"/>
+              <p:cNvCxnSpPr>
+                <a:stCxn id="695" idx="6"/>
+                <a:endCxn id="697" idx="2"/>
+              </p:cNvCxnSpPr>
+              <p:nvPr/>
+            </p:nvCxnSpPr>
+            <p:spPr>
+              <a:xfrm flipV="1">
+                <a:off x="5845180" y="1102216"/>
+                <a:ext cx="759180" cy="154320"/>
+              </a:xfrm>
+              <a:prstGeom prst="straightConnector1">
+                <a:avLst/>
+              </a:prstGeom>
+              <a:ln>
+                <a:tailEnd type="triangle"/>
+              </a:ln>
+            </p:spPr>
+            <p:style>
+              <a:lnRef idx="1">
+                <a:schemeClr val="accent1"/>
+              </a:lnRef>
+              <a:fillRef idx="0">
+                <a:schemeClr val="accent1"/>
+              </a:fillRef>
+              <a:effectRef idx="0">
+                <a:schemeClr val="accent1"/>
+              </a:effectRef>
+              <a:fontRef idx="minor">
+                <a:schemeClr val="tx1"/>
+              </a:fontRef>
+            </p:style>
+          </p:cxnSp>
+          <p:cxnSp>
+            <p:nvCxnSpPr>
+              <p:cNvPr id="714" name="直接箭头连接符 713"/>
+              <p:cNvCxnSpPr>
+                <a:stCxn id="696" idx="6"/>
+                <a:endCxn id="698" idx="2"/>
+              </p:cNvCxnSpPr>
+              <p:nvPr/>
+            </p:nvCxnSpPr>
+            <p:spPr>
+              <a:xfrm>
+                <a:off x="6906257" y="682456"/>
+                <a:ext cx="759181" cy="209880"/>
+              </a:xfrm>
+              <a:prstGeom prst="straightConnector1">
+                <a:avLst/>
+              </a:prstGeom>
+              <a:ln>
+                <a:tailEnd type="triangle"/>
+              </a:ln>
+            </p:spPr>
+            <p:style>
+              <a:lnRef idx="1">
+                <a:schemeClr val="accent1"/>
+              </a:lnRef>
+              <a:fillRef idx="0">
+                <a:schemeClr val="accent1"/>
+              </a:fillRef>
+              <a:effectRef idx="0">
+                <a:schemeClr val="accent1"/>
+              </a:effectRef>
+              <a:fontRef idx="minor">
+                <a:schemeClr val="tx1"/>
+              </a:fontRef>
+            </p:style>
+          </p:cxnSp>
+          <p:cxnSp>
+            <p:nvCxnSpPr>
+              <p:cNvPr id="716" name="直接箭头连接符 715"/>
+              <p:cNvCxnSpPr>
+                <a:stCxn id="697" idx="6"/>
+                <a:endCxn id="698" idx="2"/>
+              </p:cNvCxnSpPr>
+              <p:nvPr/>
+            </p:nvCxnSpPr>
+            <p:spPr>
+              <a:xfrm flipV="1">
+                <a:off x="6906257" y="892336"/>
+                <a:ext cx="759181" cy="209880"/>
+              </a:xfrm>
+              <a:prstGeom prst="straightConnector1">
+                <a:avLst/>
+              </a:prstGeom>
+              <a:ln>
+                <a:tailEnd type="triangle"/>
+              </a:ln>
+            </p:spPr>
+            <p:style>
+              <a:lnRef idx="1">
+                <a:schemeClr val="accent1"/>
+              </a:lnRef>
+              <a:fillRef idx="0">
+                <a:schemeClr val="accent1"/>
+              </a:fillRef>
+              <a:effectRef idx="0">
+                <a:schemeClr val="accent1"/>
+              </a:effectRef>
+              <a:fontRef idx="minor">
+                <a:schemeClr val="tx1"/>
+              </a:fontRef>
+            </p:style>
+          </p:cxnSp>
+        </p:grpSp>
+        <p:sp>
+          <p:nvSpPr>
+            <p:cNvPr id="732" name="文本框 731"/>
+            <p:cNvSpPr txBox="1"/>
+            <p:nvPr/>
+          </p:nvSpPr>
+          <p:spPr>
+            <a:xfrm rot="663806">
+              <a:off x="6041285" y="378253"/>
+              <a:ext cx="476250" cy="276999"/>
+            </a:xfrm>
+            <a:prstGeom prst="rect">
+              <a:avLst/>
+            </a:prstGeom>
+            <a:noFill/>
+          </p:spPr>
+          <p:txBody>
+            <a:bodyPr wrap="square" rtlCol="0">
+              <a:spAutoFit/>
+            </a:bodyPr>
+            <a:lstStyle/>
+            <a:p>
+              <a:r>
+                <a:rPr lang="en-US" altLang="zh-CN" sz="1200" dirty="0" smtClean="0">
+                  <a:latin typeface="Consolas" panose="020B0609020204030204" pitchFamily="49" charset="0"/>
+                </a:rPr>
+                <a:t>key</a:t>
+              </a:r>
+              <a:endParaRPr lang="zh-CN" altLang="en-US" dirty="0">
+                <a:latin typeface="Consolas" panose="020B0609020204030204" pitchFamily="49" charset="0"/>
+              </a:endParaRPr>
+            </a:p>
+          </p:txBody>
+        </p:sp>
+        <p:sp>
+          <p:nvSpPr>
+            <p:cNvPr id="733" name="文本框 732"/>
+            <p:cNvSpPr txBox="1"/>
+            <p:nvPr/>
+          </p:nvSpPr>
+          <p:spPr>
+            <a:xfrm rot="909623">
+              <a:off x="7083164" y="564843"/>
+              <a:ext cx="490538" cy="276999"/>
+            </a:xfrm>
+            <a:prstGeom prst="rect">
+              <a:avLst/>
+            </a:prstGeom>
+            <a:noFill/>
+          </p:spPr>
+          <p:txBody>
+            <a:bodyPr wrap="square" rtlCol="0">
+              <a:spAutoFit/>
+            </a:bodyPr>
+            <a:lstStyle/>
+            <a:p>
+              <a:r>
+                <a:rPr lang="en-US" altLang="zh-CN" sz="1200" dirty="0" smtClean="0">
+                  <a:latin typeface="Consolas" panose="020B0609020204030204" pitchFamily="49" charset="0"/>
+                </a:rPr>
+                <a:t>key</a:t>
+              </a:r>
+              <a:endParaRPr lang="zh-CN" altLang="en-US" dirty="0">
+                <a:latin typeface="Consolas" panose="020B0609020204030204" pitchFamily="49" charset="0"/>
+              </a:endParaRPr>
+            </a:p>
+          </p:txBody>
+        </p:sp>
+      </p:grpSp>
+      <p:sp>
+        <p:nvSpPr>
+          <p:cNvPr id="741" name="文本框 740"/>
+          <p:cNvSpPr txBox="1"/>
+          <p:nvPr/>
+        </p:nvSpPr>
+        <p:spPr>
+          <a:xfrm>
+            <a:off x="5663335" y="2010226"/>
+            <a:ext cx="901209" cy="276999"/>
+          </a:xfrm>
+          <a:prstGeom prst="rect">
+            <a:avLst/>
+          </a:prstGeom>
+          <a:noFill/>
+        </p:spPr>
+        <p:txBody>
+          <a:bodyPr wrap="none" rtlCol="0">
+            <a:spAutoFit/>
+          </a:bodyPr>
+          <a:lstStyle/>
+          <a:p>
+            <a:r>
+              <a:rPr lang="en-US" altLang="zh-CN" sz="1200" dirty="0" smtClean="0">
+                <a:latin typeface="Consolas" panose="020B0609020204030204" pitchFamily="49" charset="0"/>
+              </a:rPr>
+              <a:t>key</a:t>
+            </a:r>
+            <a:r>
+              <a:rPr lang="zh-CN" altLang="en-US" sz="1200" dirty="0" smtClean="0">
+                <a:latin typeface="Consolas" panose="020B0609020204030204" pitchFamily="49" charset="0"/>
+              </a:rPr>
+              <a:t>值相等</a:t>
+            </a:r>
+            <a:endParaRPr lang="zh-CN" altLang="en-US" sz="1200" dirty="0">
+              <a:latin typeface="Consolas" panose="020B0609020204030204" pitchFamily="49" charset="0"/>
+            </a:endParaRPr>
+          </a:p>
+        </p:txBody>
+      </p:sp>
+      <p:sp>
+        <p:nvSpPr>
+          <p:cNvPr id="749" name="任意多边形 748"/>
+          <p:cNvSpPr/>
+          <p:nvPr/>
+        </p:nvSpPr>
+        <p:spPr>
+          <a:xfrm>
+            <a:off x="5757863" y="1658933"/>
+            <a:ext cx="922337" cy="79380"/>
+          </a:xfrm>
+          <a:custGeom>
+            <a:avLst/>
+            <a:gdLst>
+              <a:gd name="connsiteX0" fmla="*/ 0 w 922337"/>
+              <a:gd name="connsiteY0" fmla="*/ 76205 h 79380"/>
+              <a:gd name="connsiteX1" fmla="*/ 468312 w 922337"/>
+              <a:gd name="connsiteY1" fmla="*/ 5 h 79380"/>
+              <a:gd name="connsiteX2" fmla="*/ 922337 w 922337"/>
+              <a:gd name="connsiteY2" fmla="*/ 79380 h 79380"/>
+            </a:gdLst>
+            <a:ahLst/>
+            <a:cxnLst>
+              <a:cxn ang="0">
+                <a:pos x="connsiteX0" y="connsiteY0"/>
+              </a:cxn>
+              <a:cxn ang="0">
+                <a:pos x="connsiteX1" y="connsiteY1"/>
+              </a:cxn>
+              <a:cxn ang="0">
+                <a:pos x="connsiteX2" y="connsiteY2"/>
+              </a:cxn>
+            </a:cxnLst>
+            <a:rect l="l" t="t" r="r" b="b"/>
+            <a:pathLst>
+              <a:path w="922337" h="79380">
+                <a:moveTo>
+                  <a:pt x="0" y="76205"/>
+                </a:moveTo>
+                <a:cubicBezTo>
+                  <a:pt x="157294" y="37840"/>
+                  <a:pt x="314589" y="-524"/>
+                  <a:pt x="468312" y="5"/>
+                </a:cubicBezTo>
+                <a:cubicBezTo>
+                  <a:pt x="622035" y="534"/>
+                  <a:pt x="772186" y="39957"/>
+                  <a:pt x="922337" y="79380"/>
+                </a:cubicBezTo>
+              </a:path>
+            </a:pathLst>
+          </a:custGeom>
+          <a:noFill/>
+          <a:ln>
+            <a:prstDash val="sysDot"/>
+          </a:ln>
+        </p:spPr>
+        <p:style>
+          <a:lnRef idx="2">
+            <a:schemeClr val="accent1">
+              <a:shade val="50000"/>
+            </a:schemeClr>
+          </a:lnRef>
+          <a:fillRef idx="1">
+            <a:schemeClr val="accent1"/>
+          </a:fillRef>
+          <a:effectRef idx="0">
+            <a:schemeClr val="accent1"/>
+          </a:effectRef>
+          <a:fontRef idx="minor">
+            <a:schemeClr val="lt1"/>
+          </a:fontRef>
+        </p:style>
+        <p:txBody>
+          <a:bodyPr rtlCol="0" anchor="ctr"/>
+          <a:lstStyle/>
+          <a:p>
+            <a:pPr algn="ctr"/>
+            <a:endParaRPr lang="zh-CN" altLang="en-US"/>
+          </a:p>
+        </p:txBody>
+      </p:sp>
+      <p:sp>
+        <p:nvSpPr>
+          <p:cNvPr id="750" name="任意多边形 749"/>
+          <p:cNvSpPr/>
+          <p:nvPr/>
+        </p:nvSpPr>
+        <p:spPr>
+          <a:xfrm>
+            <a:off x="5250656" y="1670440"/>
+            <a:ext cx="1082278" cy="72635"/>
+          </a:xfrm>
+          <a:custGeom>
+            <a:avLst/>
+            <a:gdLst>
+              <a:gd name="connsiteX0" fmla="*/ 0 w 1082278"/>
+              <a:gd name="connsiteY0" fmla="*/ 72635 h 72635"/>
+              <a:gd name="connsiteX1" fmla="*/ 538163 w 1082278"/>
+              <a:gd name="connsiteY1" fmla="*/ 7 h 72635"/>
+              <a:gd name="connsiteX2" fmla="*/ 1082278 w 1082278"/>
+              <a:gd name="connsiteY2" fmla="*/ 69063 h 72635"/>
+            </a:gdLst>
+            <a:ahLst/>
+            <a:cxnLst>
+              <a:cxn ang="0">
+                <a:pos x="connsiteX0" y="connsiteY0"/>
+              </a:cxn>
+              <a:cxn ang="0">
+                <a:pos x="connsiteX1" y="connsiteY1"/>
+              </a:cxn>
+              <a:cxn ang="0">
+                <a:pos x="connsiteX2" y="connsiteY2"/>
+              </a:cxn>
+            </a:cxnLst>
+            <a:rect l="l" t="t" r="r" b="b"/>
+            <a:pathLst>
+              <a:path w="1082278" h="72635">
+                <a:moveTo>
+                  <a:pt x="0" y="72635"/>
+                </a:moveTo>
+                <a:cubicBezTo>
+                  <a:pt x="178891" y="36618"/>
+                  <a:pt x="357783" y="602"/>
+                  <a:pt x="538163" y="7"/>
+                </a:cubicBezTo>
+                <a:cubicBezTo>
+                  <a:pt x="718543" y="-588"/>
+                  <a:pt x="900410" y="34237"/>
+                  <a:pt x="1082278" y="69063"/>
+                </a:cubicBezTo>
+              </a:path>
+            </a:pathLst>
+          </a:custGeom>
+          <a:noFill/>
+          <a:ln>
+            <a:prstDash val="sysDot"/>
+          </a:ln>
+        </p:spPr>
+        <p:style>
+          <a:lnRef idx="2">
+            <a:schemeClr val="accent1">
+              <a:shade val="50000"/>
+            </a:schemeClr>
+          </a:lnRef>
+          <a:fillRef idx="1">
+            <a:schemeClr val="accent1"/>
+          </a:fillRef>
+          <a:effectRef idx="0">
+            <a:schemeClr val="accent1"/>
+          </a:effectRef>
+          <a:fontRef idx="minor">
+            <a:schemeClr val="lt1"/>
+          </a:fontRef>
+        </p:style>
+        <p:txBody>
+          <a:bodyPr rtlCol="0" anchor="ctr"/>
+          <a:lstStyle/>
+          <a:p>
+            <a:pPr algn="ctr"/>
+            <a:endParaRPr lang="zh-CN" altLang="en-US"/>
+          </a:p>
+        </p:txBody>
+      </p:sp>
+      <p:sp>
+        <p:nvSpPr>
+          <p:cNvPr id="751" name="文本框 750"/>
+          <p:cNvSpPr txBox="1"/>
+          <p:nvPr/>
+        </p:nvSpPr>
+        <p:spPr>
+          <a:xfrm>
+            <a:off x="2840806" y="1370935"/>
+            <a:ext cx="864339" cy="276999"/>
+          </a:xfrm>
+          <a:prstGeom prst="rect">
+            <a:avLst/>
+          </a:prstGeom>
+          <a:noFill/>
+        </p:spPr>
+        <p:txBody>
+          <a:bodyPr wrap="none" rtlCol="0">
+            <a:spAutoFit/>
+          </a:bodyPr>
+          <a:lstStyle/>
+          <a:p>
+            <a:r>
+              <a:rPr lang="en-US" altLang="zh-CN" sz="1200" dirty="0" smtClean="0">
+                <a:latin typeface="Consolas" panose="020B0609020204030204" pitchFamily="49" charset="0"/>
+              </a:rPr>
+              <a:t>released</a:t>
+            </a:r>
+            <a:endParaRPr lang="zh-CN" altLang="en-US" dirty="0">
+              <a:latin typeface="Consolas" panose="020B0609020204030204" pitchFamily="49" charset="0"/>
+            </a:endParaRPr>
+          </a:p>
+        </p:txBody>
+      </p:sp>
+      <p:sp>
+        <p:nvSpPr>
+          <p:cNvPr id="753" name="左大括号 752"/>
+          <p:cNvSpPr/>
+          <p:nvPr/>
+        </p:nvSpPr>
+        <p:spPr>
+          <a:xfrm rot="5400000">
+            <a:off x="3217581" y="607592"/>
+            <a:ext cx="110790" cy="2136732"/>
+          </a:xfrm>
+          <a:prstGeom prst="leftBrace">
+            <a:avLst>
+              <a:gd name="adj1" fmla="val 137697"/>
+              <a:gd name="adj2" fmla="val 49783"/>
+            </a:avLst>
+          </a:prstGeom>
+          <a:ln w="9525"/>
+        </p:spPr>
+        <p:style>
+          <a:lnRef idx="1">
+            <a:schemeClr val="accent1"/>
+          </a:lnRef>
+          <a:fillRef idx="0">
+            <a:schemeClr val="accent1"/>
+          </a:fillRef>
+          <a:effectRef idx="0">
+            <a:schemeClr val="accent1"/>
+          </a:effectRef>
+          <a:fontRef idx="minor">
+            <a:schemeClr val="tx1"/>
+          </a:fontRef>
+        </p:style>
+        <p:txBody>
+          <a:bodyPr rtlCol="0" anchor="ctr"/>
+          <a:lstStyle/>
+          <a:p>
+            <a:pPr algn="ctr"/>
+            <a:endParaRPr lang="zh-CN" altLang="en-US"/>
+          </a:p>
+        </p:txBody>
+      </p:sp>
+      <p:sp>
+        <p:nvSpPr>
+          <p:cNvPr id="754" name="左大括号 753"/>
+          <p:cNvSpPr/>
+          <p:nvPr/>
+        </p:nvSpPr>
+        <p:spPr>
+          <a:xfrm rot="5400000">
+            <a:off x="7093020" y="1291062"/>
+            <a:ext cx="98780" cy="774205"/>
+          </a:xfrm>
+          <a:prstGeom prst="leftBrace">
+            <a:avLst>
+              <a:gd name="adj1" fmla="val 64646"/>
+              <a:gd name="adj2" fmla="val 50000"/>
+            </a:avLst>
+          </a:prstGeom>
+          <a:ln w="9525"/>
+        </p:spPr>
+        <p:style>
+          <a:lnRef idx="1">
+            <a:schemeClr val="accent1"/>
+          </a:lnRef>
+          <a:fillRef idx="0">
+            <a:schemeClr val="accent1"/>
+          </a:fillRef>
+          <a:effectRef idx="0">
+            <a:schemeClr val="accent1"/>
+          </a:effectRef>
+          <a:fontRef idx="minor">
+            <a:schemeClr val="tx1"/>
+          </a:fontRef>
+        </p:style>
+        <p:txBody>
+          <a:bodyPr rtlCol="0" anchor="ctr"/>
+          <a:lstStyle/>
+          <a:p>
+            <a:pPr algn="ctr"/>
+            <a:endParaRPr lang="zh-CN" altLang="en-US"/>
+          </a:p>
+        </p:txBody>
+      </p:sp>
+      <p:sp>
+        <p:nvSpPr>
+          <p:cNvPr id="755" name="文本框 754"/>
+          <p:cNvSpPr txBox="1"/>
+          <p:nvPr/>
+        </p:nvSpPr>
+        <p:spPr>
+          <a:xfrm>
+            <a:off x="6755307" y="1367495"/>
+            <a:ext cx="864339" cy="276999"/>
+          </a:xfrm>
+          <a:prstGeom prst="rect">
+            <a:avLst/>
+          </a:prstGeom>
+          <a:noFill/>
+        </p:spPr>
+        <p:txBody>
+          <a:bodyPr wrap="none" rtlCol="0">
+            <a:spAutoFit/>
+          </a:bodyPr>
+          <a:lstStyle/>
+          <a:p>
+            <a:r>
+              <a:rPr lang="en-US" altLang="zh-CN" sz="1200" dirty="0" smtClean="0">
+                <a:latin typeface="Consolas" panose="020B0609020204030204" pitchFamily="49" charset="0"/>
+              </a:rPr>
+              <a:t>unneeded</a:t>
+            </a:r>
+            <a:endParaRPr lang="zh-CN" altLang="en-US" dirty="0">
+              <a:latin typeface="Consolas" panose="020B0609020204030204" pitchFamily="49" charset="0"/>
+            </a:endParaRPr>
+          </a:p>
+        </p:txBody>
+      </p:sp>
+      <p:sp>
+        <p:nvSpPr>
+          <p:cNvPr id="758" name="任意多边形 757"/>
+          <p:cNvSpPr/>
+          <p:nvPr/>
+        </p:nvSpPr>
+        <p:spPr>
+          <a:xfrm>
+            <a:off x="6680597" y="1860947"/>
+            <a:ext cx="498872" cy="50010"/>
+          </a:xfrm>
+          <a:custGeom>
+            <a:avLst/>
+            <a:gdLst>
+              <a:gd name="connsiteX0" fmla="*/ 0 w 498872"/>
+              <a:gd name="connsiteY0" fmla="*/ 2381 h 50010"/>
+              <a:gd name="connsiteX1" fmla="*/ 251222 w 498872"/>
+              <a:gd name="connsiteY1" fmla="*/ 50006 h 50010"/>
+              <a:gd name="connsiteX2" fmla="*/ 498872 w 498872"/>
+              <a:gd name="connsiteY2" fmla="*/ 0 h 50010"/>
+            </a:gdLst>
+            <a:ahLst/>
+            <a:cxnLst>
+              <a:cxn ang="0">
+                <a:pos x="connsiteX0" y="connsiteY0"/>
+              </a:cxn>
+              <a:cxn ang="0">
+                <a:pos x="connsiteX1" y="connsiteY1"/>
+              </a:cxn>
+              <a:cxn ang="0">
+                <a:pos x="connsiteX2" y="connsiteY2"/>
+              </a:cxn>
+            </a:cxnLst>
+            <a:rect l="l" t="t" r="r" b="b"/>
+            <a:pathLst>
+              <a:path w="498872" h="50010">
+                <a:moveTo>
+                  <a:pt x="0" y="2381"/>
+                </a:moveTo>
+                <a:cubicBezTo>
+                  <a:pt x="84038" y="26392"/>
+                  <a:pt x="168077" y="50403"/>
+                  <a:pt x="251222" y="50006"/>
+                </a:cubicBezTo>
+                <a:cubicBezTo>
+                  <a:pt x="334367" y="49609"/>
+                  <a:pt x="416619" y="24804"/>
+                  <a:pt x="498872" y="0"/>
+                </a:cubicBezTo>
+              </a:path>
+            </a:pathLst>
+          </a:custGeom>
+          <a:noFill/>
+          <a:ln>
+            <a:prstDash val="sysDot"/>
+          </a:ln>
+        </p:spPr>
+        <p:style>
+          <a:lnRef idx="2">
+            <a:schemeClr val="accent1">
+              <a:shade val="50000"/>
+            </a:schemeClr>
+          </a:lnRef>
+          <a:fillRef idx="1">
+            <a:schemeClr val="accent1"/>
+          </a:fillRef>
+          <a:effectRef idx="0">
+            <a:schemeClr val="accent1"/>
+          </a:effectRef>
+          <a:fontRef idx="minor">
+            <a:schemeClr val="lt1"/>
+          </a:fontRef>
+        </p:style>
+        <p:txBody>
+          <a:bodyPr rtlCol="0" anchor="ctr"/>
+          <a:lstStyle/>
+          <a:p>
+            <a:pPr algn="ctr"/>
+            <a:endParaRPr lang="zh-CN" altLang="en-US"/>
+          </a:p>
+        </p:txBody>
+      </p:sp>
+      <p:cxnSp>
+        <p:nvCxnSpPr>
+          <p:cNvPr id="760" name="直接连接符 759"/>
+          <p:cNvCxnSpPr/>
+          <p:nvPr/>
+        </p:nvCxnSpPr>
+        <p:spPr>
+          <a:xfrm>
+            <a:off x="6359525" y="1871630"/>
+            <a:ext cx="0" cy="493745"/>
+          </a:xfrm>
+          <a:prstGeom prst="line">
+            <a:avLst/>
+          </a:prstGeom>
+          <a:ln w="9525"/>
+        </p:spPr>
+        <p:style>
+          <a:lnRef idx="1">
+            <a:schemeClr val="accent1"/>
+          </a:lnRef>
+          <a:fillRef idx="0">
+            <a:schemeClr val="accent1"/>
+          </a:fillRef>
+          <a:effectRef idx="0">
+            <a:schemeClr val="accent1"/>
+          </a:effectRef>
+          <a:fontRef idx="minor">
+            <a:schemeClr val="tx1"/>
+          </a:fontRef>
+        </p:style>
+      </p:cxnSp>
+      <p:cxnSp>
+        <p:nvCxnSpPr>
+          <p:cNvPr id="763" name="直接连接符 762"/>
+          <p:cNvCxnSpPr/>
+          <p:nvPr/>
+        </p:nvCxnSpPr>
+        <p:spPr>
+          <a:xfrm>
+            <a:off x="6680200" y="1871630"/>
+            <a:ext cx="0" cy="642970"/>
+          </a:xfrm>
+          <a:prstGeom prst="line">
+            <a:avLst/>
+          </a:prstGeom>
+          <a:ln w="9525"/>
+        </p:spPr>
+        <p:style>
+          <a:lnRef idx="1">
+            <a:schemeClr val="accent1"/>
+          </a:lnRef>
+          <a:fillRef idx="0">
+            <a:schemeClr val="accent1"/>
+          </a:fillRef>
+          <a:effectRef idx="0">
+            <a:schemeClr val="accent1"/>
+          </a:effectRef>
+          <a:fontRef idx="minor">
+            <a:schemeClr val="tx1"/>
+          </a:fontRef>
+        </p:style>
+      </p:cxnSp>
+      <p:cxnSp>
+        <p:nvCxnSpPr>
+          <p:cNvPr id="764" name="直接连接符 763"/>
+          <p:cNvCxnSpPr/>
+          <p:nvPr/>
+        </p:nvCxnSpPr>
+        <p:spPr>
+          <a:xfrm>
+            <a:off x="7179469" y="1881226"/>
+            <a:ext cx="0" cy="823874"/>
+          </a:xfrm>
+          <a:prstGeom prst="line">
+            <a:avLst/>
+          </a:prstGeom>
+          <a:ln w="9525"/>
+        </p:spPr>
+        <p:style>
+          <a:lnRef idx="1">
+            <a:schemeClr val="accent1"/>
+          </a:lnRef>
+          <a:fillRef idx="0">
+            <a:schemeClr val="accent1"/>
+          </a:fillRef>
+          <a:effectRef idx="0">
+            <a:schemeClr val="accent1"/>
+          </a:effectRef>
+          <a:fontRef idx="minor">
+            <a:schemeClr val="tx1"/>
+          </a:fontRef>
+        </p:style>
+      </p:cxnSp>
+      <p:cxnSp>
+        <p:nvCxnSpPr>
+          <p:cNvPr id="765" name="直接连接符 764"/>
+          <p:cNvCxnSpPr/>
+          <p:nvPr/>
+        </p:nvCxnSpPr>
+        <p:spPr>
+          <a:xfrm>
+            <a:off x="7601387" y="1881226"/>
+            <a:ext cx="0" cy="1039076"/>
+          </a:xfrm>
+          <a:prstGeom prst="line">
+            <a:avLst/>
+          </a:prstGeom>
+          <a:ln w="9525"/>
+        </p:spPr>
+        <p:style>
+          <a:lnRef idx="1">
+            <a:schemeClr val="accent1"/>
+          </a:lnRef>
+          <a:fillRef idx="0">
+            <a:schemeClr val="accent1"/>
+          </a:fillRef>
+          <a:effectRef idx="0">
+            <a:schemeClr val="accent1"/>
+          </a:effectRef>
+          <a:fontRef idx="minor">
+            <a:schemeClr val="tx1"/>
+          </a:fontRef>
+        </p:style>
+      </p:cxnSp>
+      <p:sp>
+        <p:nvSpPr>
+          <p:cNvPr id="766" name="文本框 765"/>
+          <p:cNvSpPr txBox="1"/>
+          <p:nvPr/>
+        </p:nvSpPr>
+        <p:spPr>
+          <a:xfrm>
+            <a:off x="5828212" y="2288569"/>
+            <a:ext cx="747570" cy="276999"/>
+          </a:xfrm>
+          <a:prstGeom prst="rect">
+            <a:avLst/>
+          </a:prstGeom>
+          <a:noFill/>
+        </p:spPr>
+        <p:txBody>
+          <a:bodyPr wrap="square" rtlCol="0">
+            <a:spAutoFit/>
+          </a:bodyPr>
+          <a:lstStyle/>
+          <a:p>
+            <a:r>
+              <a:rPr lang="en-US" altLang="zh-CN" sz="1200" dirty="0" smtClean="0">
+                <a:latin typeface="Consolas" panose="020B0609020204030204" pitchFamily="49" charset="0"/>
+              </a:rPr>
+              <a:t>two</a:t>
+            </a:r>
+            <a:r>
+              <a:rPr lang="en-US" altLang="zh-CN" sz="1100" dirty="0" smtClean="0">
+                <a:latin typeface="Consolas" panose="020B0609020204030204" pitchFamily="49" charset="0"/>
+              </a:rPr>
+              <a:t>(</a:t>
+            </a:r>
+            <a:r>
+              <a:rPr lang="en-US" altLang="zh-CN" sz="1100" dirty="0" smtClean="0">
+                <a:solidFill>
+                  <a:schemeClr val="accent2">
+                    <a:lumMod val="75000"/>
+                  </a:schemeClr>
+                </a:solidFill>
+                <a:latin typeface="Consolas" panose="020B0609020204030204" pitchFamily="49" charset="0"/>
+              </a:rPr>
+              <a:t>C</a:t>
+            </a:r>
+            <a:r>
+              <a:rPr lang="en-US" altLang="zh-CN" sz="1100" dirty="0" smtClean="0">
+                <a:latin typeface="Consolas" panose="020B0609020204030204" pitchFamily="49" charset="0"/>
+              </a:rPr>
+              <a:t>,</a:t>
+            </a:r>
+            <a:r>
+              <a:rPr lang="en-US" altLang="zh-CN" sz="1100" dirty="0" smtClean="0">
+                <a:solidFill>
+                  <a:schemeClr val="accent2">
+                    <a:lumMod val="75000"/>
+                  </a:schemeClr>
+                </a:solidFill>
+                <a:latin typeface="Consolas" panose="020B0609020204030204" pitchFamily="49" charset="0"/>
+              </a:rPr>
+              <a:t>E</a:t>
+            </a:r>
+            <a:r>
+              <a:rPr lang="en-US" altLang="zh-CN" sz="1100" dirty="0" smtClean="0">
+                <a:latin typeface="Consolas" panose="020B0609020204030204" pitchFamily="49" charset="0"/>
+              </a:rPr>
+              <a:t>)</a:t>
+            </a:r>
+            <a:endParaRPr lang="zh-CN" altLang="en-US" sz="1600" dirty="0">
+              <a:latin typeface="Consolas" panose="020B0609020204030204" pitchFamily="49" charset="0"/>
+            </a:endParaRPr>
+          </a:p>
+        </p:txBody>
+      </p:sp>
+      <p:sp>
+        <p:nvSpPr>
+          <p:cNvPr id="768" name="文本框 767"/>
+          <p:cNvSpPr txBox="1"/>
+          <p:nvPr/>
+        </p:nvSpPr>
+        <p:spPr>
+          <a:xfrm>
+            <a:off x="6163806" y="2466605"/>
+            <a:ext cx="772318" cy="276999"/>
+          </a:xfrm>
+          <a:prstGeom prst="rect">
+            <a:avLst/>
+          </a:prstGeom>
+          <a:noFill/>
+        </p:spPr>
+        <p:txBody>
+          <a:bodyPr wrap="square" rtlCol="0">
+            <a:spAutoFit/>
+          </a:bodyPr>
+          <a:lstStyle/>
+          <a:p>
+            <a:r>
+              <a:rPr lang="en-US" altLang="zh-CN" sz="1200" dirty="0" smtClean="0">
+                <a:latin typeface="Consolas" panose="020B0609020204030204" pitchFamily="49" charset="0"/>
+              </a:rPr>
+              <a:t>two</a:t>
+            </a:r>
+            <a:r>
+              <a:rPr lang="en-US" altLang="zh-CN" sz="1100" dirty="0" smtClean="0">
+                <a:latin typeface="Consolas" panose="020B0609020204030204" pitchFamily="49" charset="0"/>
+              </a:rPr>
+              <a:t>(</a:t>
+            </a:r>
+            <a:r>
+              <a:rPr lang="en-US" altLang="zh-CN" sz="1100" dirty="0" smtClean="0">
+                <a:solidFill>
+                  <a:schemeClr val="accent1">
+                    <a:lumMod val="75000"/>
+                  </a:schemeClr>
+                </a:solidFill>
+                <a:latin typeface="Consolas" panose="020B0609020204030204" pitchFamily="49" charset="0"/>
+              </a:rPr>
+              <a:t>B</a:t>
+            </a:r>
+            <a:r>
+              <a:rPr lang="en-US" altLang="zh-CN" sz="1100" dirty="0" smtClean="0">
+                <a:latin typeface="Consolas" panose="020B0609020204030204" pitchFamily="49" charset="0"/>
+              </a:rPr>
+              <a:t>,</a:t>
+            </a:r>
+            <a:r>
+              <a:rPr lang="en-US" altLang="zh-CN" sz="1100" dirty="0" smtClean="0">
+                <a:solidFill>
+                  <a:schemeClr val="accent1">
+                    <a:lumMod val="75000"/>
+                  </a:schemeClr>
+                </a:solidFill>
+                <a:latin typeface="Consolas" panose="020B0609020204030204" pitchFamily="49" charset="0"/>
+              </a:rPr>
+              <a:t>E</a:t>
+            </a:r>
+            <a:r>
+              <a:rPr lang="en-US" altLang="zh-CN" sz="1100" dirty="0" smtClean="0">
+                <a:latin typeface="Consolas" panose="020B0609020204030204" pitchFamily="49" charset="0"/>
+              </a:rPr>
+              <a:t>)</a:t>
+            </a:r>
+            <a:endParaRPr lang="zh-CN" altLang="en-US" sz="1600" dirty="0">
+              <a:latin typeface="Consolas" panose="020B0609020204030204" pitchFamily="49" charset="0"/>
+            </a:endParaRPr>
+          </a:p>
+        </p:txBody>
+      </p:sp>
+      <p:sp>
+        <p:nvSpPr>
+          <p:cNvPr id="770" name="文本框 769"/>
+          <p:cNvSpPr txBox="1"/>
+          <p:nvPr/>
+        </p:nvSpPr>
+        <p:spPr>
+          <a:xfrm>
+            <a:off x="6667583" y="2643303"/>
+            <a:ext cx="794486" cy="276999"/>
+          </a:xfrm>
+          <a:prstGeom prst="rect">
+            <a:avLst/>
+          </a:prstGeom>
+          <a:noFill/>
+        </p:spPr>
+        <p:txBody>
+          <a:bodyPr wrap="square" rtlCol="0">
+            <a:spAutoFit/>
+          </a:bodyPr>
+          <a:lstStyle/>
+          <a:p>
+            <a:r>
+              <a:rPr lang="en-US" altLang="zh-CN" sz="1200" dirty="0" smtClean="0">
+                <a:latin typeface="Consolas" panose="020B0609020204030204" pitchFamily="49" charset="0"/>
+              </a:rPr>
+              <a:t>two</a:t>
+            </a:r>
+            <a:r>
+              <a:rPr lang="en-US" altLang="zh-CN" sz="1100" dirty="0" smtClean="0">
+                <a:latin typeface="Consolas" panose="020B0609020204030204" pitchFamily="49" charset="0"/>
+              </a:rPr>
+              <a:t>(</a:t>
+            </a:r>
+            <a:r>
+              <a:rPr lang="en-US" altLang="zh-CN" sz="1100" dirty="0" smtClean="0">
+                <a:solidFill>
+                  <a:schemeClr val="accent1">
+                    <a:lumMod val="75000"/>
+                  </a:schemeClr>
+                </a:solidFill>
+                <a:latin typeface="Consolas" panose="020B0609020204030204" pitchFamily="49" charset="0"/>
+              </a:rPr>
+              <a:t>E</a:t>
+            </a:r>
+            <a:r>
+              <a:rPr lang="en-US" altLang="zh-CN" sz="1100" dirty="0" smtClean="0">
+                <a:latin typeface="Consolas" panose="020B0609020204030204" pitchFamily="49" charset="0"/>
+              </a:rPr>
+              <a:t>,</a:t>
+            </a:r>
+            <a:r>
+              <a:rPr lang="en-US" altLang="zh-CN" sz="1100" dirty="0">
+                <a:solidFill>
+                  <a:schemeClr val="accent1">
+                    <a:lumMod val="75000"/>
+                  </a:schemeClr>
+                </a:solidFill>
+                <a:latin typeface="Consolas" panose="020B0609020204030204" pitchFamily="49" charset="0"/>
+              </a:rPr>
+              <a:t>F</a:t>
+            </a:r>
+            <a:r>
+              <a:rPr lang="en-US" altLang="zh-CN" sz="1100" dirty="0" smtClean="0">
+                <a:latin typeface="Consolas" panose="020B0609020204030204" pitchFamily="49" charset="0"/>
+              </a:rPr>
+              <a:t>)</a:t>
+            </a:r>
+            <a:endParaRPr lang="zh-CN" altLang="en-US" sz="1600" dirty="0">
+              <a:latin typeface="Consolas" panose="020B0609020204030204" pitchFamily="49" charset="0"/>
+            </a:endParaRPr>
+          </a:p>
+        </p:txBody>
+      </p:sp>
+      <p:sp>
+        <p:nvSpPr>
+          <p:cNvPr id="772" name="文本框 771"/>
+          <p:cNvSpPr txBox="1"/>
+          <p:nvPr/>
+        </p:nvSpPr>
+        <p:spPr>
+          <a:xfrm>
+            <a:off x="7061438" y="2834946"/>
+            <a:ext cx="807365" cy="276999"/>
+          </a:xfrm>
+          <a:prstGeom prst="rect">
+            <a:avLst/>
+          </a:prstGeom>
+          <a:noFill/>
+        </p:spPr>
+        <p:txBody>
+          <a:bodyPr wrap="square" rtlCol="0">
+            <a:spAutoFit/>
+          </a:bodyPr>
+          <a:lstStyle/>
+          <a:p>
+            <a:r>
+              <a:rPr lang="en-US" altLang="zh-CN" sz="1200" dirty="0" smtClean="0">
+                <a:latin typeface="Consolas" panose="020B0609020204030204" pitchFamily="49" charset="0"/>
+              </a:rPr>
+              <a:t>two</a:t>
+            </a:r>
+            <a:r>
+              <a:rPr lang="en-US" altLang="zh-CN" sz="1100" dirty="0" smtClean="0">
+                <a:latin typeface="Consolas" panose="020B0609020204030204" pitchFamily="49" charset="0"/>
+              </a:rPr>
+              <a:t>(</a:t>
+            </a:r>
+            <a:r>
+              <a:rPr lang="en-US" altLang="zh-CN" sz="1100" dirty="0" smtClean="0">
+                <a:solidFill>
+                  <a:srgbClr val="FF0000"/>
+                </a:solidFill>
+                <a:latin typeface="Consolas" panose="020B0609020204030204" pitchFamily="49" charset="0"/>
+              </a:rPr>
+              <a:t>A</a:t>
+            </a:r>
+            <a:r>
+              <a:rPr lang="en-US" altLang="zh-CN" sz="1100" dirty="0" smtClean="0">
+                <a:latin typeface="Consolas" panose="020B0609020204030204" pitchFamily="49" charset="0"/>
+              </a:rPr>
+              <a:t>,</a:t>
+            </a:r>
+            <a:r>
+              <a:rPr lang="en-US" altLang="zh-CN" sz="1100" dirty="0">
+                <a:solidFill>
+                  <a:srgbClr val="FF0000"/>
+                </a:solidFill>
+                <a:latin typeface="Consolas" panose="020B0609020204030204" pitchFamily="49" charset="0"/>
+              </a:rPr>
+              <a:t>D</a:t>
+            </a:r>
+            <a:r>
+              <a:rPr lang="en-US" altLang="zh-CN" sz="1100" dirty="0" smtClean="0">
+                <a:latin typeface="Consolas" panose="020B0609020204030204" pitchFamily="49" charset="0"/>
+              </a:rPr>
+              <a:t>)</a:t>
+            </a:r>
+            <a:endParaRPr lang="zh-CN" altLang="en-US" sz="1600" dirty="0">
+              <a:latin typeface="Consolas" panose="020B0609020204030204" pitchFamily="49" charset="0"/>
+            </a:endParaRPr>
+          </a:p>
+        </p:txBody>
+      </p:sp>
+      <p:sp>
+        <p:nvSpPr>
+          <p:cNvPr id="774" name="左大括号 773"/>
+          <p:cNvSpPr/>
+          <p:nvPr/>
+        </p:nvSpPr>
+        <p:spPr>
+          <a:xfrm>
+            <a:off x="7844733" y="2055617"/>
+            <a:ext cx="231267" cy="3174798"/>
+          </a:xfrm>
+          <a:prstGeom prst="leftBrace">
+            <a:avLst>
+              <a:gd name="adj1" fmla="val 45420"/>
+              <a:gd name="adj2" fmla="val 29594"/>
+            </a:avLst>
+          </a:prstGeom>
+          <a:ln w="9525"/>
+        </p:spPr>
+        <p:style>
+          <a:lnRef idx="1">
+            <a:schemeClr val="accent1"/>
+          </a:lnRef>
+          <a:fillRef idx="0">
+            <a:schemeClr val="accent1"/>
+          </a:fillRef>
+          <a:effectRef idx="0">
+            <a:schemeClr val="accent1"/>
+          </a:effectRef>
+          <a:fontRef idx="minor">
+            <a:schemeClr val="tx1"/>
+          </a:fontRef>
+        </p:style>
+        <p:txBody>
+          <a:bodyPr rtlCol="0" anchor="ctr"/>
+          <a:lstStyle/>
+          <a:p>
+            <a:pPr algn="ctr"/>
+            <a:endParaRPr lang="zh-CN" altLang="en-US"/>
+          </a:p>
+        </p:txBody>
+      </p:sp>
+      <p:sp>
+        <p:nvSpPr>
+          <p:cNvPr id="775" name="文本框 774"/>
+          <p:cNvSpPr txBox="1"/>
+          <p:nvPr/>
+        </p:nvSpPr>
+        <p:spPr>
+          <a:xfrm>
+            <a:off x="6187621" y="3187614"/>
+            <a:ext cx="1651414" cy="276999"/>
+          </a:xfrm>
+          <a:prstGeom prst="rect">
+            <a:avLst/>
+          </a:prstGeom>
+          <a:noFill/>
+        </p:spPr>
+        <p:txBody>
+          <a:bodyPr wrap="none" rtlCol="0">
+            <a:spAutoFit/>
+          </a:bodyPr>
+          <a:lstStyle/>
+          <a:p>
+            <a:r>
+              <a:rPr lang="zh-CN" altLang="en-US" sz="1200" dirty="0" smtClean="0"/>
+              <a:t>转换为</a:t>
+            </a:r>
+            <a:r>
+              <a:rPr lang="en-US" altLang="zh-CN" sz="1200" dirty="0" smtClean="0"/>
+              <a:t>2</a:t>
+            </a:r>
+            <a:r>
+              <a:rPr lang="zh-CN" altLang="en-US" sz="1200" dirty="0" smtClean="0"/>
+              <a:t>个事件的关系</a:t>
+            </a:r>
+            <a:endParaRPr lang="zh-CN" altLang="en-US" sz="1200" dirty="0"/>
+          </a:p>
+        </p:txBody>
+      </p:sp>
+      <p:sp>
+        <p:nvSpPr>
+          <p:cNvPr id="776" name="文本框 775"/>
+          <p:cNvSpPr txBox="1"/>
+          <p:nvPr/>
+        </p:nvSpPr>
+        <p:spPr>
+          <a:xfrm>
+            <a:off x="8162925" y="2393006"/>
+            <a:ext cx="1500732" cy="461665"/>
+          </a:xfrm>
+          <a:prstGeom prst="rect">
+            <a:avLst/>
+          </a:prstGeom>
+          <a:noFill/>
+        </p:spPr>
+        <p:txBody>
+          <a:bodyPr wrap="none" rtlCol="0">
+            <a:spAutoFit/>
+          </a:bodyPr>
+          <a:lstStyle/>
+          <a:p>
+            <a:r>
+              <a:rPr lang="en-US" altLang="zh-CN" sz="1200" dirty="0" smtClean="0">
+                <a:latin typeface="Consolas" panose="020B0609020204030204" pitchFamily="49" charset="0"/>
+              </a:rPr>
+              <a:t>delay</a:t>
+            </a:r>
+          </a:p>
+          <a:p>
+            <a:r>
+              <a:rPr lang="zh-CN" altLang="en-US" sz="1200" dirty="0">
+                <a:latin typeface="Consolas" panose="020B0609020204030204" pitchFamily="49" charset="0"/>
+              </a:rPr>
+              <a:t>统计</a:t>
+            </a:r>
+            <a:r>
+              <a:rPr lang="en-US" altLang="zh-CN" sz="1200" dirty="0" smtClean="0">
+                <a:latin typeface="Consolas" panose="020B0609020204030204" pitchFamily="49" charset="0"/>
+              </a:rPr>
+              <a:t>2</a:t>
+            </a:r>
+            <a:r>
+              <a:rPr lang="zh-CN" altLang="en-US" sz="1200" dirty="0" smtClean="0">
+                <a:latin typeface="Consolas" panose="020B0609020204030204" pitchFamily="49" charset="0"/>
+              </a:rPr>
+              <a:t>个事件的延迟</a:t>
+            </a:r>
+            <a:endParaRPr lang="zh-CN" altLang="en-US" sz="1600" dirty="0">
+              <a:latin typeface="Consolas" panose="020B0609020204030204" pitchFamily="49" charset="0"/>
+            </a:endParaRPr>
+          </a:p>
+        </p:txBody>
+      </p:sp>
+      <p:sp>
+        <p:nvSpPr>
+          <p:cNvPr id="777" name="文本框 776"/>
+          <p:cNvSpPr txBox="1"/>
+          <p:nvPr/>
+        </p:nvSpPr>
+        <p:spPr>
+          <a:xfrm>
+            <a:off x="8162925" y="3831618"/>
+            <a:ext cx="1569660" cy="461665"/>
+          </a:xfrm>
+          <a:prstGeom prst="rect">
+            <a:avLst/>
+          </a:prstGeom>
+          <a:noFill/>
+        </p:spPr>
+        <p:txBody>
+          <a:bodyPr wrap="none" rtlCol="0">
+            <a:spAutoFit/>
+          </a:bodyPr>
+          <a:lstStyle/>
+          <a:p>
+            <a:r>
+              <a:rPr lang="en-US" altLang="zh-CN" sz="1200" dirty="0" smtClean="0">
+                <a:latin typeface="Consolas" panose="020B0609020204030204" pitchFamily="49" charset="0"/>
+              </a:rPr>
+              <a:t>pair</a:t>
+            </a:r>
+          </a:p>
+          <a:p>
+            <a:r>
+              <a:rPr lang="zh-CN" altLang="en-US" sz="1200" dirty="0" smtClean="0">
+                <a:latin typeface="Consolas" panose="020B0609020204030204" pitchFamily="49" charset="0"/>
+              </a:rPr>
+              <a:t>统计</a:t>
+            </a:r>
+            <a:r>
+              <a:rPr lang="zh-CN" altLang="en-US" sz="1200" dirty="0">
+                <a:latin typeface="Consolas" panose="020B0609020204030204" pitchFamily="49" charset="0"/>
+              </a:rPr>
+              <a:t>成</a:t>
+            </a:r>
+            <a:r>
+              <a:rPr lang="zh-CN" altLang="en-US" sz="1200" dirty="0" smtClean="0">
+                <a:latin typeface="Consolas" panose="020B0609020204030204" pitchFamily="49" charset="0"/>
+              </a:rPr>
+              <a:t>对事件的数量</a:t>
+            </a:r>
+            <a:endParaRPr lang="zh-CN" altLang="en-US" sz="1600" dirty="0">
+              <a:latin typeface="Consolas" panose="020B0609020204030204" pitchFamily="49" charset="0"/>
+            </a:endParaRPr>
+          </a:p>
+        </p:txBody>
+      </p:sp>
+      <p:sp>
+        <p:nvSpPr>
+          <p:cNvPr id="778" name="文本框 777"/>
+          <p:cNvSpPr txBox="1"/>
+          <p:nvPr/>
+        </p:nvSpPr>
+        <p:spPr>
+          <a:xfrm>
+            <a:off x="8162925" y="4550924"/>
+            <a:ext cx="2646878" cy="461665"/>
+          </a:xfrm>
+          <a:prstGeom prst="rect">
+            <a:avLst/>
+          </a:prstGeom>
+          <a:noFill/>
+        </p:spPr>
+        <p:txBody>
+          <a:bodyPr wrap="none" rtlCol="0">
+            <a:spAutoFit/>
+          </a:bodyPr>
+          <a:lstStyle/>
+          <a:p>
+            <a:r>
+              <a:rPr lang="en-US" altLang="zh-CN" sz="1200" dirty="0" err="1" smtClean="0">
+                <a:latin typeface="Consolas" panose="020B0609020204030204" pitchFamily="49" charset="0"/>
+              </a:rPr>
+              <a:t>kmemprof</a:t>
+            </a:r>
+            <a:endParaRPr lang="en-US" altLang="zh-CN" sz="1200" dirty="0" smtClean="0">
+              <a:latin typeface="Consolas" panose="020B0609020204030204" pitchFamily="49" charset="0"/>
+            </a:endParaRPr>
+          </a:p>
+          <a:p>
+            <a:r>
+              <a:rPr lang="zh-CN" altLang="en-US" sz="1200" dirty="0" smtClean="0">
+                <a:latin typeface="Consolas" panose="020B0609020204030204" pitchFamily="49" charset="0"/>
+              </a:rPr>
+              <a:t>统计内存分配和释放的次数及字节数</a:t>
+            </a:r>
+            <a:endParaRPr lang="en-US" altLang="zh-CN" sz="1200" dirty="0" smtClean="0">
+              <a:latin typeface="Consolas" panose="020B0609020204030204" pitchFamily="49" charset="0"/>
+            </a:endParaRPr>
+          </a:p>
+        </p:txBody>
+      </p:sp>
+      <p:sp>
+        <p:nvSpPr>
+          <p:cNvPr id="779" name="文本框 778"/>
+          <p:cNvSpPr txBox="1"/>
+          <p:nvPr/>
+        </p:nvSpPr>
+        <p:spPr>
+          <a:xfrm>
+            <a:off x="8162925" y="3112312"/>
+            <a:ext cx="3416320" cy="461665"/>
+          </a:xfrm>
+          <a:prstGeom prst="rect">
+            <a:avLst/>
+          </a:prstGeom>
+          <a:noFill/>
+        </p:spPr>
+        <p:txBody>
+          <a:bodyPr wrap="none" rtlCol="0">
+            <a:spAutoFit/>
+          </a:bodyPr>
+          <a:lstStyle/>
+          <a:p>
+            <a:r>
+              <a:rPr lang="en-US" altLang="zh-CN" sz="1200" dirty="0" err="1">
+                <a:latin typeface="Consolas" panose="020B0609020204030204" pitchFamily="49" charset="0"/>
+              </a:rPr>
+              <a:t>syscalls</a:t>
+            </a:r>
+            <a:endParaRPr lang="en-US" altLang="zh-CN" sz="1200" dirty="0" smtClean="0">
+              <a:latin typeface="Consolas" panose="020B0609020204030204" pitchFamily="49" charset="0"/>
+            </a:endParaRPr>
+          </a:p>
+          <a:p>
+            <a:r>
+              <a:rPr lang="zh-CN" altLang="en-US" sz="1200" dirty="0" smtClean="0">
+                <a:latin typeface="Consolas" panose="020B0609020204030204" pitchFamily="49" charset="0"/>
+              </a:rPr>
+              <a:t>统计系统调用的延迟，按照系统调用号来分类。</a:t>
+            </a:r>
+            <a:endParaRPr lang="en-US" altLang="zh-CN" sz="1200" dirty="0" smtClean="0">
+              <a:latin typeface="Consolas" panose="020B0609020204030204" pitchFamily="49" charset="0"/>
+            </a:endParaRPr>
+          </a:p>
+        </p:txBody>
+      </p:sp>
+      <p:sp>
+        <p:nvSpPr>
+          <p:cNvPr id="780" name="文本框 779"/>
+          <p:cNvSpPr txBox="1"/>
+          <p:nvPr/>
+        </p:nvSpPr>
+        <p:spPr>
+          <a:xfrm>
+            <a:off x="3608567" y="4540894"/>
+            <a:ext cx="383438" cy="307777"/>
+          </a:xfrm>
+          <a:prstGeom prst="rect">
+            <a:avLst/>
+          </a:prstGeom>
+          <a:noFill/>
+        </p:spPr>
+        <p:txBody>
+          <a:bodyPr wrap="none" rtlCol="0">
+            <a:spAutoFit/>
+          </a:bodyPr>
+          <a:lstStyle/>
+          <a:p>
+            <a:r>
+              <a:rPr lang="en-US" altLang="zh-CN" sz="1400" b="1" dirty="0" smtClean="0">
+                <a:latin typeface="Consolas" panose="020B0609020204030204" pitchFamily="49" charset="0"/>
+              </a:rPr>
+              <a:t>……</a:t>
+            </a:r>
+            <a:endParaRPr lang="zh-CN" altLang="en-US" b="1" dirty="0">
+              <a:latin typeface="Consolas" panose="020B0609020204030204" pitchFamily="49" charset="0"/>
+            </a:endParaRPr>
+          </a:p>
+        </p:txBody>
+      </p:sp>
+      <p:sp>
+        <p:nvSpPr>
+          <p:cNvPr id="781" name="右大括号 780"/>
+          <p:cNvSpPr/>
+          <p:nvPr/>
+        </p:nvSpPr>
+        <p:spPr>
+          <a:xfrm>
+            <a:off x="2552701" y="3648075"/>
+            <a:ext cx="60722" cy="464466"/>
+          </a:xfrm>
+          <a:prstGeom prst="rightBrace">
+            <a:avLst>
+              <a:gd name="adj1" fmla="val 57617"/>
+              <a:gd name="adj2" fmla="val 50000"/>
+            </a:avLst>
+          </a:prstGeom>
+          <a:ln w="12700"/>
+        </p:spPr>
+        <p:style>
+          <a:lnRef idx="1">
+            <a:schemeClr val="accent1"/>
+          </a:lnRef>
+          <a:fillRef idx="0">
+            <a:schemeClr val="accent1"/>
+          </a:fillRef>
+          <a:effectRef idx="0">
+            <a:schemeClr val="accent1"/>
+          </a:effectRef>
+          <a:fontRef idx="minor">
+            <a:schemeClr val="tx1"/>
+          </a:fontRef>
+        </p:style>
+        <p:txBody>
+          <a:bodyPr rtlCol="0" anchor="ctr"/>
+          <a:lstStyle/>
+          <a:p>
+            <a:pPr algn="ctr"/>
+            <a:endParaRPr lang="zh-CN" altLang="en-US"/>
+          </a:p>
+        </p:txBody>
+      </p:sp>
+      <p:sp>
+        <p:nvSpPr>
+          <p:cNvPr id="782" name="左大括号 781"/>
+          <p:cNvSpPr/>
+          <p:nvPr/>
+        </p:nvSpPr>
+        <p:spPr>
+          <a:xfrm rot="16200000">
+            <a:off x="4718808" y="1718812"/>
+            <a:ext cx="52897" cy="363151"/>
+          </a:xfrm>
+          <a:prstGeom prst="leftBrace">
+            <a:avLst>
+              <a:gd name="adj1" fmla="val 55139"/>
+              <a:gd name="adj2" fmla="val 50000"/>
+            </a:avLst>
+          </a:prstGeom>
+          <a:ln w="9525"/>
+        </p:spPr>
+        <p:style>
+          <a:lnRef idx="1">
+            <a:schemeClr val="accent1"/>
+          </a:lnRef>
+          <a:fillRef idx="0">
+            <a:schemeClr val="accent1"/>
+          </a:fillRef>
+          <a:effectRef idx="0">
+            <a:schemeClr val="accent1"/>
+          </a:effectRef>
+          <a:fontRef idx="minor">
+            <a:schemeClr val="tx1"/>
+          </a:fontRef>
+        </p:style>
+        <p:txBody>
+          <a:bodyPr rtlCol="0" anchor="ctr"/>
+          <a:lstStyle/>
+          <a:p>
+            <a:pPr algn="ctr"/>
+            <a:endParaRPr lang="zh-CN" altLang="en-US"/>
+          </a:p>
+        </p:txBody>
+      </p:sp>
+      <p:sp>
+        <p:nvSpPr>
+          <p:cNvPr id="783" name="左大括号 782"/>
+          <p:cNvSpPr/>
+          <p:nvPr/>
+        </p:nvSpPr>
+        <p:spPr>
+          <a:xfrm rot="16200000">
+            <a:off x="4037965" y="1719615"/>
+            <a:ext cx="52897" cy="363151"/>
+          </a:xfrm>
+          <a:prstGeom prst="leftBrace">
+            <a:avLst>
+              <a:gd name="adj1" fmla="val 55139"/>
+              <a:gd name="adj2" fmla="val 50000"/>
+            </a:avLst>
+          </a:prstGeom>
+          <a:ln w="9525"/>
+        </p:spPr>
+        <p:style>
+          <a:lnRef idx="1">
+            <a:schemeClr val="accent1"/>
+          </a:lnRef>
+          <a:fillRef idx="0">
+            <a:schemeClr val="accent1"/>
+          </a:fillRef>
+          <a:effectRef idx="0">
+            <a:schemeClr val="accent1"/>
+          </a:effectRef>
+          <a:fontRef idx="minor">
+            <a:schemeClr val="tx1"/>
+          </a:fontRef>
+        </p:style>
+        <p:txBody>
+          <a:bodyPr rtlCol="0" anchor="ctr"/>
+          <a:lstStyle/>
+          <a:p>
+            <a:pPr algn="ctr"/>
+            <a:endParaRPr lang="zh-CN" altLang="en-US"/>
+          </a:p>
+        </p:txBody>
+      </p:sp>
+      <p:sp>
+        <p:nvSpPr>
+          <p:cNvPr id="785" name="右大括号 784"/>
+          <p:cNvSpPr/>
+          <p:nvPr/>
+        </p:nvSpPr>
+        <p:spPr>
+          <a:xfrm rot="10800000">
+            <a:off x="4993531" y="3643730"/>
+            <a:ext cx="60722" cy="464466"/>
+          </a:xfrm>
+          <a:prstGeom prst="rightBrace">
+            <a:avLst>
+              <a:gd name="adj1" fmla="val 57617"/>
+              <a:gd name="adj2" fmla="val 50000"/>
+            </a:avLst>
+          </a:prstGeom>
+          <a:ln w="12700"/>
+        </p:spPr>
+        <p:style>
+          <a:lnRef idx="1">
+            <a:schemeClr val="accent1"/>
+          </a:lnRef>
+          <a:fillRef idx="0">
+            <a:schemeClr val="accent1"/>
+          </a:fillRef>
+          <a:effectRef idx="0">
+            <a:schemeClr val="accent1"/>
+          </a:effectRef>
+          <a:fontRef idx="minor">
+            <a:schemeClr val="tx1"/>
+          </a:fontRef>
+        </p:style>
+        <p:txBody>
+          <a:bodyPr rtlCol="0" anchor="ctr"/>
+          <a:lstStyle/>
+          <a:p>
+            <a:pPr algn="ctr"/>
+            <a:endParaRPr lang="zh-CN" altLang="en-US"/>
+          </a:p>
+        </p:txBody>
+      </p:sp>
+      <p:cxnSp>
+        <p:nvCxnSpPr>
+          <p:cNvPr id="787" name="直接连接符 786"/>
+          <p:cNvCxnSpPr>
+            <a:stCxn id="781" idx="1"/>
+            <a:endCxn id="783" idx="1"/>
+          </p:cNvCxnSpPr>
+          <p:nvPr/>
+        </p:nvCxnSpPr>
+        <p:spPr>
+          <a:xfrm flipV="1">
+            <a:off x="2613423" y="1927639"/>
+            <a:ext cx="1450991" cy="1952669"/>
+          </a:xfrm>
+          <a:prstGeom prst="line">
+            <a:avLst/>
+          </a:prstGeom>
+          <a:ln w="9525"/>
+        </p:spPr>
+        <p:style>
+          <a:lnRef idx="1">
+            <a:schemeClr val="accent1"/>
+          </a:lnRef>
+          <a:fillRef idx="0">
+            <a:schemeClr val="accent1"/>
+          </a:fillRef>
+          <a:effectRef idx="0">
+            <a:schemeClr val="accent1"/>
+          </a:effectRef>
+          <a:fontRef idx="minor">
+            <a:schemeClr val="tx1"/>
+          </a:fontRef>
+        </p:style>
+      </p:cxnSp>
+      <p:cxnSp>
+        <p:nvCxnSpPr>
+          <p:cNvPr id="791" name="直接连接符 790"/>
+          <p:cNvCxnSpPr>
+            <a:stCxn id="785" idx="1"/>
+            <a:endCxn id="782" idx="1"/>
+          </p:cNvCxnSpPr>
+          <p:nvPr/>
+        </p:nvCxnSpPr>
+        <p:spPr>
+          <a:xfrm flipH="1" flipV="1">
+            <a:off x="4745257" y="1926836"/>
+            <a:ext cx="248274" cy="1949127"/>
+          </a:xfrm>
+          <a:prstGeom prst="line">
+            <a:avLst/>
+          </a:prstGeom>
+          <a:ln w="9525"/>
+        </p:spPr>
+        <p:style>
+          <a:lnRef idx="1">
+            <a:schemeClr val="accent1"/>
+          </a:lnRef>
+          <a:fillRef idx="0">
+            <a:schemeClr val="accent1"/>
+          </a:fillRef>
+          <a:effectRef idx="0">
+            <a:schemeClr val="accent1"/>
+          </a:effectRef>
+          <a:fontRef idx="minor">
+            <a:schemeClr val="tx1"/>
+          </a:fontRef>
+        </p:style>
+      </p:cxnSp>
+      <p:sp>
+        <p:nvSpPr>
+          <p:cNvPr id="800" name="文本框 799"/>
+          <p:cNvSpPr txBox="1"/>
+          <p:nvPr/>
+        </p:nvSpPr>
+        <p:spPr>
+          <a:xfrm>
+            <a:off x="2713075" y="3651544"/>
+            <a:ext cx="2134633" cy="461665"/>
+          </a:xfrm>
+          <a:prstGeom prst="rect">
+            <a:avLst/>
+          </a:prstGeom>
+          <a:noFill/>
+        </p:spPr>
+        <p:txBody>
+          <a:bodyPr wrap="square" rtlCol="0">
+            <a:spAutoFit/>
+          </a:bodyPr>
+          <a:lstStyle/>
+          <a:p>
+            <a:r>
+              <a:rPr lang="zh-CN" altLang="en-US" sz="1200" dirty="0" smtClean="0">
+                <a:latin typeface="Consolas" panose="020B0609020204030204" pitchFamily="49" charset="0"/>
+              </a:rPr>
+              <a:t>从</a:t>
+            </a:r>
+            <a:r>
+              <a:rPr lang="en-US" altLang="zh-CN" sz="1200" dirty="0" smtClean="0">
+                <a:latin typeface="Consolas" panose="020B0609020204030204" pitchFamily="49" charset="0"/>
+              </a:rPr>
+              <a:t>ringbuffer</a:t>
+            </a:r>
+            <a:r>
+              <a:rPr lang="zh-CN" altLang="en-US" sz="1200" dirty="0" smtClean="0">
+                <a:latin typeface="Consolas" panose="020B0609020204030204" pitchFamily="49" charset="0"/>
+              </a:rPr>
+              <a:t>读取事件，并按时间顺序存放到</a:t>
+            </a:r>
+            <a:r>
+              <a:rPr lang="en-US" altLang="zh-CN" sz="1200" dirty="0" smtClean="0">
+                <a:latin typeface="Consolas" panose="020B0609020204030204" pitchFamily="49" charset="0"/>
+              </a:rPr>
+              <a:t>timeline</a:t>
+            </a:r>
+            <a:endParaRPr lang="zh-CN" altLang="en-US" sz="1200" dirty="0">
+              <a:latin typeface="Consolas" panose="020B0609020204030204" pitchFamily="49" charset="0"/>
+            </a:endParaRPr>
+          </a:p>
+        </p:txBody>
+      </p:sp>
+      <p:sp>
+        <p:nvSpPr>
+          <p:cNvPr id="802" name="椭圆 801"/>
+          <p:cNvSpPr/>
+          <p:nvPr/>
+        </p:nvSpPr>
+        <p:spPr>
+          <a:xfrm>
+            <a:off x="3614952" y="3384962"/>
+            <a:ext cx="277255" cy="277255"/>
+          </a:xfrm>
+          <a:prstGeom prst="ellipse">
+            <a:avLst/>
+          </a:prstGeom>
+        </p:spPr>
+        <p:style>
+          <a:lnRef idx="2">
+            <a:schemeClr val="accent1">
+              <a:shade val="50000"/>
+            </a:schemeClr>
+          </a:lnRef>
+          <a:fillRef idx="1">
+            <a:schemeClr val="accent1"/>
+          </a:fillRef>
+          <a:effectRef idx="0">
+            <a:schemeClr val="accent1"/>
+          </a:effectRef>
+          <a:fontRef idx="minor">
+            <a:schemeClr val="lt1"/>
+          </a:fontRef>
+        </p:style>
+        <p:txBody>
+          <a:bodyPr rtlCol="0" anchor="ctr"/>
+          <a:lstStyle/>
+          <a:p>
+            <a:pPr algn="ctr"/>
+            <a:r>
+              <a:rPr lang="en-US" altLang="zh-CN" dirty="0" smtClean="0">
+                <a:latin typeface="Consolas" panose="020B0609020204030204" pitchFamily="49" charset="0"/>
+              </a:rPr>
+              <a:t>1</a:t>
+            </a:r>
+            <a:endParaRPr lang="zh-CN" altLang="en-US" dirty="0">
+              <a:latin typeface="Consolas" panose="020B0609020204030204" pitchFamily="49" charset="0"/>
+            </a:endParaRPr>
+          </a:p>
+        </p:txBody>
+      </p:sp>
+      <p:sp>
+        <p:nvSpPr>
+          <p:cNvPr id="803" name="椭圆 802"/>
+          <p:cNvSpPr/>
+          <p:nvPr/>
+        </p:nvSpPr>
+        <p:spPr>
+          <a:xfrm>
+            <a:off x="5924742" y="3190968"/>
+            <a:ext cx="277255" cy="277255"/>
+          </a:xfrm>
+          <a:prstGeom prst="ellipse">
+            <a:avLst/>
+          </a:prstGeom>
+        </p:spPr>
+        <p:style>
+          <a:lnRef idx="2">
+            <a:schemeClr val="accent1">
+              <a:shade val="50000"/>
+            </a:schemeClr>
+          </a:lnRef>
+          <a:fillRef idx="1">
+            <a:schemeClr val="accent1"/>
+          </a:fillRef>
+          <a:effectRef idx="0">
+            <a:schemeClr val="accent1"/>
+          </a:effectRef>
+          <a:fontRef idx="minor">
+            <a:schemeClr val="lt1"/>
+          </a:fontRef>
+        </p:style>
+        <p:txBody>
+          <a:bodyPr rtlCol="0" anchor="ctr"/>
+          <a:lstStyle/>
+          <a:p>
+            <a:pPr algn="ctr"/>
+            <a:r>
+              <a:rPr lang="en-US" altLang="zh-CN" dirty="0" smtClean="0">
+                <a:latin typeface="Consolas" panose="020B0609020204030204" pitchFamily="49" charset="0"/>
+              </a:rPr>
+              <a:t>2</a:t>
+            </a:r>
+            <a:endParaRPr lang="zh-CN" altLang="en-US" dirty="0">
+              <a:latin typeface="Consolas" panose="020B0609020204030204" pitchFamily="49" charset="0"/>
+            </a:endParaRPr>
+          </a:p>
+        </p:txBody>
+      </p:sp>
+      <p:sp>
+        <p:nvSpPr>
+          <p:cNvPr id="804" name="任意多边形 803"/>
+          <p:cNvSpPr/>
+          <p:nvPr/>
+        </p:nvSpPr>
+        <p:spPr>
+          <a:xfrm>
+            <a:off x="4400550" y="1857375"/>
+            <a:ext cx="3200400" cy="412754"/>
+          </a:xfrm>
+          <a:custGeom>
+            <a:avLst/>
+            <a:gdLst>
+              <a:gd name="connsiteX0" fmla="*/ 0 w 3200400"/>
+              <a:gd name="connsiteY0" fmla="*/ 6350 h 412754"/>
+              <a:gd name="connsiteX1" fmla="*/ 1736725 w 3200400"/>
+              <a:gd name="connsiteY1" fmla="*/ 412750 h 412754"/>
+              <a:gd name="connsiteX2" fmla="*/ 3200400 w 3200400"/>
+              <a:gd name="connsiteY2" fmla="*/ 0 h 412754"/>
+            </a:gdLst>
+            <a:ahLst/>
+            <a:cxnLst>
+              <a:cxn ang="0">
+                <a:pos x="connsiteX0" y="connsiteY0"/>
+              </a:cxn>
+              <a:cxn ang="0">
+                <a:pos x="connsiteX1" y="connsiteY1"/>
+              </a:cxn>
+              <a:cxn ang="0">
+                <a:pos x="connsiteX2" y="connsiteY2"/>
+              </a:cxn>
+            </a:cxnLst>
+            <a:rect l="l" t="t" r="r" b="b"/>
+            <a:pathLst>
+              <a:path w="3200400" h="412754">
+                <a:moveTo>
+                  <a:pt x="0" y="6350"/>
+                </a:moveTo>
+                <a:cubicBezTo>
+                  <a:pt x="601662" y="210079"/>
+                  <a:pt x="1203325" y="413808"/>
+                  <a:pt x="1736725" y="412750"/>
+                </a:cubicBezTo>
+                <a:cubicBezTo>
+                  <a:pt x="2270125" y="411692"/>
+                  <a:pt x="2735262" y="205846"/>
+                  <a:pt x="3200400" y="0"/>
+                </a:cubicBezTo>
+              </a:path>
+            </a:pathLst>
+          </a:custGeom>
+          <a:noFill/>
+        </p:spPr>
+        <p:style>
+          <a:lnRef idx="2">
+            <a:schemeClr val="accent1">
+              <a:shade val="50000"/>
+            </a:schemeClr>
+          </a:lnRef>
+          <a:fillRef idx="1">
+            <a:schemeClr val="accent1"/>
+          </a:fillRef>
+          <a:effectRef idx="0">
+            <a:schemeClr val="accent1"/>
+          </a:effectRef>
+          <a:fontRef idx="minor">
+            <a:schemeClr val="lt1"/>
+          </a:fontRef>
+        </p:style>
+        <p:txBody>
+          <a:bodyPr rtlCol="0" anchor="ctr"/>
+          <a:lstStyle/>
+          <a:p>
+            <a:pPr algn="ctr"/>
+            <a:endParaRPr lang="zh-CN" altLang="en-US"/>
+          </a:p>
+        </p:txBody>
+      </p:sp>
+      <p:sp>
+        <p:nvSpPr>
+          <p:cNvPr id="805" name="椭圆 804"/>
+          <p:cNvSpPr/>
+          <p:nvPr/>
+        </p:nvSpPr>
+        <p:spPr>
+          <a:xfrm>
+            <a:off x="9701198" y="2054487"/>
+            <a:ext cx="277255" cy="277255"/>
+          </a:xfrm>
+          <a:prstGeom prst="ellipse">
+            <a:avLst/>
+          </a:prstGeom>
+        </p:spPr>
+        <p:style>
+          <a:lnRef idx="2">
+            <a:schemeClr val="accent1">
+              <a:shade val="50000"/>
+            </a:schemeClr>
+          </a:lnRef>
+          <a:fillRef idx="1">
+            <a:schemeClr val="accent1"/>
+          </a:fillRef>
+          <a:effectRef idx="0">
+            <a:schemeClr val="accent1"/>
+          </a:effectRef>
+          <a:fontRef idx="minor">
+            <a:schemeClr val="lt1"/>
+          </a:fontRef>
+        </p:style>
+        <p:txBody>
+          <a:bodyPr rtlCol="0" anchor="ctr"/>
+          <a:lstStyle/>
+          <a:p>
+            <a:pPr algn="ctr"/>
+            <a:r>
+              <a:rPr lang="en-US" altLang="zh-CN" dirty="0" smtClean="0">
+                <a:latin typeface="Consolas" panose="020B0609020204030204" pitchFamily="49" charset="0"/>
+              </a:rPr>
+              <a:t>3</a:t>
+            </a:r>
+            <a:endParaRPr lang="zh-CN" altLang="en-US" dirty="0">
+              <a:latin typeface="Consolas" panose="020B0609020204030204" pitchFamily="49" charset="0"/>
+            </a:endParaRPr>
+          </a:p>
+        </p:txBody>
+      </p:sp>
+      <p:cxnSp>
+        <p:nvCxnSpPr>
+          <p:cNvPr id="807" name="直接连接符 806"/>
+          <p:cNvCxnSpPr>
+            <a:stCxn id="808" idx="2"/>
+          </p:cNvCxnSpPr>
+          <p:nvPr/>
+        </p:nvCxnSpPr>
+        <p:spPr>
+          <a:xfrm>
+            <a:off x="4412396" y="1643300"/>
+            <a:ext cx="59" cy="84255"/>
+          </a:xfrm>
+          <a:prstGeom prst="line">
+            <a:avLst/>
+          </a:prstGeom>
+          <a:ln w="9525"/>
+        </p:spPr>
+        <p:style>
+          <a:lnRef idx="1">
+            <a:schemeClr val="accent1"/>
+          </a:lnRef>
+          <a:fillRef idx="0">
+            <a:schemeClr val="accent1"/>
+          </a:fillRef>
+          <a:effectRef idx="0">
+            <a:schemeClr val="accent1"/>
+          </a:effectRef>
+          <a:fontRef idx="minor">
+            <a:schemeClr val="tx1"/>
+          </a:fontRef>
+        </p:style>
+      </p:cxnSp>
+      <p:sp>
+        <p:nvSpPr>
+          <p:cNvPr id="808" name="文本框 807"/>
+          <p:cNvSpPr txBox="1"/>
+          <p:nvPr/>
+        </p:nvSpPr>
+        <p:spPr>
+          <a:xfrm>
+            <a:off x="4065185" y="1366301"/>
+            <a:ext cx="694421" cy="276999"/>
+          </a:xfrm>
+          <a:prstGeom prst="rect">
+            <a:avLst/>
+          </a:prstGeom>
+          <a:noFill/>
+        </p:spPr>
+        <p:txBody>
+          <a:bodyPr wrap="none" rtlCol="0">
+            <a:spAutoFit/>
+          </a:bodyPr>
+          <a:lstStyle/>
+          <a:p>
+            <a:r>
+              <a:rPr lang="en-US" altLang="zh-CN" sz="1200" dirty="0" smtClean="0">
+                <a:latin typeface="Consolas" panose="020B0609020204030204" pitchFamily="49" charset="0"/>
+              </a:rPr>
+              <a:t>needed</a:t>
+            </a:r>
+            <a:endParaRPr lang="zh-CN" altLang="en-US" dirty="0">
+              <a:latin typeface="Consolas" panose="020B0609020204030204" pitchFamily="49" charset="0"/>
+            </a:endParaRPr>
+          </a:p>
+        </p:txBody>
+      </p:sp>
+    </p:spTree>
+    <p:extLst>
+      <p:ext uri="{BB962C8B-B14F-4D97-AF65-F5344CB8AC3E}">
+        <p14:creationId xmlns:p14="http://schemas.microsoft.com/office/powerpoint/2010/main" val="1221746781"/>
+      </p:ext>
+    </p:extLst>
+  </p:cSld>
+  <p:clrMapOvr>
+    <a:masterClrMapping/>
+  </p:clrMapOvr>
+  <p:timing>
+    <p:tnLst>
+      <p:par>
+        <p:cTn id="1" dur="indefinite" restart="never" nodeType="tmRoot"/>
+      </p:par>
+    </p:tnLst>
+  </p:timing>
+</p:sld>
+</file>
+
+<file path=ppt/slides/slide3.xml><?xml version="1.0" encoding="utf-8"?>
+<p:sld xmlns:a="http://schemas.openxmlformats.org/drawingml/2006/main" xmlns:r="http://schemas.openxmlformats.org/officeDocument/2006/relationships" xmlns:p="http://schemas.openxmlformats.org/presentationml/2006/main">
+  <p:cSld>
+    <p:spTree>
+      <p:nvGrpSpPr>
+        <p:cNvPr id="1" name=""/>
+        <p:cNvGrpSpPr/>
+        <p:nvPr/>
+      </p:nvGrpSpPr>
+      <p:grpSpPr>
+        <a:xfrm>
+          <a:off x="0" y="0"/>
+          <a:ext cx="0" cy="0"/>
+          <a:chOff x="0" y="0"/>
+          <a:chExt cx="0" cy="0"/>
+        </a:xfrm>
+      </p:grpSpPr>
+      <p:sp>
+        <p:nvSpPr>
+          <p:cNvPr id="2" name="标题 1"/>
+          <p:cNvSpPr>
+            <a:spLocks noGrp="1"/>
+          </p:cNvSpPr>
+          <p:nvPr>
+            <p:ph type="title"/>
+          </p:nvPr>
+        </p:nvSpPr>
+        <p:spPr>
+          <a:xfrm>
+            <a:off x="0" y="6443914"/>
+            <a:ext cx="12192000" cy="399694"/>
+          </a:xfrm>
+        </p:spPr>
+        <p:txBody>
+          <a:bodyPr>
+            <a:normAutofit/>
+          </a:bodyPr>
+          <a:lstStyle/>
+          <a:p>
+            <a:pPr algn="ctr"/>
+            <a:r>
+              <a:rPr lang="en-US" altLang="zh-CN" sz="1600" b="1" dirty="0" smtClean="0"/>
+              <a:t>multi-trace.md </a:t>
+            </a:r>
+            <a:r>
+              <a:rPr lang="en-US" altLang="zh-CN" sz="1600" b="1" dirty="0"/>
+              <a:t>– Output format</a:t>
+            </a:r>
+            <a:endParaRPr lang="zh-CN" altLang="en-US" sz="1600" b="1" dirty="0"/>
+          </a:p>
+        </p:txBody>
+      </p:sp>
+      <p:sp>
+        <p:nvSpPr>
+          <p:cNvPr id="3" name="文本框 2"/>
+          <p:cNvSpPr txBox="1"/>
+          <p:nvPr/>
+        </p:nvSpPr>
+        <p:spPr>
+          <a:xfrm>
+            <a:off x="1574127" y="965651"/>
+            <a:ext cx="10148932" cy="4801314"/>
+          </a:xfrm>
+          <a:prstGeom prst="rect">
+            <a:avLst/>
+          </a:prstGeom>
+          <a:noFill/>
+        </p:spPr>
+        <p:txBody>
+          <a:bodyPr wrap="none" rtlCol="0">
+            <a:spAutoFit/>
+          </a:bodyPr>
+          <a:lstStyle/>
+          <a:p>
+            <a:r>
+              <a:rPr lang="en-US" altLang="zh-CN" sz="850" dirty="0" smtClean="0">
+                <a:latin typeface="Consolas" panose="020B0609020204030204" pitchFamily="49" charset="0"/>
+              </a:rPr>
+              <a:t># perf-prof </a:t>
+            </a:r>
+            <a:r>
+              <a:rPr lang="en-US" altLang="zh-CN" sz="850" dirty="0">
+                <a:latin typeface="Consolas" panose="020B0609020204030204" pitchFamily="49" charset="0"/>
+              </a:rPr>
+              <a:t>multi-trace -e </a:t>
+            </a:r>
+            <a:r>
+              <a:rPr lang="en-US" altLang="zh-CN" sz="850" dirty="0" smtClean="0">
+                <a:latin typeface="Consolas" panose="020B0609020204030204" pitchFamily="49" charset="0"/>
+              </a:rPr>
+              <a:t>'</a:t>
+            </a:r>
+            <a:r>
+              <a:rPr lang="en-US" altLang="zh-CN" sz="850" dirty="0" err="1" smtClean="0">
+                <a:latin typeface="Consolas" panose="020B0609020204030204" pitchFamily="49" charset="0"/>
+              </a:rPr>
+              <a:t>sched:sched_wakeup,sched:sched_switch</a:t>
+            </a:r>
+            <a:r>
+              <a:rPr lang="en-US" altLang="zh-CN" sz="850" dirty="0" smtClean="0">
+                <a:latin typeface="Consolas" panose="020B0609020204030204" pitchFamily="49" charset="0"/>
+              </a:rPr>
+              <a:t>//key=</a:t>
+            </a:r>
+            <a:r>
+              <a:rPr lang="en-US" altLang="zh-CN" sz="850" dirty="0" err="1" smtClean="0">
+                <a:latin typeface="Consolas" panose="020B0609020204030204" pitchFamily="49" charset="0"/>
+              </a:rPr>
+              <a:t>prev_pid</a:t>
+            </a:r>
+            <a:r>
+              <a:rPr lang="en-US" altLang="zh-CN" sz="850" dirty="0">
+                <a:latin typeface="Consolas" panose="020B0609020204030204" pitchFamily="49" charset="0"/>
+              </a:rPr>
+              <a:t>/' -e '</a:t>
+            </a:r>
+            <a:r>
+              <a:rPr lang="en-US" altLang="zh-CN" sz="850" dirty="0" err="1">
+                <a:latin typeface="Consolas" panose="020B0609020204030204" pitchFamily="49" charset="0"/>
+              </a:rPr>
+              <a:t>sched:sched_switch</a:t>
+            </a:r>
+            <a:r>
+              <a:rPr lang="en-US" altLang="zh-CN" sz="850" dirty="0">
+                <a:latin typeface="Consolas" panose="020B0609020204030204" pitchFamily="49" charset="0"/>
+              </a:rPr>
+              <a:t>//key=</a:t>
+            </a:r>
+            <a:r>
+              <a:rPr lang="en-US" altLang="zh-CN" sz="850" dirty="0" err="1">
+                <a:latin typeface="Consolas" panose="020B0609020204030204" pitchFamily="49" charset="0"/>
+              </a:rPr>
+              <a:t>next_pid</a:t>
+            </a:r>
+            <a:r>
+              <a:rPr lang="en-US" altLang="zh-CN" sz="850" dirty="0">
+                <a:latin typeface="Consolas" panose="020B0609020204030204" pitchFamily="49" charset="0"/>
+              </a:rPr>
+              <a:t>/' -k </a:t>
+            </a:r>
+            <a:r>
+              <a:rPr lang="en-US" altLang="zh-CN" sz="850" dirty="0" smtClean="0">
+                <a:latin typeface="Consolas" panose="020B0609020204030204" pitchFamily="49" charset="0"/>
+              </a:rPr>
+              <a:t>pid </a:t>
+            </a:r>
+            <a:r>
+              <a:rPr lang="en-US" altLang="zh-CN" sz="850" dirty="0">
+                <a:latin typeface="Consolas" panose="020B0609020204030204" pitchFamily="49" charset="0"/>
+              </a:rPr>
+              <a:t>-</a:t>
+            </a:r>
+            <a:r>
+              <a:rPr lang="en-US" altLang="zh-CN" sz="850" dirty="0" err="1">
+                <a:latin typeface="Consolas" panose="020B0609020204030204" pitchFamily="49" charset="0"/>
+              </a:rPr>
+              <a:t>i</a:t>
+            </a:r>
+            <a:r>
+              <a:rPr lang="en-US" altLang="zh-CN" sz="850" dirty="0">
+                <a:latin typeface="Consolas" panose="020B0609020204030204" pitchFamily="49" charset="0"/>
+              </a:rPr>
+              <a:t> 1000 --than 4ms --detail --order -C </a:t>
+            </a:r>
+            <a:r>
+              <a:rPr lang="en-US" altLang="zh-CN" sz="850" dirty="0" smtClean="0">
+                <a:latin typeface="Consolas" panose="020B0609020204030204" pitchFamily="49" charset="0"/>
+              </a:rPr>
+              <a:t>0</a:t>
+            </a:r>
+          </a:p>
+          <a:p>
+            <a:endParaRPr lang="en-US" altLang="zh-CN" sz="850" dirty="0">
+              <a:latin typeface="Consolas" panose="020B0609020204030204" pitchFamily="49" charset="0"/>
+            </a:endParaRPr>
+          </a:p>
+          <a:p>
+            <a:r>
+              <a:rPr lang="en-US" altLang="zh-CN" sz="850" dirty="0" smtClean="0">
+                <a:latin typeface="Consolas" panose="020B0609020204030204" pitchFamily="49" charset="0"/>
+              </a:rPr>
+              <a:t>2022-08-02 </a:t>
+            </a:r>
+            <a:r>
+              <a:rPr lang="en-US" altLang="zh-CN" sz="850" dirty="0">
+                <a:latin typeface="Consolas" panose="020B0609020204030204" pitchFamily="49" charset="0"/>
+              </a:rPr>
+              <a:t>15:23:06.993849          sap1009   4822 </a:t>
+            </a:r>
+            <a:r>
+              <a:rPr lang="en-US" altLang="zh-CN" sz="850" dirty="0" err="1">
+                <a:latin typeface="Consolas" panose="020B0609020204030204" pitchFamily="49" charset="0"/>
+              </a:rPr>
+              <a:t>d.h</a:t>
+            </a:r>
+            <a:r>
+              <a:rPr lang="en-US" altLang="zh-CN" sz="850" dirty="0">
+                <a:latin typeface="Consolas" panose="020B0609020204030204" pitchFamily="49" charset="0"/>
+              </a:rPr>
+              <a:t>. [000] 250411.442023: </a:t>
+            </a:r>
+            <a:r>
+              <a:rPr lang="en-US" altLang="zh-CN" sz="850" dirty="0" err="1">
+                <a:latin typeface="Consolas" panose="020B0609020204030204" pitchFamily="49" charset="0"/>
+              </a:rPr>
+              <a:t>sched:sched_wakeup</a:t>
+            </a:r>
+            <a:r>
+              <a:rPr lang="en-US" altLang="zh-CN" sz="850" dirty="0">
+                <a:latin typeface="Consolas" panose="020B0609020204030204" pitchFamily="49" charset="0"/>
+              </a:rPr>
+              <a:t>: while:97629 [120] success=1 CPU:000</a:t>
+            </a:r>
+          </a:p>
+          <a:p>
+            <a:r>
+              <a:rPr lang="en-US" altLang="zh-CN" sz="850" dirty="0">
+                <a:latin typeface="Consolas" panose="020B0609020204030204" pitchFamily="49" charset="0"/>
+              </a:rPr>
+              <a:t>|     4165.960 us                   sap1009   4822 d... [000] 250411.442738: </a:t>
+            </a:r>
+            <a:r>
+              <a:rPr lang="en-US" altLang="zh-CN" sz="850" dirty="0" err="1">
+                <a:latin typeface="Consolas" panose="020B0609020204030204" pitchFamily="49" charset="0"/>
+              </a:rPr>
+              <a:t>sched:sched_switch</a:t>
+            </a:r>
+            <a:r>
+              <a:rPr lang="en-US" altLang="zh-CN" sz="850" dirty="0">
+                <a:latin typeface="Consolas" panose="020B0609020204030204" pitchFamily="49" charset="0"/>
+              </a:rPr>
+              <a:t>: sap1009:4822 [120] R ==&gt; sap1008:4820 [120]</a:t>
+            </a:r>
+          </a:p>
+          <a:p>
+            <a:r>
+              <a:rPr lang="en-US" altLang="zh-CN" sz="850" dirty="0">
+                <a:latin typeface="Consolas" panose="020B0609020204030204" pitchFamily="49" charset="0"/>
+              </a:rPr>
+              <a:t>|                                   sap1008   4820 d... [000] 250411.442748: </a:t>
+            </a:r>
+            <a:r>
+              <a:rPr lang="en-US" altLang="zh-CN" sz="850" dirty="0" err="1">
+                <a:latin typeface="Consolas" panose="020B0609020204030204" pitchFamily="49" charset="0"/>
+              </a:rPr>
+              <a:t>sched:sched_switch</a:t>
+            </a:r>
+            <a:r>
+              <a:rPr lang="en-US" altLang="zh-CN" sz="850" dirty="0">
+                <a:latin typeface="Consolas" panose="020B0609020204030204" pitchFamily="49" charset="0"/>
+              </a:rPr>
+              <a:t>: sap1008:4820 [120] S ==&gt; sap1009:4822 [120]</a:t>
+            </a:r>
+          </a:p>
+          <a:p>
+            <a:r>
+              <a:rPr lang="en-US" altLang="zh-CN" sz="850" dirty="0">
+                <a:latin typeface="Consolas" panose="020B0609020204030204" pitchFamily="49" charset="0"/>
+              </a:rPr>
+              <a:t>|                                   sap1009   4822 d... [000] 250411.442847: </a:t>
+            </a:r>
+            <a:r>
+              <a:rPr lang="en-US" altLang="zh-CN" sz="850" dirty="0" err="1">
+                <a:latin typeface="Consolas" panose="020B0609020204030204" pitchFamily="49" charset="0"/>
+              </a:rPr>
+              <a:t>sched:sched_switch</a:t>
+            </a:r>
+            <a:r>
+              <a:rPr lang="en-US" altLang="zh-CN" sz="850" dirty="0">
+                <a:latin typeface="Consolas" panose="020B0609020204030204" pitchFamily="49" charset="0"/>
+              </a:rPr>
+              <a:t>: sap1009:4822 [120] R ==&gt; sap1008:4820 [120]</a:t>
+            </a:r>
+          </a:p>
+          <a:p>
+            <a:r>
+              <a:rPr lang="en-US" altLang="zh-CN" sz="850" dirty="0">
+                <a:latin typeface="Consolas" panose="020B0609020204030204" pitchFamily="49" charset="0"/>
+              </a:rPr>
+              <a:t>|                                   sap1008   4820 d... [000] 250411.442856: </a:t>
+            </a:r>
+            <a:r>
+              <a:rPr lang="en-US" altLang="zh-CN" sz="850" dirty="0" err="1">
+                <a:latin typeface="Consolas" panose="020B0609020204030204" pitchFamily="49" charset="0"/>
+              </a:rPr>
+              <a:t>sched:sched_switch</a:t>
+            </a:r>
+            <a:r>
+              <a:rPr lang="en-US" altLang="zh-CN" sz="850" dirty="0">
+                <a:latin typeface="Consolas" panose="020B0609020204030204" pitchFamily="49" charset="0"/>
+              </a:rPr>
+              <a:t>: sap1008:4820 [120] S ==&gt; sap1009:4822 [120]</a:t>
+            </a:r>
+          </a:p>
+          <a:p>
+            <a:r>
+              <a:rPr lang="en-US" altLang="zh-CN" sz="850" dirty="0">
+                <a:latin typeface="Consolas" panose="020B0609020204030204" pitchFamily="49" charset="0"/>
+              </a:rPr>
+              <a:t>|                                   sap1009   4822 d... [000] 250411.442902: </a:t>
+            </a:r>
+            <a:r>
+              <a:rPr lang="en-US" altLang="zh-CN" sz="850" dirty="0" err="1">
+                <a:latin typeface="Consolas" panose="020B0609020204030204" pitchFamily="49" charset="0"/>
+              </a:rPr>
+              <a:t>sched:sched_switch</a:t>
+            </a:r>
+            <a:r>
+              <a:rPr lang="en-US" altLang="zh-CN" sz="850" dirty="0">
+                <a:latin typeface="Consolas" panose="020B0609020204030204" pitchFamily="49" charset="0"/>
+              </a:rPr>
+              <a:t>: sap1009:4822 [120] R ==&gt; sap1008:4820 [120]</a:t>
+            </a:r>
+          </a:p>
+          <a:p>
+            <a:r>
+              <a:rPr lang="en-US" altLang="zh-CN" sz="850" dirty="0">
+                <a:latin typeface="Consolas" panose="020B0609020204030204" pitchFamily="49" charset="0"/>
+              </a:rPr>
+              <a:t>|                                   sap1008   4820 d... [000] 250411.442909: </a:t>
+            </a:r>
+            <a:r>
+              <a:rPr lang="en-US" altLang="zh-CN" sz="850" dirty="0" err="1">
+                <a:latin typeface="Consolas" panose="020B0609020204030204" pitchFamily="49" charset="0"/>
+              </a:rPr>
+              <a:t>sched:sched_switch</a:t>
+            </a:r>
+            <a:r>
+              <a:rPr lang="en-US" altLang="zh-CN" sz="850" dirty="0">
+                <a:latin typeface="Consolas" panose="020B0609020204030204" pitchFamily="49" charset="0"/>
+              </a:rPr>
+              <a:t>: sap1008:4820 [120] S ==&gt; sap1009:4822 [120]</a:t>
+            </a:r>
+          </a:p>
+          <a:p>
+            <a:r>
+              <a:rPr lang="en-US" altLang="zh-CN" sz="850" dirty="0">
+                <a:latin typeface="Consolas" panose="020B0609020204030204" pitchFamily="49" charset="0"/>
+              </a:rPr>
+              <a:t>|  </a:t>
+            </a:r>
+            <a:r>
+              <a:rPr lang="en-US" altLang="zh-CN" sz="850" dirty="0" smtClean="0">
+                <a:latin typeface="Consolas" panose="020B0609020204030204" pitchFamily="49" charset="0"/>
+              </a:rPr>
+              <a:t>                                 </a:t>
+            </a:r>
+            <a:r>
+              <a:rPr lang="en-US" altLang="zh-CN" sz="850" dirty="0">
+                <a:latin typeface="Consolas" panose="020B0609020204030204" pitchFamily="49" charset="0"/>
+              </a:rPr>
+              <a:t>sap1009   4822 d... [000] 250411.443858: </a:t>
+            </a:r>
+            <a:r>
+              <a:rPr lang="en-US" altLang="zh-CN" sz="850" dirty="0" err="1">
+                <a:latin typeface="Consolas" panose="020B0609020204030204" pitchFamily="49" charset="0"/>
+              </a:rPr>
+              <a:t>sched:sched_switch</a:t>
+            </a:r>
+            <a:r>
+              <a:rPr lang="en-US" altLang="zh-CN" sz="850" dirty="0">
+                <a:latin typeface="Consolas" panose="020B0609020204030204" pitchFamily="49" charset="0"/>
+              </a:rPr>
+              <a:t>: sap1009:4822 [120] R ==&gt; sap1008:4820 [120]</a:t>
+            </a:r>
+          </a:p>
+          <a:p>
+            <a:r>
+              <a:rPr lang="en-US" altLang="zh-CN" sz="850" dirty="0">
+                <a:latin typeface="Consolas" panose="020B0609020204030204" pitchFamily="49" charset="0"/>
+              </a:rPr>
+              <a:t>|                                   sap1008   4820 d... [000] 250411.443868: </a:t>
+            </a:r>
+            <a:r>
+              <a:rPr lang="en-US" altLang="zh-CN" sz="850" dirty="0" err="1">
+                <a:latin typeface="Consolas" panose="020B0609020204030204" pitchFamily="49" charset="0"/>
+              </a:rPr>
+              <a:t>sched:sched_switch</a:t>
+            </a:r>
+            <a:r>
+              <a:rPr lang="en-US" altLang="zh-CN" sz="850" dirty="0">
+                <a:latin typeface="Consolas" panose="020B0609020204030204" pitchFamily="49" charset="0"/>
+              </a:rPr>
+              <a:t>: sap1008:4820 [120] S ==&gt; sap1009:4822 [120]</a:t>
+            </a:r>
+          </a:p>
+          <a:p>
+            <a:r>
+              <a:rPr lang="en-US" altLang="zh-CN" sz="850" dirty="0">
+                <a:latin typeface="Consolas" panose="020B0609020204030204" pitchFamily="49" charset="0"/>
+              </a:rPr>
+              <a:t>|                                   sap1009   4822 d... [000] 250411.443899: </a:t>
+            </a:r>
+            <a:r>
+              <a:rPr lang="en-US" altLang="zh-CN" sz="850" dirty="0" err="1">
+                <a:latin typeface="Consolas" panose="020B0609020204030204" pitchFamily="49" charset="0"/>
+              </a:rPr>
+              <a:t>sched:sched_switch</a:t>
+            </a:r>
+            <a:r>
+              <a:rPr lang="en-US" altLang="zh-CN" sz="850" dirty="0">
+                <a:latin typeface="Consolas" panose="020B0609020204030204" pitchFamily="49" charset="0"/>
+              </a:rPr>
+              <a:t>: sap1009:4822 [120] R ==&gt; sap1008:4820 [120]</a:t>
+            </a:r>
+          </a:p>
+          <a:p>
+            <a:r>
+              <a:rPr lang="en-US" altLang="zh-CN" sz="850" dirty="0">
+                <a:latin typeface="Consolas" panose="020B0609020204030204" pitchFamily="49" charset="0"/>
+              </a:rPr>
+              <a:t>|                                   sap1008   4820 d... [000] 250411.443906: </a:t>
+            </a:r>
+            <a:r>
+              <a:rPr lang="en-US" altLang="zh-CN" sz="850" dirty="0" err="1">
+                <a:latin typeface="Consolas" panose="020B0609020204030204" pitchFamily="49" charset="0"/>
+              </a:rPr>
+              <a:t>sched:sched_switch</a:t>
+            </a:r>
+            <a:r>
+              <a:rPr lang="en-US" altLang="zh-CN" sz="850" dirty="0">
+                <a:latin typeface="Consolas" panose="020B0609020204030204" pitchFamily="49" charset="0"/>
+              </a:rPr>
+              <a:t>: sap1008:4820 [120] S ==&gt; sap1009:4822 [120]</a:t>
+            </a:r>
+          </a:p>
+          <a:p>
+            <a:r>
+              <a:rPr lang="en-US" altLang="zh-CN" sz="850" dirty="0">
+                <a:latin typeface="Consolas" panose="020B0609020204030204" pitchFamily="49" charset="0"/>
+              </a:rPr>
+              <a:t>|                                   sap1009   4822 d... [000] 250411.444175: </a:t>
+            </a:r>
+            <a:r>
+              <a:rPr lang="en-US" altLang="zh-CN" sz="850" dirty="0" err="1">
+                <a:latin typeface="Consolas" panose="020B0609020204030204" pitchFamily="49" charset="0"/>
+              </a:rPr>
+              <a:t>sched:sched_switch</a:t>
+            </a:r>
+            <a:r>
+              <a:rPr lang="en-US" altLang="zh-CN" sz="850" dirty="0">
+                <a:latin typeface="Consolas" panose="020B0609020204030204" pitchFamily="49" charset="0"/>
+              </a:rPr>
+              <a:t>: sap1009:4822 [120] R ==&gt; sap1008:4820 [120]</a:t>
+            </a:r>
+          </a:p>
+          <a:p>
+            <a:r>
+              <a:rPr lang="en-US" altLang="zh-CN" sz="850" dirty="0">
+                <a:latin typeface="Consolas" panose="020B0609020204030204" pitchFamily="49" charset="0"/>
+              </a:rPr>
+              <a:t>|                                   sap1008   4820 d... [000] 250411.444183: </a:t>
+            </a:r>
+            <a:r>
+              <a:rPr lang="en-US" altLang="zh-CN" sz="850" dirty="0" err="1">
+                <a:latin typeface="Consolas" panose="020B0609020204030204" pitchFamily="49" charset="0"/>
+              </a:rPr>
+              <a:t>sched:sched_switch</a:t>
+            </a:r>
+            <a:r>
+              <a:rPr lang="en-US" altLang="zh-CN" sz="850" dirty="0">
+                <a:latin typeface="Consolas" panose="020B0609020204030204" pitchFamily="49" charset="0"/>
+              </a:rPr>
+              <a:t>: sap1008:4820 [120] S ==&gt; sap1009:4822 [120]</a:t>
+            </a:r>
+          </a:p>
+          <a:p>
+            <a:r>
+              <a:rPr lang="en-US" altLang="zh-CN" sz="850" dirty="0">
+                <a:latin typeface="Consolas" panose="020B0609020204030204" pitchFamily="49" charset="0"/>
+              </a:rPr>
+              <a:t>|                                   sap1009   4822 d... [000] 250411.446135: </a:t>
+            </a:r>
+            <a:r>
+              <a:rPr lang="en-US" altLang="zh-CN" sz="850" dirty="0" err="1">
+                <a:latin typeface="Consolas" panose="020B0609020204030204" pitchFamily="49" charset="0"/>
+              </a:rPr>
+              <a:t>sched:sched_switch</a:t>
+            </a:r>
+            <a:r>
+              <a:rPr lang="en-US" altLang="zh-CN" sz="850" dirty="0">
+                <a:latin typeface="Consolas" panose="020B0609020204030204" pitchFamily="49" charset="0"/>
+              </a:rPr>
+              <a:t>: sap1009:4822 [120] R ==&gt; migrate_vpc:51218 [98]</a:t>
+            </a:r>
+          </a:p>
+          <a:p>
+            <a:r>
+              <a:rPr lang="en-US" altLang="zh-CN" sz="850" dirty="0">
+                <a:latin typeface="Consolas" panose="020B0609020204030204" pitchFamily="49" charset="0"/>
+              </a:rPr>
+              <a:t>|                               </a:t>
+            </a:r>
+            <a:r>
+              <a:rPr lang="en-US" altLang="zh-CN" sz="850" dirty="0" err="1">
+                <a:latin typeface="Consolas" panose="020B0609020204030204" pitchFamily="49" charset="0"/>
+              </a:rPr>
+              <a:t>migrate_vpc</a:t>
+            </a:r>
+            <a:r>
+              <a:rPr lang="en-US" altLang="zh-CN" sz="850" dirty="0">
+                <a:latin typeface="Consolas" panose="020B0609020204030204" pitchFamily="49" charset="0"/>
+              </a:rPr>
+              <a:t>  51218 d... [000] 250411.446176: </a:t>
+            </a:r>
+            <a:r>
+              <a:rPr lang="en-US" altLang="zh-CN" sz="850" dirty="0" err="1">
+                <a:latin typeface="Consolas" panose="020B0609020204030204" pitchFamily="49" charset="0"/>
+              </a:rPr>
+              <a:t>sched:sched_switch</a:t>
+            </a:r>
+            <a:r>
+              <a:rPr lang="en-US" altLang="zh-CN" sz="850" dirty="0">
+                <a:latin typeface="Consolas" panose="020B0609020204030204" pitchFamily="49" charset="0"/>
+              </a:rPr>
+              <a:t>: migrate_vpc:51218 [98] S ==&gt; tbsd_mcd:54655 [120]</a:t>
+            </a:r>
+          </a:p>
+          <a:p>
+            <a:r>
+              <a:rPr lang="en-US" altLang="zh-CN" sz="850" dirty="0">
+                <a:latin typeface="Consolas" panose="020B0609020204030204" pitchFamily="49" charset="0"/>
+              </a:rPr>
+              <a:t>|                                  </a:t>
+            </a:r>
+            <a:r>
+              <a:rPr lang="en-US" altLang="zh-CN" sz="850" dirty="0" err="1">
+                <a:latin typeface="Consolas" panose="020B0609020204030204" pitchFamily="49" charset="0"/>
+              </a:rPr>
+              <a:t>tbsd_mcd</a:t>
+            </a:r>
+            <a:r>
+              <a:rPr lang="en-US" altLang="zh-CN" sz="850" dirty="0">
+                <a:latin typeface="Consolas" panose="020B0609020204030204" pitchFamily="49" charset="0"/>
+              </a:rPr>
+              <a:t>  54655 d... [000] 250411.446184: </a:t>
+            </a:r>
+            <a:r>
+              <a:rPr lang="en-US" altLang="zh-CN" sz="850" dirty="0" err="1">
+                <a:latin typeface="Consolas" panose="020B0609020204030204" pitchFamily="49" charset="0"/>
+              </a:rPr>
+              <a:t>sched:sched_switch</a:t>
+            </a:r>
+            <a:r>
+              <a:rPr lang="en-US" altLang="zh-CN" sz="850" dirty="0">
+                <a:latin typeface="Consolas" panose="020B0609020204030204" pitchFamily="49" charset="0"/>
+              </a:rPr>
+              <a:t>: tbsd_mcd:54655 [120] S ==&gt; tbsd_mcd:54644 [120]</a:t>
+            </a:r>
+          </a:p>
+          <a:p>
+            <a:r>
+              <a:rPr lang="en-US" altLang="zh-CN" sz="850" dirty="0">
+                <a:latin typeface="Consolas" panose="020B0609020204030204" pitchFamily="49" charset="0"/>
+              </a:rPr>
+              <a:t>2022-08-02 15:23:06.994655         </a:t>
+            </a:r>
+            <a:r>
+              <a:rPr lang="en-US" altLang="zh-CN" sz="850" dirty="0" err="1">
+                <a:latin typeface="Consolas" panose="020B0609020204030204" pitchFamily="49" charset="0"/>
+              </a:rPr>
+              <a:t>tbsd_mcd</a:t>
+            </a:r>
+            <a:r>
+              <a:rPr lang="en-US" altLang="zh-CN" sz="850" dirty="0">
+                <a:latin typeface="Consolas" panose="020B0609020204030204" pitchFamily="49" charset="0"/>
+              </a:rPr>
+              <a:t>  54644 d... [000] 250411.446189: </a:t>
+            </a:r>
+            <a:r>
+              <a:rPr lang="en-US" altLang="zh-CN" sz="850" dirty="0" err="1">
+                <a:latin typeface="Consolas" panose="020B0609020204030204" pitchFamily="49" charset="0"/>
+              </a:rPr>
+              <a:t>sched:sched_switch</a:t>
+            </a:r>
+            <a:r>
+              <a:rPr lang="en-US" altLang="zh-CN" sz="850" dirty="0">
+                <a:latin typeface="Consolas" panose="020B0609020204030204" pitchFamily="49" charset="0"/>
+              </a:rPr>
+              <a:t>: tbsd_mcd:54644 [120] S ==&gt; while:97629 [120]</a:t>
+            </a:r>
+          </a:p>
+          <a:p>
+            <a:r>
+              <a:rPr lang="en-US" altLang="zh-CN" sz="850" dirty="0">
+                <a:latin typeface="Consolas" panose="020B0609020204030204" pitchFamily="49" charset="0"/>
+              </a:rPr>
+              <a:t>2022-08-02 15:23:06.998258          sap1009   4822 </a:t>
+            </a:r>
+            <a:r>
+              <a:rPr lang="en-US" altLang="zh-CN" sz="850" dirty="0" err="1">
+                <a:latin typeface="Consolas" panose="020B0609020204030204" pitchFamily="49" charset="0"/>
+              </a:rPr>
+              <a:t>d.h</a:t>
+            </a:r>
+            <a:r>
+              <a:rPr lang="en-US" altLang="zh-CN" sz="850" dirty="0">
+                <a:latin typeface="Consolas" panose="020B0609020204030204" pitchFamily="49" charset="0"/>
+              </a:rPr>
+              <a:t>. [000] 250411.941493: </a:t>
+            </a:r>
+            <a:r>
+              <a:rPr lang="en-US" altLang="zh-CN" sz="850" dirty="0" err="1">
+                <a:latin typeface="Consolas" panose="020B0609020204030204" pitchFamily="49" charset="0"/>
+              </a:rPr>
+              <a:t>sched:sched_wakeup</a:t>
+            </a:r>
+            <a:r>
+              <a:rPr lang="en-US" altLang="zh-CN" sz="850" dirty="0">
+                <a:latin typeface="Consolas" panose="020B0609020204030204" pitchFamily="49" charset="0"/>
+              </a:rPr>
+              <a:t>: while:97629 [120] success=1 CPU:000</a:t>
+            </a:r>
+          </a:p>
+          <a:p>
+            <a:r>
+              <a:rPr lang="en-US" altLang="zh-CN" sz="850" dirty="0">
+                <a:latin typeface="Consolas" panose="020B0609020204030204" pitchFamily="49" charset="0"/>
+              </a:rPr>
+              <a:t>|     5773.383 us                   sap1009   4822 d... [000] 250411.947257: </a:t>
+            </a:r>
+            <a:r>
+              <a:rPr lang="en-US" altLang="zh-CN" sz="850" dirty="0" err="1">
+                <a:latin typeface="Consolas" panose="020B0609020204030204" pitchFamily="49" charset="0"/>
+              </a:rPr>
+              <a:t>sched:sched_switch</a:t>
+            </a:r>
+            <a:r>
+              <a:rPr lang="en-US" altLang="zh-CN" sz="850" dirty="0">
+                <a:latin typeface="Consolas" panose="020B0609020204030204" pitchFamily="49" charset="0"/>
+              </a:rPr>
+              <a:t>: sap1009:4822 [120] R ==&gt; hcbs_cli_iscs0:58983 [100]</a:t>
+            </a:r>
+          </a:p>
+          <a:p>
+            <a:r>
+              <a:rPr lang="en-US" altLang="zh-CN" sz="850" dirty="0">
+                <a:latin typeface="Consolas" panose="020B0609020204030204" pitchFamily="49" charset="0"/>
+              </a:rPr>
+              <a:t>2022-08-02 15:23:06.998545   hcbs_cli_iscs0  58983 d... [000] 250411.947266: </a:t>
+            </a:r>
+            <a:r>
+              <a:rPr lang="en-US" altLang="zh-CN" sz="850" dirty="0" err="1">
+                <a:latin typeface="Consolas" panose="020B0609020204030204" pitchFamily="49" charset="0"/>
+              </a:rPr>
+              <a:t>sched:sched_switch</a:t>
+            </a:r>
+            <a:r>
+              <a:rPr lang="en-US" altLang="zh-CN" sz="850" dirty="0">
+                <a:latin typeface="Consolas" panose="020B0609020204030204" pitchFamily="49" charset="0"/>
+              </a:rPr>
+              <a:t>: hcbs_cli_iscs0:58983 [100] S ==&gt; while:97629 [120]</a:t>
+            </a:r>
+          </a:p>
+          <a:p>
+            <a:r>
+              <a:rPr lang="en-US" altLang="zh-CN" sz="850" dirty="0">
+                <a:latin typeface="Consolas" panose="020B0609020204030204" pitchFamily="49" charset="0"/>
+              </a:rPr>
+              <a:t>2022-08-02 15:23:06.999077          sap1009   4822 </a:t>
+            </a:r>
+            <a:r>
+              <a:rPr lang="en-US" altLang="zh-CN" sz="850" dirty="0" err="1">
+                <a:latin typeface="Consolas" panose="020B0609020204030204" pitchFamily="49" charset="0"/>
+              </a:rPr>
+              <a:t>d.h</a:t>
+            </a:r>
+            <a:r>
+              <a:rPr lang="en-US" altLang="zh-CN" sz="850" dirty="0">
+                <a:latin typeface="Consolas" panose="020B0609020204030204" pitchFamily="49" charset="0"/>
+              </a:rPr>
+              <a:t>. [000] 250412.042316: </a:t>
+            </a:r>
+            <a:r>
+              <a:rPr lang="en-US" altLang="zh-CN" sz="850" dirty="0" err="1">
+                <a:latin typeface="Consolas" panose="020B0609020204030204" pitchFamily="49" charset="0"/>
+              </a:rPr>
+              <a:t>sched:sched_wakeup</a:t>
+            </a:r>
+            <a:r>
+              <a:rPr lang="en-US" altLang="zh-CN" sz="850" dirty="0">
+                <a:latin typeface="Consolas" panose="020B0609020204030204" pitchFamily="49" charset="0"/>
+              </a:rPr>
+              <a:t>: while:97629 [120] success=1 CPU:000</a:t>
+            </a:r>
+          </a:p>
+          <a:p>
+            <a:r>
+              <a:rPr lang="en-US" altLang="zh-CN" sz="850" dirty="0">
+                <a:latin typeface="Consolas" panose="020B0609020204030204" pitchFamily="49" charset="0"/>
+              </a:rPr>
+              <a:t>|     4963.173 us                   sap1009   4822 d... [000] 250412.047256: </a:t>
+            </a:r>
+            <a:r>
+              <a:rPr lang="en-US" altLang="zh-CN" sz="850" dirty="0" err="1">
+                <a:latin typeface="Consolas" panose="020B0609020204030204" pitchFamily="49" charset="0"/>
+              </a:rPr>
+              <a:t>sched:sched_switch</a:t>
+            </a:r>
+            <a:r>
+              <a:rPr lang="en-US" altLang="zh-CN" sz="850" dirty="0">
+                <a:latin typeface="Consolas" panose="020B0609020204030204" pitchFamily="49" charset="0"/>
+              </a:rPr>
+              <a:t>: sap1009:4822 [120] R ==&gt; localstorcnter:58980 [100]</a:t>
+            </a:r>
+          </a:p>
+          <a:p>
+            <a:r>
+              <a:rPr lang="en-US" altLang="zh-CN" sz="850" dirty="0">
+                <a:latin typeface="Consolas" panose="020B0609020204030204" pitchFamily="49" charset="0"/>
+              </a:rPr>
+              <a:t>|                            </a:t>
+            </a:r>
+            <a:r>
+              <a:rPr lang="en-US" altLang="zh-CN" sz="850" dirty="0" err="1">
+                <a:latin typeface="Consolas" panose="020B0609020204030204" pitchFamily="49" charset="0"/>
+              </a:rPr>
+              <a:t>localstorcnter</a:t>
+            </a:r>
+            <a:r>
+              <a:rPr lang="en-US" altLang="zh-CN" sz="850" dirty="0">
+                <a:latin typeface="Consolas" panose="020B0609020204030204" pitchFamily="49" charset="0"/>
+              </a:rPr>
+              <a:t>  58980 d... [000] 250412.047266: </a:t>
+            </a:r>
+            <a:r>
+              <a:rPr lang="en-US" altLang="zh-CN" sz="850" dirty="0" err="1">
+                <a:latin typeface="Consolas" panose="020B0609020204030204" pitchFamily="49" charset="0"/>
+              </a:rPr>
+              <a:t>sched:sched_switch</a:t>
+            </a:r>
+            <a:r>
+              <a:rPr lang="en-US" altLang="zh-CN" sz="850" dirty="0">
+                <a:latin typeface="Consolas" panose="020B0609020204030204" pitchFamily="49" charset="0"/>
+              </a:rPr>
+              <a:t>: localstorcnter:58980 [100] S ==&gt; hcbs_cli_iscs0:58983 [100]</a:t>
+            </a:r>
+          </a:p>
+          <a:p>
+            <a:r>
+              <a:rPr lang="en-US" altLang="zh-CN" sz="850" dirty="0">
+                <a:latin typeface="Consolas" panose="020B0609020204030204" pitchFamily="49" charset="0"/>
+              </a:rPr>
+              <a:t>|                            hcbs_cli_iscs0  58983 d... [000] 250412.047272: </a:t>
+            </a:r>
+            <a:r>
+              <a:rPr lang="en-US" altLang="zh-CN" sz="850" dirty="0" err="1">
+                <a:latin typeface="Consolas" panose="020B0609020204030204" pitchFamily="49" charset="0"/>
+              </a:rPr>
+              <a:t>sched:sched_switch</a:t>
+            </a:r>
+            <a:r>
+              <a:rPr lang="en-US" altLang="zh-CN" sz="850" dirty="0">
+                <a:latin typeface="Consolas" panose="020B0609020204030204" pitchFamily="49" charset="0"/>
+              </a:rPr>
+              <a:t>: hcbs_cli_iscs0:58983 [100] S ==&gt; </a:t>
+            </a:r>
+            <a:r>
+              <a:rPr lang="en-US" altLang="zh-CN" sz="850" dirty="0" err="1">
+                <a:latin typeface="Consolas" panose="020B0609020204030204" pitchFamily="49" charset="0"/>
+              </a:rPr>
+              <a:t>rcuog</a:t>
+            </a:r>
+            <a:r>
+              <a:rPr lang="en-US" altLang="zh-CN" sz="850" dirty="0">
+                <a:latin typeface="Consolas" panose="020B0609020204030204" pitchFamily="49" charset="0"/>
+              </a:rPr>
+              <a:t>/50:319 [120]</a:t>
+            </a:r>
+          </a:p>
+          <a:p>
+            <a:r>
+              <a:rPr lang="en-US" altLang="zh-CN" sz="850" dirty="0">
+                <a:latin typeface="Consolas" panose="020B0609020204030204" pitchFamily="49" charset="0"/>
+              </a:rPr>
+              <a:t>|                                  </a:t>
+            </a:r>
+            <a:r>
+              <a:rPr lang="en-US" altLang="zh-CN" sz="850" dirty="0" err="1">
+                <a:latin typeface="Consolas" panose="020B0609020204030204" pitchFamily="49" charset="0"/>
+              </a:rPr>
+              <a:t>rcuog</a:t>
+            </a:r>
+            <a:r>
+              <a:rPr lang="en-US" altLang="zh-CN" sz="850" dirty="0">
+                <a:latin typeface="Consolas" panose="020B0609020204030204" pitchFamily="49" charset="0"/>
+              </a:rPr>
+              <a:t>/50    319 d... [000] 250412.047276: </a:t>
+            </a:r>
+            <a:r>
+              <a:rPr lang="en-US" altLang="zh-CN" sz="850" dirty="0" err="1">
+                <a:latin typeface="Consolas" panose="020B0609020204030204" pitchFamily="49" charset="0"/>
+              </a:rPr>
+              <a:t>sched:sched_switch</a:t>
+            </a:r>
+            <a:r>
+              <a:rPr lang="en-US" altLang="zh-CN" sz="850" dirty="0">
+                <a:latin typeface="Consolas" panose="020B0609020204030204" pitchFamily="49" charset="0"/>
+              </a:rPr>
+              <a:t>: </a:t>
+            </a:r>
+            <a:r>
+              <a:rPr lang="en-US" altLang="zh-CN" sz="850" dirty="0" err="1">
+                <a:latin typeface="Consolas" panose="020B0609020204030204" pitchFamily="49" charset="0"/>
+              </a:rPr>
+              <a:t>rcuog</a:t>
+            </a:r>
+            <a:r>
+              <a:rPr lang="en-US" altLang="zh-CN" sz="850" dirty="0">
+                <a:latin typeface="Consolas" panose="020B0609020204030204" pitchFamily="49" charset="0"/>
+              </a:rPr>
+              <a:t>/50:319 [120] S ==&gt; </a:t>
+            </a:r>
+            <a:r>
+              <a:rPr lang="en-US" altLang="zh-CN" sz="850" dirty="0" err="1">
+                <a:latin typeface="Consolas" panose="020B0609020204030204" pitchFamily="49" charset="0"/>
+              </a:rPr>
+              <a:t>rcuos</a:t>
+            </a:r>
+            <a:r>
+              <a:rPr lang="en-US" altLang="zh-CN" sz="850" dirty="0">
+                <a:latin typeface="Consolas" panose="020B0609020204030204" pitchFamily="49" charset="0"/>
+              </a:rPr>
+              <a:t>/55:350 [120]</a:t>
+            </a:r>
+          </a:p>
+          <a:p>
+            <a:r>
+              <a:rPr lang="en-US" altLang="zh-CN" sz="850" dirty="0">
+                <a:latin typeface="Consolas" panose="020B0609020204030204" pitchFamily="49" charset="0"/>
+              </a:rPr>
+              <a:t>2022-08-02 15:23:06.999208         </a:t>
+            </a:r>
+            <a:r>
+              <a:rPr lang="en-US" altLang="zh-CN" sz="850" dirty="0" err="1">
+                <a:latin typeface="Consolas" panose="020B0609020204030204" pitchFamily="49" charset="0"/>
+              </a:rPr>
+              <a:t>rcuos</a:t>
+            </a:r>
+            <a:r>
+              <a:rPr lang="en-US" altLang="zh-CN" sz="850" dirty="0">
+                <a:latin typeface="Consolas" panose="020B0609020204030204" pitchFamily="49" charset="0"/>
+              </a:rPr>
+              <a:t>/55    350 d... [000] 250412.047279: </a:t>
+            </a:r>
+            <a:r>
+              <a:rPr lang="en-US" altLang="zh-CN" sz="850" dirty="0" err="1">
+                <a:latin typeface="Consolas" panose="020B0609020204030204" pitchFamily="49" charset="0"/>
+              </a:rPr>
+              <a:t>sched:sched_switch</a:t>
+            </a:r>
+            <a:r>
+              <a:rPr lang="en-US" altLang="zh-CN" sz="850" dirty="0">
+                <a:latin typeface="Consolas" panose="020B0609020204030204" pitchFamily="49" charset="0"/>
+              </a:rPr>
+              <a:t>: </a:t>
+            </a:r>
+            <a:r>
+              <a:rPr lang="en-US" altLang="zh-CN" sz="850" dirty="0" err="1">
+                <a:latin typeface="Consolas" panose="020B0609020204030204" pitchFamily="49" charset="0"/>
+              </a:rPr>
+              <a:t>rcuos</a:t>
+            </a:r>
+            <a:r>
+              <a:rPr lang="en-US" altLang="zh-CN" sz="850" dirty="0">
+                <a:latin typeface="Consolas" panose="020B0609020204030204" pitchFamily="49" charset="0"/>
+              </a:rPr>
+              <a:t>/55:350 [120] S ==&gt; while:97629 [120]</a:t>
+            </a:r>
+          </a:p>
+          <a:p>
+            <a:r>
+              <a:rPr lang="en-US" altLang="zh-CN" sz="850" dirty="0">
+                <a:latin typeface="Consolas" panose="020B0609020204030204" pitchFamily="49" charset="0"/>
+              </a:rPr>
+              <a:t>2022-08-02 15:23:06.999746 </a:t>
+            </a:r>
+          </a:p>
+          <a:p>
+            <a:r>
+              <a:rPr lang="en-US" altLang="zh-CN" sz="850" dirty="0">
+                <a:latin typeface="Consolas" panose="020B0609020204030204" pitchFamily="49" charset="0"/>
+              </a:rPr>
+              <a:t>       start =&gt; end             calls        total(us)   min(us)   </a:t>
+            </a:r>
+            <a:r>
+              <a:rPr lang="en-US" altLang="zh-CN" sz="850" dirty="0" err="1">
+                <a:latin typeface="Consolas" panose="020B0609020204030204" pitchFamily="49" charset="0"/>
+              </a:rPr>
+              <a:t>avg</a:t>
+            </a:r>
+            <a:r>
+              <a:rPr lang="en-US" altLang="zh-CN" sz="850" dirty="0">
+                <a:latin typeface="Consolas" panose="020B0609020204030204" pitchFamily="49" charset="0"/>
+              </a:rPr>
+              <a:t>(us)      max(us)</a:t>
+            </a:r>
+          </a:p>
+          <a:p>
+            <a:r>
+              <a:rPr lang="en-US" altLang="zh-CN" sz="850" dirty="0">
+                <a:latin typeface="Consolas" panose="020B0609020204030204" pitchFamily="49" charset="0"/>
+              </a:rPr>
+              <a:t>------------    ------------ -------- ---------------- --------- --------- ------------</a:t>
+            </a:r>
+          </a:p>
+          <a:p>
+            <a:r>
+              <a:rPr lang="en-US" altLang="zh-CN" sz="850" dirty="0" err="1">
+                <a:latin typeface="Consolas" panose="020B0609020204030204" pitchFamily="49" charset="0"/>
+              </a:rPr>
+              <a:t>sched_wakeup</a:t>
+            </a:r>
+            <a:r>
+              <a:rPr lang="en-US" altLang="zh-CN" sz="850" dirty="0">
+                <a:latin typeface="Consolas" panose="020B0609020204030204" pitchFamily="49" charset="0"/>
+              </a:rPr>
+              <a:t> =&gt; </a:t>
+            </a:r>
+            <a:r>
+              <a:rPr lang="en-US" altLang="zh-CN" sz="850" dirty="0" err="1">
+                <a:latin typeface="Consolas" panose="020B0609020204030204" pitchFamily="49" charset="0"/>
+              </a:rPr>
+              <a:t>sched_switch</a:t>
+            </a:r>
+            <a:r>
+              <a:rPr lang="en-US" altLang="zh-CN" sz="850" dirty="0">
+                <a:latin typeface="Consolas" panose="020B0609020204030204" pitchFamily="49" charset="0"/>
+              </a:rPr>
+              <a:t>      469        36803.091     0.817    78.471     </a:t>
+            </a:r>
+            <a:r>
+              <a:rPr lang="en-US" altLang="zh-CN" sz="850" dirty="0" smtClean="0">
+                <a:latin typeface="Consolas" panose="020B0609020204030204" pitchFamily="49" charset="0"/>
+              </a:rPr>
+              <a:t>5773.383</a:t>
+            </a:r>
+          </a:p>
+          <a:p>
+            <a:r>
+              <a:rPr lang="en-US" altLang="zh-CN" sz="850" dirty="0">
+                <a:latin typeface="Consolas" panose="020B0609020204030204" pitchFamily="49" charset="0"/>
+              </a:rPr>
+              <a:t>2022-08-02 </a:t>
+            </a:r>
+            <a:r>
+              <a:rPr lang="en-US" altLang="zh-CN" sz="850" dirty="0" smtClean="0">
+                <a:latin typeface="Consolas" panose="020B0609020204030204" pitchFamily="49" charset="0"/>
+              </a:rPr>
+              <a:t>15:23:08.006167 </a:t>
+            </a:r>
+            <a:endParaRPr lang="en-US" altLang="zh-CN" sz="850" dirty="0">
+              <a:latin typeface="Consolas" panose="020B0609020204030204" pitchFamily="49" charset="0"/>
+            </a:endParaRPr>
+          </a:p>
+          <a:p>
+            <a:r>
+              <a:rPr lang="en-US" altLang="zh-CN" sz="850" dirty="0">
+                <a:latin typeface="Consolas" panose="020B0609020204030204" pitchFamily="49" charset="0"/>
+              </a:rPr>
+              <a:t> start =&gt; end             calls        total(us)   min(us)   </a:t>
+            </a:r>
+            <a:r>
+              <a:rPr lang="en-US" altLang="zh-CN" sz="850" dirty="0" err="1">
+                <a:latin typeface="Consolas" panose="020B0609020204030204" pitchFamily="49" charset="0"/>
+              </a:rPr>
+              <a:t>avg</a:t>
+            </a:r>
+            <a:r>
+              <a:rPr lang="en-US" altLang="zh-CN" sz="850" dirty="0">
+                <a:latin typeface="Consolas" panose="020B0609020204030204" pitchFamily="49" charset="0"/>
+              </a:rPr>
+              <a:t>(us)      max(us)</a:t>
+            </a:r>
+          </a:p>
+          <a:p>
+            <a:r>
+              <a:rPr lang="en-US" altLang="zh-CN" sz="850" dirty="0">
+                <a:latin typeface="Consolas" panose="020B0609020204030204" pitchFamily="49" charset="0"/>
+              </a:rPr>
+              <a:t>------------    ------------ -------- ---------------- --------- --------- ------------</a:t>
+            </a:r>
+          </a:p>
+          <a:p>
+            <a:r>
+              <a:rPr lang="en-US" altLang="zh-CN" sz="850" dirty="0" err="1">
+                <a:latin typeface="Consolas" panose="020B0609020204030204" pitchFamily="49" charset="0"/>
+              </a:rPr>
+              <a:t>sched_wakeup</a:t>
+            </a:r>
+            <a:r>
+              <a:rPr lang="en-US" altLang="zh-CN" sz="850" dirty="0">
+                <a:latin typeface="Consolas" panose="020B0609020204030204" pitchFamily="49" charset="0"/>
+              </a:rPr>
+              <a:t> =&gt; </a:t>
+            </a:r>
+            <a:r>
+              <a:rPr lang="en-US" altLang="zh-CN" sz="850" dirty="0" err="1">
+                <a:latin typeface="Consolas" panose="020B0609020204030204" pitchFamily="49" charset="0"/>
+              </a:rPr>
+              <a:t>sched_switch</a:t>
+            </a:r>
+            <a:r>
+              <a:rPr lang="en-US" altLang="zh-CN" sz="850" dirty="0">
+                <a:latin typeface="Consolas" panose="020B0609020204030204" pitchFamily="49" charset="0"/>
+              </a:rPr>
+              <a:t>      482        11544.755     0.773    23.951     4383.619</a:t>
+            </a:r>
+            <a:endParaRPr lang="zh-CN" altLang="en-US" sz="850" dirty="0">
+              <a:latin typeface="Consolas" panose="020B0609020204030204" pitchFamily="49" charset="0"/>
+            </a:endParaRPr>
+          </a:p>
+        </p:txBody>
+      </p:sp>
+      <p:cxnSp>
+        <p:nvCxnSpPr>
+          <p:cNvPr id="4" name="直接连接符 3"/>
+          <p:cNvCxnSpPr/>
+          <p:nvPr/>
+        </p:nvCxnSpPr>
+        <p:spPr>
+          <a:xfrm>
+            <a:off x="883907" y="260351"/>
+            <a:ext cx="14287" cy="5826124"/>
+          </a:xfrm>
+          <a:prstGeom prst="line">
+            <a:avLst/>
+          </a:prstGeom>
+          <a:ln w="19050">
+            <a:prstDash val="solid"/>
+            <a:headEnd type="none" w="med" len="med"/>
+            <a:tailEnd type="triangle" w="med" len="med"/>
+          </a:ln>
+        </p:spPr>
+        <p:style>
+          <a:lnRef idx="1">
+            <a:schemeClr val="accent1"/>
+          </a:lnRef>
+          <a:fillRef idx="0">
+            <a:schemeClr val="accent1"/>
+          </a:fillRef>
+          <a:effectRef idx="0">
+            <a:schemeClr val="accent1"/>
+          </a:effectRef>
+          <a:fontRef idx="minor">
+            <a:schemeClr val="tx1"/>
+          </a:fontRef>
+        </p:style>
+      </p:cxnSp>
+      <p:sp>
+        <p:nvSpPr>
+          <p:cNvPr id="9" name="文本框 8"/>
+          <p:cNvSpPr txBox="1"/>
+          <p:nvPr/>
+        </p:nvSpPr>
+        <p:spPr>
+          <a:xfrm rot="5400000">
+            <a:off x="-980534" y="2464988"/>
+            <a:ext cx="3583032" cy="276999"/>
+          </a:xfrm>
+          <a:prstGeom prst="rect">
+            <a:avLst/>
+          </a:prstGeom>
+          <a:noFill/>
+        </p:spPr>
+        <p:txBody>
+          <a:bodyPr wrap="none" rtlCol="0">
+            <a:spAutoFit/>
+          </a:bodyPr>
+          <a:lstStyle/>
+          <a:p>
+            <a:r>
+              <a:rPr lang="en-US" altLang="zh-CN" sz="1200" strike="sngStrike" dirty="0" smtClean="0">
+                <a:solidFill>
+                  <a:schemeClr val="bg2">
+                    <a:lumMod val="90000"/>
+                  </a:schemeClr>
+                </a:solidFill>
+                <a:latin typeface="Consolas" panose="020B0609020204030204" pitchFamily="49" charset="0"/>
+              </a:rPr>
+              <a:t>CCCAACC</a:t>
+            </a:r>
+            <a:r>
+              <a:rPr lang="en-US" altLang="zh-CN" sz="1200" dirty="0" smtClean="0">
+                <a:solidFill>
+                  <a:srgbClr val="FF0000"/>
+                </a:solidFill>
+                <a:latin typeface="Consolas" panose="020B0609020204030204" pitchFamily="49" charset="0"/>
+              </a:rPr>
+              <a:t>A</a:t>
+            </a:r>
+            <a:r>
+              <a:rPr lang="en-US" altLang="zh-CN" sz="1200" dirty="0" smtClean="0">
+                <a:solidFill>
+                  <a:schemeClr val="bg2">
+                    <a:lumMod val="90000"/>
+                  </a:schemeClr>
+                </a:solidFill>
+                <a:latin typeface="Consolas" panose="020B0609020204030204" pitchFamily="49" charset="0"/>
+              </a:rPr>
+              <a:t>CCCCCCCCC</a:t>
+            </a:r>
+            <a:r>
+              <a:rPr lang="en-US" altLang="zh-CN" sz="1200" dirty="0" smtClean="0">
+                <a:solidFill>
+                  <a:srgbClr val="FF0000"/>
+                </a:solidFill>
+                <a:latin typeface="Consolas" panose="020B0609020204030204" pitchFamily="49" charset="0"/>
+              </a:rPr>
+              <a:t>C</a:t>
+            </a:r>
+            <a:r>
+              <a:rPr lang="en-US" altLang="zh-CN" sz="1200" dirty="0" smtClean="0">
+                <a:solidFill>
+                  <a:schemeClr val="bg2">
+                    <a:lumMod val="90000"/>
+                  </a:schemeClr>
+                </a:solidFill>
+                <a:latin typeface="Consolas" panose="020B0609020204030204" pitchFamily="49" charset="0"/>
+              </a:rPr>
+              <a:t>CCCCC</a:t>
+            </a:r>
+            <a:r>
+              <a:rPr lang="en-US" altLang="zh-CN" sz="1200" dirty="0" smtClean="0">
+                <a:solidFill>
+                  <a:schemeClr val="accent1">
+                    <a:lumMod val="75000"/>
+                  </a:schemeClr>
+                </a:solidFill>
+                <a:latin typeface="Consolas" panose="020B0609020204030204" pitchFamily="49" charset="0"/>
+              </a:rPr>
+              <a:t>B</a:t>
+            </a:r>
+            <a:r>
+              <a:rPr lang="en-US" altLang="zh-CN" sz="1200" dirty="0" smtClean="0">
+                <a:solidFill>
+                  <a:schemeClr val="bg2">
+                    <a:lumMod val="90000"/>
+                  </a:schemeClr>
+                </a:solidFill>
+                <a:latin typeface="Consolas" panose="020B0609020204030204" pitchFamily="49" charset="0"/>
+              </a:rPr>
+              <a:t>CAAACCC</a:t>
+            </a:r>
+            <a:r>
+              <a:rPr lang="en-US" altLang="zh-CN" sz="1200" dirty="0" smtClean="0">
+                <a:solidFill>
+                  <a:schemeClr val="accent1">
+                    <a:lumMod val="75000"/>
+                  </a:schemeClr>
+                </a:solidFill>
+                <a:latin typeface="Consolas" panose="020B0609020204030204" pitchFamily="49" charset="0"/>
+              </a:rPr>
+              <a:t>C</a:t>
+            </a:r>
+            <a:r>
+              <a:rPr lang="en-US" altLang="zh-CN" sz="1200" dirty="0" smtClean="0">
+                <a:solidFill>
+                  <a:schemeClr val="bg2">
+                    <a:lumMod val="90000"/>
+                  </a:schemeClr>
+                </a:solidFill>
+                <a:latin typeface="Consolas" panose="020B0609020204030204" pitchFamily="49" charset="0"/>
+              </a:rPr>
+              <a:t>CCCCCC..</a:t>
+            </a:r>
+            <a:endParaRPr lang="zh-CN" altLang="en-US" sz="1200" dirty="0">
+              <a:solidFill>
+                <a:schemeClr val="bg2">
+                  <a:lumMod val="90000"/>
+                </a:schemeClr>
+              </a:solidFill>
+              <a:latin typeface="Consolas" panose="020B0609020204030204" pitchFamily="49" charset="0"/>
+            </a:endParaRPr>
+          </a:p>
+        </p:txBody>
+      </p:sp>
+      <p:sp>
+        <p:nvSpPr>
+          <p:cNvPr id="10" name="文本框 9"/>
+          <p:cNvSpPr txBox="1"/>
+          <p:nvPr/>
+        </p:nvSpPr>
+        <p:spPr>
+          <a:xfrm rot="5400000">
+            <a:off x="529971" y="519320"/>
+            <a:ext cx="979755" cy="307777"/>
+          </a:xfrm>
+          <a:prstGeom prst="rect">
+            <a:avLst/>
+          </a:prstGeom>
+          <a:noFill/>
+        </p:spPr>
+        <p:txBody>
+          <a:bodyPr wrap="none" rtlCol="0">
+            <a:spAutoFit/>
+          </a:bodyPr>
+          <a:lstStyle/>
+          <a:p>
+            <a:r>
+              <a:rPr lang="en-US" altLang="zh-CN" sz="1400" dirty="0" smtClean="0">
+                <a:latin typeface="Consolas" panose="020B0609020204030204" pitchFamily="49" charset="0"/>
+              </a:rPr>
+              <a:t>timeline</a:t>
+            </a:r>
+            <a:endParaRPr lang="zh-CN" altLang="en-US" sz="1400" dirty="0">
+              <a:latin typeface="Consolas" panose="020B0609020204030204" pitchFamily="49" charset="0"/>
+            </a:endParaRPr>
+          </a:p>
+        </p:txBody>
+      </p:sp>
+      <p:cxnSp>
+        <p:nvCxnSpPr>
+          <p:cNvPr id="12" name="直接连接符 11"/>
+          <p:cNvCxnSpPr/>
+          <p:nvPr/>
+        </p:nvCxnSpPr>
+        <p:spPr>
+          <a:xfrm flipV="1">
+            <a:off x="883907" y="1341442"/>
+            <a:ext cx="787731" cy="182558"/>
+          </a:xfrm>
+          <a:prstGeom prst="line">
+            <a:avLst/>
+          </a:prstGeom>
+          <a:ln w="12700">
+            <a:solidFill>
+              <a:srgbClr val="FF0000"/>
+            </a:solidFill>
+            <a:headEnd type="none" w="med" len="med"/>
+            <a:tailEnd type="triangle" w="med" len="med"/>
+          </a:ln>
+        </p:spPr>
+        <p:style>
+          <a:lnRef idx="1">
+            <a:schemeClr val="accent1"/>
+          </a:lnRef>
+          <a:fillRef idx="0">
+            <a:schemeClr val="accent1"/>
+          </a:fillRef>
+          <a:effectRef idx="0">
+            <a:schemeClr val="accent1"/>
+          </a:effectRef>
+          <a:fontRef idx="minor">
+            <a:schemeClr val="tx1"/>
+          </a:fontRef>
+        </p:style>
+      </p:cxnSp>
+      <p:cxnSp>
+        <p:nvCxnSpPr>
+          <p:cNvPr id="14" name="直接连接符 13"/>
+          <p:cNvCxnSpPr/>
+          <p:nvPr/>
+        </p:nvCxnSpPr>
+        <p:spPr>
+          <a:xfrm>
+            <a:off x="898194" y="2370138"/>
+            <a:ext cx="768681" cy="1032668"/>
+          </a:xfrm>
+          <a:prstGeom prst="line">
+            <a:avLst/>
+          </a:prstGeom>
+          <a:ln w="12700">
+            <a:solidFill>
+              <a:srgbClr val="FF0000"/>
+            </a:solidFill>
+            <a:headEnd type="none" w="med" len="med"/>
+            <a:tailEnd type="triangle" w="med" len="med"/>
+          </a:ln>
+        </p:spPr>
+        <p:style>
+          <a:lnRef idx="1">
+            <a:schemeClr val="accent1"/>
+          </a:lnRef>
+          <a:fillRef idx="0">
+            <a:schemeClr val="accent1"/>
+          </a:fillRef>
+          <a:effectRef idx="0">
+            <a:schemeClr val="accent1"/>
+          </a:effectRef>
+          <a:fontRef idx="minor">
+            <a:schemeClr val="tx1"/>
+          </a:fontRef>
+        </p:style>
+      </p:cxnSp>
+      <p:sp>
+        <p:nvSpPr>
+          <p:cNvPr id="19" name="文本框 18"/>
+          <p:cNvSpPr txBox="1"/>
+          <p:nvPr/>
+        </p:nvSpPr>
+        <p:spPr>
+          <a:xfrm>
+            <a:off x="1692549" y="2231638"/>
+            <a:ext cx="1569660" cy="276999"/>
+          </a:xfrm>
+          <a:prstGeom prst="rect">
+            <a:avLst/>
+          </a:prstGeom>
+          <a:noFill/>
+        </p:spPr>
+        <p:txBody>
+          <a:bodyPr wrap="none" rtlCol="0">
+            <a:spAutoFit/>
+          </a:bodyPr>
+          <a:lstStyle/>
+          <a:p>
+            <a:r>
+              <a:rPr lang="zh-CN" altLang="en-US" sz="1200" dirty="0" smtClean="0">
+                <a:solidFill>
+                  <a:srgbClr val="FF0000"/>
+                </a:solidFill>
+              </a:rPr>
+              <a:t>时间线调度延迟细节</a:t>
+            </a:r>
+            <a:endParaRPr lang="zh-CN" altLang="en-US" sz="1200" dirty="0">
+              <a:solidFill>
+                <a:srgbClr val="FF0000"/>
+              </a:solidFill>
+            </a:endParaRPr>
+          </a:p>
+        </p:txBody>
+      </p:sp>
+      <p:cxnSp>
+        <p:nvCxnSpPr>
+          <p:cNvPr id="23" name="直接连接符 22"/>
+          <p:cNvCxnSpPr/>
+          <p:nvPr/>
+        </p:nvCxnSpPr>
+        <p:spPr>
+          <a:xfrm flipV="1">
+            <a:off x="916141" y="5608322"/>
+            <a:ext cx="738330" cy="578943"/>
+          </a:xfrm>
+          <a:prstGeom prst="line">
+            <a:avLst/>
+          </a:prstGeom>
+          <a:ln w="12700">
+            <a:headEnd type="none" w="med" len="med"/>
+            <a:tailEnd type="triangle" w="med" len="med"/>
+          </a:ln>
+        </p:spPr>
+        <p:style>
+          <a:lnRef idx="1">
+            <a:schemeClr val="accent1"/>
+          </a:lnRef>
+          <a:fillRef idx="0">
+            <a:schemeClr val="accent1"/>
+          </a:fillRef>
+          <a:effectRef idx="0">
+            <a:schemeClr val="accent1"/>
+          </a:effectRef>
+          <a:fontRef idx="minor">
+            <a:schemeClr val="tx1"/>
+          </a:fontRef>
+        </p:style>
+      </p:cxnSp>
+      <p:sp>
+        <p:nvSpPr>
+          <p:cNvPr id="31" name="文本框 30"/>
+          <p:cNvSpPr txBox="1"/>
+          <p:nvPr/>
+        </p:nvSpPr>
+        <p:spPr>
+          <a:xfrm>
+            <a:off x="865960" y="5233357"/>
+            <a:ext cx="920930" cy="461665"/>
+          </a:xfrm>
+          <a:prstGeom prst="rect">
+            <a:avLst/>
+          </a:prstGeom>
+          <a:noFill/>
+        </p:spPr>
+        <p:txBody>
+          <a:bodyPr wrap="square" rtlCol="0">
+            <a:spAutoFit/>
+          </a:bodyPr>
+          <a:lstStyle/>
+          <a:p>
+            <a:r>
+              <a:rPr lang="en-US" altLang="zh-CN" sz="1200" dirty="0" smtClean="0">
+                <a:solidFill>
+                  <a:srgbClr val="FF0000"/>
+                </a:solidFill>
+              </a:rPr>
+              <a:t>1</a:t>
+            </a:r>
+            <a:r>
+              <a:rPr lang="zh-CN" altLang="en-US" sz="1200" dirty="0" smtClean="0">
+                <a:solidFill>
+                  <a:srgbClr val="FF0000"/>
+                </a:solidFill>
+              </a:rPr>
+              <a:t>秒的数据统计</a:t>
+            </a:r>
+            <a:endParaRPr lang="zh-CN" altLang="en-US" sz="1200" dirty="0">
+              <a:solidFill>
+                <a:srgbClr val="FF0000"/>
+              </a:solidFill>
+            </a:endParaRPr>
+          </a:p>
+        </p:txBody>
+      </p:sp>
+      <p:cxnSp>
+        <p:nvCxnSpPr>
+          <p:cNvPr id="38" name="直接连接符 37"/>
+          <p:cNvCxnSpPr/>
+          <p:nvPr/>
+        </p:nvCxnSpPr>
+        <p:spPr>
+          <a:xfrm>
+            <a:off x="909310" y="1171955"/>
+            <a:ext cx="763108" cy="159145"/>
+          </a:xfrm>
+          <a:prstGeom prst="line">
+            <a:avLst/>
+          </a:prstGeom>
+          <a:ln w="12700">
+            <a:headEnd type="none" w="med" len="med"/>
+            <a:tailEnd type="triangle" w="med" len="med"/>
+          </a:ln>
+        </p:spPr>
+        <p:style>
+          <a:lnRef idx="1">
+            <a:schemeClr val="accent1"/>
+          </a:lnRef>
+          <a:fillRef idx="0">
+            <a:schemeClr val="accent1"/>
+          </a:fillRef>
+          <a:effectRef idx="0">
+            <a:schemeClr val="accent1"/>
+          </a:effectRef>
+          <a:fontRef idx="minor">
+            <a:schemeClr val="tx1"/>
+          </a:fontRef>
+        </p:style>
+      </p:cxnSp>
+      <p:cxnSp>
+        <p:nvCxnSpPr>
+          <p:cNvPr id="40" name="直接连接符 39"/>
+          <p:cNvCxnSpPr/>
+          <p:nvPr/>
+        </p:nvCxnSpPr>
+        <p:spPr>
+          <a:xfrm>
+            <a:off x="897821" y="4945279"/>
+            <a:ext cx="769054" cy="130042"/>
+          </a:xfrm>
+          <a:prstGeom prst="line">
+            <a:avLst/>
+          </a:prstGeom>
+          <a:ln w="12700">
+            <a:headEnd type="none" w="med" len="med"/>
+            <a:tailEnd type="triangle" w="med" len="med"/>
+          </a:ln>
+        </p:spPr>
+        <p:style>
+          <a:lnRef idx="1">
+            <a:schemeClr val="accent1"/>
+          </a:lnRef>
+          <a:fillRef idx="0">
+            <a:schemeClr val="accent1"/>
+          </a:fillRef>
+          <a:effectRef idx="0">
+            <a:schemeClr val="accent1"/>
+          </a:effectRef>
+          <a:fontRef idx="minor">
+            <a:schemeClr val="tx1"/>
+          </a:fontRef>
+        </p:style>
+      </p:cxnSp>
+      <p:cxnSp>
+        <p:nvCxnSpPr>
+          <p:cNvPr id="46" name="直接连接符 45"/>
+          <p:cNvCxnSpPr/>
+          <p:nvPr/>
+        </p:nvCxnSpPr>
+        <p:spPr>
+          <a:xfrm>
+            <a:off x="465570" y="1205552"/>
+            <a:ext cx="262311" cy="1"/>
+          </a:xfrm>
+          <a:prstGeom prst="line">
+            <a:avLst/>
+          </a:prstGeom>
+          <a:ln w="12700"/>
+        </p:spPr>
+        <p:style>
+          <a:lnRef idx="1">
+            <a:schemeClr val="accent1"/>
+          </a:lnRef>
+          <a:fillRef idx="0">
+            <a:schemeClr val="accent1"/>
+          </a:fillRef>
+          <a:effectRef idx="0">
+            <a:schemeClr val="accent1"/>
+          </a:effectRef>
+          <a:fontRef idx="minor">
+            <a:schemeClr val="tx1"/>
+          </a:fontRef>
+        </p:style>
+      </p:cxnSp>
+      <p:cxnSp>
+        <p:nvCxnSpPr>
+          <p:cNvPr id="49" name="直接箭头连接符 48"/>
+          <p:cNvCxnSpPr/>
+          <p:nvPr/>
+        </p:nvCxnSpPr>
+        <p:spPr>
+          <a:xfrm flipH="1">
+            <a:off x="725826" y="1205552"/>
+            <a:ext cx="2056" cy="3739727"/>
+          </a:xfrm>
+          <a:prstGeom prst="straightConnector1">
+            <a:avLst/>
+          </a:prstGeom>
+          <a:ln w="9525">
+            <a:prstDash val="sysDash"/>
+            <a:headEnd type="triangle" w="med" len="med"/>
+            <a:tailEnd type="triangle" w="med" len="med"/>
+          </a:ln>
+        </p:spPr>
+        <p:style>
+          <a:lnRef idx="1">
+            <a:schemeClr val="accent1"/>
+          </a:lnRef>
+          <a:fillRef idx="0">
+            <a:schemeClr val="accent1"/>
+          </a:fillRef>
+          <a:effectRef idx="0">
+            <a:schemeClr val="accent1"/>
+          </a:effectRef>
+          <a:fontRef idx="minor">
+            <a:schemeClr val="tx1"/>
+          </a:fontRef>
+        </p:style>
+      </p:cxnSp>
+      <p:cxnSp>
+        <p:nvCxnSpPr>
+          <p:cNvPr id="52" name="直接连接符 51"/>
+          <p:cNvCxnSpPr/>
+          <p:nvPr/>
+        </p:nvCxnSpPr>
+        <p:spPr>
+          <a:xfrm>
+            <a:off x="473761" y="4945278"/>
+            <a:ext cx="262311" cy="1"/>
+          </a:xfrm>
+          <a:prstGeom prst="line">
+            <a:avLst/>
+          </a:prstGeom>
+          <a:ln w="12700"/>
+        </p:spPr>
+        <p:style>
+          <a:lnRef idx="1">
+            <a:schemeClr val="accent1"/>
+          </a:lnRef>
+          <a:fillRef idx="0">
+            <a:schemeClr val="accent1"/>
+          </a:fillRef>
+          <a:effectRef idx="0">
+            <a:schemeClr val="accent1"/>
+          </a:effectRef>
+          <a:fontRef idx="minor">
+            <a:schemeClr val="tx1"/>
+          </a:fontRef>
+        </p:style>
+      </p:cxnSp>
+      <p:sp>
+        <p:nvSpPr>
+          <p:cNvPr id="53" name="文本框 52"/>
+          <p:cNvSpPr txBox="1"/>
+          <p:nvPr/>
+        </p:nvSpPr>
+        <p:spPr>
+          <a:xfrm>
+            <a:off x="297301" y="2886472"/>
+            <a:ext cx="492443" cy="276999"/>
+          </a:xfrm>
+          <a:prstGeom prst="rect">
+            <a:avLst/>
+          </a:prstGeom>
+          <a:noFill/>
+        </p:spPr>
+        <p:txBody>
+          <a:bodyPr wrap="none" rtlCol="0">
+            <a:spAutoFit/>
+          </a:bodyPr>
+          <a:lstStyle/>
+          <a:p>
+            <a:r>
+              <a:rPr lang="zh-CN" altLang="en-US" sz="1200" dirty="0" smtClean="0"/>
+              <a:t>一秒</a:t>
+            </a:r>
+            <a:endParaRPr lang="zh-CN" altLang="en-US" dirty="0"/>
+          </a:p>
+        </p:txBody>
+      </p:sp>
+      <p:sp>
+        <p:nvSpPr>
+          <p:cNvPr id="56" name="文本框 55"/>
+          <p:cNvSpPr txBox="1"/>
+          <p:nvPr/>
+        </p:nvSpPr>
+        <p:spPr>
+          <a:xfrm>
+            <a:off x="303151" y="5325691"/>
+            <a:ext cx="646331" cy="276999"/>
+          </a:xfrm>
+          <a:prstGeom prst="rect">
+            <a:avLst/>
+          </a:prstGeom>
+          <a:noFill/>
+        </p:spPr>
+        <p:txBody>
+          <a:bodyPr wrap="none" rtlCol="0">
+            <a:spAutoFit/>
+          </a:bodyPr>
+          <a:lstStyle/>
+          <a:p>
+            <a:r>
+              <a:rPr lang="zh-CN" altLang="en-US" sz="1200" dirty="0"/>
+              <a:t>下</a:t>
+            </a:r>
+            <a:r>
+              <a:rPr lang="zh-CN" altLang="en-US" sz="1200" dirty="0" smtClean="0"/>
+              <a:t>一秒</a:t>
+            </a:r>
+            <a:endParaRPr lang="zh-CN" altLang="en-US" dirty="0"/>
+          </a:p>
+        </p:txBody>
+      </p:sp>
+    </p:spTree>
+    <p:extLst>
+      <p:ext uri="{BB962C8B-B14F-4D97-AF65-F5344CB8AC3E}">
+        <p14:creationId xmlns:p14="http://schemas.microsoft.com/office/powerpoint/2010/main" val="1624706400"/>
       </p:ext>
     </p:extLst>
   </p:cSld>

--- a/docs/images.pptx
+++ b/docs/images.pptx
@@ -199,7 +199,7 @@
           <a:p>
             <a:fld id="{C0C28432-F7D1-4977-8C45-5F8A9BCEF8D4}" type="datetimeFigureOut">
               <a:rPr lang="zh-CN" altLang="en-US" smtClean="0"/>
-              <a:t>2022/8/2</a:t>
+              <a:t>2022/8/9</a:t>
             </a:fld>
             <a:endParaRPr lang="zh-CN" altLang="en-US"/>
           </a:p>
@@ -682,7 +682,7 @@
           <a:p>
             <a:fld id="{044181BA-40C1-4F01-A521-530101DCB745}" type="datetimeFigureOut">
               <a:rPr lang="zh-CN" altLang="en-US" smtClean="0"/>
-              <a:t>2022/8/2</a:t>
+              <a:t>2022/8/9</a:t>
             </a:fld>
             <a:endParaRPr lang="zh-CN" altLang="en-US"/>
           </a:p>
@@ -852,7 +852,7 @@
           <a:p>
             <a:fld id="{044181BA-40C1-4F01-A521-530101DCB745}" type="datetimeFigureOut">
               <a:rPr lang="zh-CN" altLang="en-US" smtClean="0"/>
-              <a:t>2022/8/2</a:t>
+              <a:t>2022/8/9</a:t>
             </a:fld>
             <a:endParaRPr lang="zh-CN" altLang="en-US"/>
           </a:p>
@@ -1032,7 +1032,7 @@
           <a:p>
             <a:fld id="{044181BA-40C1-4F01-A521-530101DCB745}" type="datetimeFigureOut">
               <a:rPr lang="zh-CN" altLang="en-US" smtClean="0"/>
-              <a:t>2022/8/2</a:t>
+              <a:t>2022/8/9</a:t>
             </a:fld>
             <a:endParaRPr lang="zh-CN" altLang="en-US"/>
           </a:p>
@@ -1202,7 +1202,7 @@
           <a:p>
             <a:fld id="{044181BA-40C1-4F01-A521-530101DCB745}" type="datetimeFigureOut">
               <a:rPr lang="zh-CN" altLang="en-US" smtClean="0"/>
-              <a:t>2022/8/2</a:t>
+              <a:t>2022/8/9</a:t>
             </a:fld>
             <a:endParaRPr lang="zh-CN" altLang="en-US"/>
           </a:p>
@@ -1448,7 +1448,7 @@
           <a:p>
             <a:fld id="{044181BA-40C1-4F01-A521-530101DCB745}" type="datetimeFigureOut">
               <a:rPr lang="zh-CN" altLang="en-US" smtClean="0"/>
-              <a:t>2022/8/2</a:t>
+              <a:t>2022/8/9</a:t>
             </a:fld>
             <a:endParaRPr lang="zh-CN" altLang="en-US"/>
           </a:p>
@@ -1680,7 +1680,7 @@
           <a:p>
             <a:fld id="{044181BA-40C1-4F01-A521-530101DCB745}" type="datetimeFigureOut">
               <a:rPr lang="zh-CN" altLang="en-US" smtClean="0"/>
-              <a:t>2022/8/2</a:t>
+              <a:t>2022/8/9</a:t>
             </a:fld>
             <a:endParaRPr lang="zh-CN" altLang="en-US"/>
           </a:p>
@@ -2047,7 +2047,7 @@
           <a:p>
             <a:fld id="{044181BA-40C1-4F01-A521-530101DCB745}" type="datetimeFigureOut">
               <a:rPr lang="zh-CN" altLang="en-US" smtClean="0"/>
-              <a:t>2022/8/2</a:t>
+              <a:t>2022/8/9</a:t>
             </a:fld>
             <a:endParaRPr lang="zh-CN" altLang="en-US"/>
           </a:p>
@@ -2165,7 +2165,7 @@
           <a:p>
             <a:fld id="{044181BA-40C1-4F01-A521-530101DCB745}" type="datetimeFigureOut">
               <a:rPr lang="zh-CN" altLang="en-US" smtClean="0"/>
-              <a:t>2022/8/2</a:t>
+              <a:t>2022/8/9</a:t>
             </a:fld>
             <a:endParaRPr lang="zh-CN" altLang="en-US"/>
           </a:p>
@@ -2260,7 +2260,7 @@
           <a:p>
             <a:fld id="{044181BA-40C1-4F01-A521-530101DCB745}" type="datetimeFigureOut">
               <a:rPr lang="zh-CN" altLang="en-US" smtClean="0"/>
-              <a:t>2022/8/2</a:t>
+              <a:t>2022/8/9</a:t>
             </a:fld>
             <a:endParaRPr lang="zh-CN" altLang="en-US"/>
           </a:p>
@@ -2537,7 +2537,7 @@
           <a:p>
             <a:fld id="{044181BA-40C1-4F01-A521-530101DCB745}" type="datetimeFigureOut">
               <a:rPr lang="zh-CN" altLang="en-US" smtClean="0"/>
-              <a:t>2022/8/2</a:t>
+              <a:t>2022/8/9</a:t>
             </a:fld>
             <a:endParaRPr lang="zh-CN" altLang="en-US"/>
           </a:p>
@@ -2790,7 +2790,7 @@
           <a:p>
             <a:fld id="{044181BA-40C1-4F01-A521-530101DCB745}" type="datetimeFigureOut">
               <a:rPr lang="zh-CN" altLang="en-US" smtClean="0"/>
-              <a:t>2022/8/2</a:t>
+              <a:t>2022/8/9</a:t>
             </a:fld>
             <a:endParaRPr lang="zh-CN" altLang="en-US"/>
           </a:p>
@@ -3003,7 +3003,7 @@
           <a:p>
             <a:fld id="{044181BA-40C1-4F01-A521-530101DCB745}" type="datetimeFigureOut">
               <a:rPr lang="zh-CN" altLang="en-US" smtClean="0"/>
-              <a:t>2022/8/2</a:t>
+              <a:t>2022/8/9</a:t>
             </a:fld>
             <a:endParaRPr lang="zh-CN" altLang="en-US"/>
           </a:p>
@@ -3499,39 +3499,32 @@
           <a:p>
             <a:pPr algn="ctr"/>
             <a:r>
+              <a:rPr lang="en-US" altLang="zh-CN" sz="1600" dirty="0" smtClean="0">
+                <a:latin typeface="微软雅黑" panose="020B0503020204020204" pitchFamily="34" charset="-122"/>
+                <a:ea typeface="微软雅黑" panose="020B0503020204020204" pitchFamily="34" charset="-122"/>
+              </a:rPr>
+              <a:t>Readme.md – </a:t>
+            </a:r>
+            <a:r>
               <a:rPr lang="zh-CN" altLang="en-US" sz="1600" dirty="0" smtClean="0">
                 <a:latin typeface="微软雅黑" panose="020B0503020204020204" pitchFamily="34" charset="-122"/>
                 <a:ea typeface="微软雅黑" panose="020B0503020204020204" pitchFamily="34" charset="-122"/>
               </a:rPr>
-              <a:t>框架分析</a:t>
+              <a:t>图</a:t>
             </a:r>
             <a:r>
               <a:rPr lang="en-US" altLang="zh-CN" sz="1600" dirty="0" smtClean="0">
                 <a:latin typeface="微软雅黑" panose="020B0503020204020204" pitchFamily="34" charset="-122"/>
                 <a:ea typeface="微软雅黑" panose="020B0503020204020204" pitchFamily="34" charset="-122"/>
               </a:rPr>
-              <a:t>.md – </a:t>
-            </a:r>
-            <a:r>
-              <a:rPr lang="zh-CN" altLang="en-US" sz="1600" dirty="0" smtClean="0">
+              <a:t>1 – perf-</a:t>
+            </a:r>
+            <a:r>
+              <a:rPr lang="en-US" altLang="zh-CN" sz="1600" dirty="0" err="1" smtClean="0">
                 <a:latin typeface="微软雅黑" panose="020B0503020204020204" pitchFamily="34" charset="-122"/>
                 <a:ea typeface="微软雅黑" panose="020B0503020204020204" pitchFamily="34" charset="-122"/>
               </a:rPr>
-              <a:t>图</a:t>
-            </a:r>
-            <a:r>
-              <a:rPr lang="en-US" altLang="zh-CN" sz="1600" dirty="0" smtClean="0">
-                <a:latin typeface="微软雅黑" panose="020B0503020204020204" pitchFamily="34" charset="-122"/>
-                <a:ea typeface="微软雅黑" panose="020B0503020204020204" pitchFamily="34" charset="-122"/>
-              </a:rPr>
-              <a:t>1 – perf-prof</a:t>
-            </a:r>
-            <a:r>
-              <a:rPr lang="zh-CN" altLang="en-US" sz="1600" dirty="0" smtClean="0">
-                <a:latin typeface="微软雅黑" panose="020B0503020204020204" pitchFamily="34" charset="-122"/>
-                <a:ea typeface="微软雅黑" panose="020B0503020204020204" pitchFamily="34" charset="-122"/>
-              </a:rPr>
-              <a:t>框架</a:t>
+              <a:t>prof_framework</a:t>
             </a:r>
             <a:endParaRPr lang="zh-CN" altLang="en-US" sz="1600" dirty="0">
               <a:latin typeface="微软雅黑" panose="020B0503020204020204" pitchFamily="34" charset="-122"/>
@@ -3721,8 +3714,8 @@
         </p:nvSpPr>
         <p:spPr>
           <a:xfrm>
-            <a:off x="890552" y="271051"/>
-            <a:ext cx="10425147" cy="1840282"/>
+            <a:off x="890552" y="312761"/>
+            <a:ext cx="10425147" cy="1798571"/>
           </a:xfrm>
           <a:prstGeom prst="rect">
             <a:avLst/>
@@ -4808,65 +4801,19 @@
           </a:p>
         </p:txBody>
       </p:sp>
-      <p:sp>
-        <p:nvSpPr>
-          <p:cNvPr id="102" name="文本框 101"/>
-          <p:cNvSpPr txBox="1"/>
-          <p:nvPr/>
-        </p:nvSpPr>
-        <p:spPr>
-          <a:xfrm>
-            <a:off x="7419671" y="1697243"/>
-            <a:ext cx="2395859" cy="307777"/>
-          </a:xfrm>
-          <a:prstGeom prst="rect">
-            <a:avLst/>
-          </a:prstGeom>
-          <a:noFill/>
-        </p:spPr>
-        <p:txBody>
-          <a:bodyPr wrap="square" rtlCol="0" anchor="ctr" anchorCtr="0">
-            <a:spAutoFit/>
-          </a:bodyPr>
-          <a:lstStyle/>
-          <a:p>
-            <a:r>
-              <a:rPr lang="zh-CN" altLang="en-US" sz="1200" dirty="0" smtClean="0">
-                <a:latin typeface="Consolas" panose="020B0609020204030204" pitchFamily="49" charset="0"/>
-              </a:rPr>
-              <a:t>循环读取采样事件</a:t>
-            </a:r>
-            <a:r>
-              <a:rPr lang="en-US" altLang="zh-CN" sz="1200" dirty="0" smtClean="0">
-                <a:latin typeface="Consolas" panose="020B0609020204030204" pitchFamily="49" charset="0"/>
-              </a:rPr>
-              <a:t>/</a:t>
-            </a:r>
-            <a:r>
-              <a:rPr lang="en-US" altLang="zh-CN" sz="1400" dirty="0" smtClean="0">
-                <a:latin typeface="Consolas" panose="020B0609020204030204" pitchFamily="49" charset="0"/>
-              </a:rPr>
-              <a:t>counter</a:t>
-            </a:r>
-            <a:endParaRPr lang="zh-CN" altLang="en-US" sz="1400" dirty="0">
-              <a:latin typeface="Consolas" panose="020B0609020204030204" pitchFamily="49" charset="0"/>
-            </a:endParaRPr>
-          </a:p>
-        </p:txBody>
-      </p:sp>
       <p:cxnSp>
         <p:nvCxnSpPr>
           <p:cNvPr id="104" name="肘形连接符 103"/>
           <p:cNvCxnSpPr>
             <a:stCxn id="20" idx="3"/>
-            <a:endCxn id="102" idx="2"/>
+            <a:endCxn id="58" idx="2"/>
           </p:cNvCxnSpPr>
           <p:nvPr/>
         </p:nvCxnSpPr>
         <p:spPr>
           <a:xfrm flipV="1">
-            <a:off x="6578557" y="2005020"/>
-            <a:ext cx="2039044" cy="1438553"/>
+            <a:off x="6578557" y="1996136"/>
+            <a:ext cx="1818176" cy="1447437"/>
           </a:xfrm>
           <a:prstGeom prst="bentConnector2">
             <a:avLst/>
@@ -4898,8 +4845,8 @@
         </p:nvSpPr>
         <p:spPr>
           <a:xfrm>
-            <a:off x="1041866" y="952895"/>
-            <a:ext cx="9624653" cy="582461"/>
+            <a:off x="890552" y="1193227"/>
+            <a:ext cx="10425147" cy="342129"/>
           </a:xfrm>
           <a:prstGeom prst="roundRect">
             <a:avLst/>
@@ -4931,7 +4878,7 @@
           <a:bodyPr rtlCol="0" anchor="t" anchorCtr="0"/>
           <a:lstStyle/>
           <a:p>
-            <a:pPr algn="ctr"/>
+            <a:pPr algn="r"/>
             <a:r>
               <a:rPr lang="en-US" altLang="zh-CN" sz="1400" dirty="0" smtClean="0">
                 <a:solidFill>
@@ -4958,7 +4905,7 @@
         </p:nvSpPr>
         <p:spPr>
           <a:xfrm>
-            <a:off x="1365239" y="1258357"/>
+            <a:off x="1001281" y="1263141"/>
             <a:ext cx="584472" cy="276999"/>
           </a:xfrm>
           <a:prstGeom prst="rect">
@@ -4967,11 +4914,12 @@
           <a:noFill/>
         </p:spPr>
         <p:txBody>
-          <a:bodyPr wrap="square" rtlCol="0">
+          <a:bodyPr wrap="square" rtlCol="0" anchor="ctr" anchorCtr="0">
             <a:spAutoFit/>
           </a:bodyPr>
           <a:lstStyle/>
           <a:p>
+            <a:pPr algn="ctr"/>
             <a:r>
               <a:rPr lang="en-US" altLang="zh-CN" sz="1200" dirty="0" smtClean="0">
                 <a:latin typeface="Consolas" panose="020B0609020204030204" pitchFamily="49" charset="0"/>
@@ -4989,8 +4937,8 @@
         </p:nvSpPr>
         <p:spPr>
           <a:xfrm>
-            <a:off x="2640600" y="1258357"/>
-            <a:ext cx="810802" cy="276999"/>
+            <a:off x="2640600" y="1263141"/>
+            <a:ext cx="765209" cy="276999"/>
           </a:xfrm>
           <a:prstGeom prst="rect">
             <a:avLst/>
@@ -4998,11 +4946,12 @@
           <a:noFill/>
         </p:spPr>
         <p:txBody>
-          <a:bodyPr wrap="square" rtlCol="0">
+          <a:bodyPr wrap="square" rtlCol="0" anchor="ctr" anchorCtr="0">
             <a:spAutoFit/>
           </a:bodyPr>
           <a:lstStyle/>
           <a:p>
+            <a:pPr algn="ctr"/>
             <a:r>
               <a:rPr lang="en-US" altLang="zh-CN" sz="1200" dirty="0" smtClean="0">
                 <a:latin typeface="Consolas" panose="020B0609020204030204" pitchFamily="49" charset="0"/>
@@ -5020,8 +4969,8 @@
         </p:nvSpPr>
         <p:spPr>
           <a:xfrm>
-            <a:off x="7246720" y="1259762"/>
-            <a:ext cx="810802" cy="276999"/>
+            <a:off x="7235683" y="1263141"/>
+            <a:ext cx="705569" cy="276999"/>
           </a:xfrm>
           <a:prstGeom prst="rect">
             <a:avLst/>
@@ -5029,11 +4978,12 @@
           <a:noFill/>
         </p:spPr>
         <p:txBody>
-          <a:bodyPr wrap="square" rtlCol="0">
+          <a:bodyPr wrap="square" rtlCol="0" anchor="ctr" anchorCtr="0">
             <a:spAutoFit/>
           </a:bodyPr>
           <a:lstStyle/>
           <a:p>
+            <a:pPr algn="ctr"/>
             <a:r>
               <a:rPr lang="en-US" altLang="zh-CN" sz="1200" dirty="0" smtClean="0">
                 <a:latin typeface="Consolas" panose="020B0609020204030204" pitchFamily="49" charset="0"/>
@@ -5052,7 +5002,7 @@
         <p:spPr>
           <a:xfrm>
             <a:off x="8617601" y="1263141"/>
-            <a:ext cx="810802" cy="276999"/>
+            <a:ext cx="622026" cy="276999"/>
           </a:xfrm>
           <a:prstGeom prst="rect">
             <a:avLst/>
@@ -5060,11 +5010,12 @@
           <a:noFill/>
         </p:spPr>
         <p:txBody>
-          <a:bodyPr wrap="square" rtlCol="0">
+          <a:bodyPr wrap="square" rtlCol="0" anchor="ctr" anchorCtr="0">
             <a:spAutoFit/>
           </a:bodyPr>
           <a:lstStyle/>
           <a:p>
+            <a:pPr algn="ctr"/>
             <a:r>
               <a:rPr lang="en-US" altLang="zh-CN" sz="1200" dirty="0" smtClean="0">
                 <a:latin typeface="Consolas" panose="020B0609020204030204" pitchFamily="49" charset="0"/>
@@ -5082,7 +5033,7 @@
         </p:nvSpPr>
         <p:spPr>
           <a:xfrm>
-            <a:off x="5701261" y="1248878"/>
+            <a:off x="5114455" y="1263141"/>
             <a:ext cx="363354" cy="276999"/>
           </a:xfrm>
           <a:prstGeom prst="rect">
@@ -5091,11 +5042,12 @@
           <a:noFill/>
         </p:spPr>
         <p:txBody>
-          <a:bodyPr wrap="square" rtlCol="0">
+          <a:bodyPr wrap="square" rtlCol="0" anchor="ctr" anchorCtr="0">
             <a:spAutoFit/>
           </a:bodyPr>
           <a:lstStyle/>
           <a:p>
+            <a:pPr algn="ctr"/>
             <a:r>
               <a:rPr lang="en-US" altLang="zh-CN" sz="1200" dirty="0" smtClean="0">
                 <a:latin typeface="Consolas" panose="020B0609020204030204" pitchFamily="49" charset="0"/>
@@ -5113,7 +5065,7 @@
         </p:nvSpPr>
         <p:spPr>
           <a:xfrm>
-            <a:off x="1041867" y="499515"/>
+            <a:off x="1041867" y="617794"/>
             <a:ext cx="743760" cy="416188"/>
           </a:xfrm>
           <a:prstGeom prst="roundRect">
@@ -5178,7 +5130,7 @@
         </p:nvSpPr>
         <p:spPr>
           <a:xfrm>
-            <a:off x="1865753" y="499515"/>
+            <a:off x="1865753" y="617794"/>
             <a:ext cx="1214119" cy="416188"/>
           </a:xfrm>
           <a:prstGeom prst="roundRect">
@@ -5252,7 +5204,7 @@
         </p:nvSpPr>
         <p:spPr>
           <a:xfrm>
-            <a:off x="3159998" y="499515"/>
+            <a:off x="3159998" y="617794"/>
             <a:ext cx="1059589" cy="416188"/>
           </a:xfrm>
           <a:prstGeom prst="roundRect">
@@ -5326,7 +5278,7 @@
         </p:nvSpPr>
         <p:spPr>
           <a:xfrm>
-            <a:off x="4294272" y="499515"/>
+            <a:off x="4294272" y="617794"/>
             <a:ext cx="932023" cy="416188"/>
           </a:xfrm>
           <a:prstGeom prst="roundRect">
@@ -5391,7 +5343,7 @@
         </p:nvSpPr>
         <p:spPr>
           <a:xfrm>
-            <a:off x="5300980" y="499515"/>
+            <a:off x="5300980" y="617794"/>
             <a:ext cx="1397488" cy="416188"/>
           </a:xfrm>
           <a:prstGeom prst="roundRect">
@@ -5465,7 +5417,7 @@
         </p:nvSpPr>
         <p:spPr>
           <a:xfrm>
-            <a:off x="9897498" y="1237837"/>
+            <a:off x="9897498" y="1263141"/>
             <a:ext cx="363354" cy="276999"/>
           </a:xfrm>
           <a:prstGeom prst="rect">
@@ -5474,11 +5426,12 @@
           <a:noFill/>
         </p:spPr>
         <p:txBody>
-          <a:bodyPr wrap="square" rtlCol="0">
+          <a:bodyPr wrap="square" rtlCol="0" anchor="ctr" anchorCtr="0">
             <a:spAutoFit/>
           </a:bodyPr>
           <a:lstStyle/>
           <a:p>
+            <a:pPr algn="ctr"/>
             <a:r>
               <a:rPr lang="en-US" altLang="zh-CN" sz="1200" dirty="0" smtClean="0">
                 <a:latin typeface="Consolas" panose="020B0609020204030204" pitchFamily="49" charset="0"/>
@@ -5496,7 +5449,7 @@
         </p:nvSpPr>
         <p:spPr>
           <a:xfrm>
-            <a:off x="6770163" y="499515"/>
+            <a:off x="6770163" y="617794"/>
             <a:ext cx="1126074" cy="416188"/>
           </a:xfrm>
           <a:prstGeom prst="roundRect">
@@ -5561,7 +5514,7 @@
         </p:nvSpPr>
         <p:spPr>
           <a:xfrm>
-            <a:off x="7967932" y="499515"/>
+            <a:off x="7967932" y="617794"/>
             <a:ext cx="537905" cy="416188"/>
           </a:xfrm>
           <a:prstGeom prst="roundRect">
@@ -5626,7 +5579,7 @@
         </p:nvSpPr>
         <p:spPr>
           <a:xfrm>
-            <a:off x="8597442" y="499515"/>
+            <a:off x="8597442" y="617794"/>
             <a:ext cx="675157" cy="416188"/>
           </a:xfrm>
           <a:prstGeom prst="roundRect">
@@ -5691,7 +5644,7 @@
         </p:nvSpPr>
         <p:spPr>
           <a:xfrm>
-            <a:off x="9378129" y="499515"/>
+            <a:off x="9378129" y="617794"/>
             <a:ext cx="675157" cy="416188"/>
           </a:xfrm>
           <a:prstGeom prst="roundRect">
@@ -5926,36 +5879,6 @@
           </p:txBody>
         </p:sp>
       </p:grpSp>
-      <p:pic>
-        <p:nvPicPr>
-          <p:cNvPr id="133" name="图片 132"/>
-          <p:cNvPicPr>
-            <a:picLocks noChangeAspect="1"/>
-          </p:cNvPicPr>
-          <p:nvPr/>
-        </p:nvPicPr>
-        <p:blipFill>
-          <a:blip r:embed="rId3">
-            <a:extLst>
-              <a:ext uri="{28A0092B-C50C-407E-A947-70E740481C1C}">
-                <a14:useLocalDpi xmlns:a14="http://schemas.microsoft.com/office/drawing/2010/main" val="0"/>
-              </a:ext>
-            </a:extLst>
-          </a:blip>
-          <a:stretch>
-            <a:fillRect/>
-          </a:stretch>
-        </p:blipFill>
-        <p:spPr>
-          <a:xfrm>
-            <a:off x="7130907" y="1695140"/>
-            <a:ext cx="348129" cy="348129"/>
-          </a:xfrm>
-          <a:prstGeom prst="rect">
-            <a:avLst/>
-          </a:prstGeom>
-        </p:spPr>
-      </p:pic>
       <p:sp>
         <p:nvSpPr>
           <p:cNvPr id="136" name="文本框 135"/>
@@ -5987,6 +5910,140 @@
           </a:p>
         </p:txBody>
       </p:sp>
+      <p:sp>
+        <p:nvSpPr>
+          <p:cNvPr id="58" name="矩形 57"/>
+          <p:cNvSpPr/>
+          <p:nvPr/>
+        </p:nvSpPr>
+        <p:spPr>
+          <a:xfrm>
+            <a:off x="8090752" y="1733303"/>
+            <a:ext cx="611962" cy="262833"/>
+          </a:xfrm>
+          <a:prstGeom prst="rect">
+            <a:avLst/>
+          </a:prstGeom>
+          <a:solidFill>
+            <a:schemeClr val="accent5">
+              <a:lumMod val="20000"/>
+              <a:lumOff val="80000"/>
+            </a:schemeClr>
+          </a:solidFill>
+        </p:spPr>
+        <p:style>
+          <a:lnRef idx="2">
+            <a:schemeClr val="accent1">
+              <a:shade val="50000"/>
+            </a:schemeClr>
+          </a:lnRef>
+          <a:fillRef idx="1">
+            <a:schemeClr val="accent1"/>
+          </a:fillRef>
+          <a:effectRef idx="0">
+            <a:schemeClr val="accent1"/>
+          </a:effectRef>
+          <a:fontRef idx="minor">
+            <a:schemeClr val="lt1"/>
+          </a:fontRef>
+        </p:style>
+        <p:txBody>
+          <a:bodyPr rtlCol="0" anchor="ctr"/>
+          <a:lstStyle/>
+          <a:p>
+            <a:pPr algn="ctr"/>
+            <a:r>
+              <a:rPr lang="en-US" altLang="zh-CN" sz="1200" dirty="0" smtClean="0">
+                <a:solidFill>
+                  <a:schemeClr val="tx1"/>
+                </a:solidFill>
+                <a:latin typeface="Consolas" panose="020B0609020204030204" pitchFamily="49" charset="0"/>
+              </a:rPr>
+              <a:t>order</a:t>
+            </a:r>
+            <a:endParaRPr lang="zh-CN" altLang="en-US" dirty="0">
+              <a:solidFill>
+                <a:schemeClr val="tx1"/>
+              </a:solidFill>
+              <a:latin typeface="Consolas" panose="020B0609020204030204" pitchFamily="49" charset="0"/>
+            </a:endParaRPr>
+          </a:p>
+        </p:txBody>
+      </p:sp>
+      <p:cxnSp>
+        <p:nvCxnSpPr>
+          <p:cNvPr id="5" name="肘形连接符 4"/>
+          <p:cNvCxnSpPr>
+            <a:stCxn id="58" idx="1"/>
+            <a:endCxn id="111" idx="2"/>
+          </p:cNvCxnSpPr>
+          <p:nvPr/>
+        </p:nvCxnSpPr>
+        <p:spPr>
+          <a:xfrm rot="10800000">
+            <a:off x="7588468" y="1540140"/>
+            <a:ext cx="502284" cy="324580"/>
+          </a:xfrm>
+          <a:prstGeom prst="bentConnector2">
+            <a:avLst/>
+          </a:prstGeom>
+          <a:ln w="19050">
+            <a:tailEnd type="triangle"/>
+          </a:ln>
+        </p:spPr>
+        <p:style>
+          <a:lnRef idx="1">
+            <a:schemeClr val="accent1"/>
+          </a:lnRef>
+          <a:fillRef idx="0">
+            <a:schemeClr val="accent1"/>
+          </a:fillRef>
+          <a:effectRef idx="0">
+            <a:schemeClr val="accent1"/>
+          </a:effectRef>
+          <a:fontRef idx="minor">
+            <a:schemeClr val="tx1"/>
+          </a:fontRef>
+        </p:style>
+      </p:cxnSp>
+      <p:cxnSp>
+        <p:nvCxnSpPr>
+          <p:cNvPr id="21" name="肘形连接符 20"/>
+          <p:cNvCxnSpPr>
+            <a:stCxn id="24" idx="2"/>
+            <a:endCxn id="112" idx="2"/>
+          </p:cNvCxnSpPr>
+          <p:nvPr/>
+        </p:nvCxnSpPr>
+        <p:spPr>
+          <a:xfrm rot="5400000" flipH="1" flipV="1">
+            <a:off x="5093313" y="1989581"/>
+            <a:ext cx="4284741" cy="3385860"/>
+          </a:xfrm>
+          <a:prstGeom prst="bentConnector3">
+            <a:avLst>
+              <a:gd name="adj1" fmla="val -5335"/>
+            </a:avLst>
+          </a:prstGeom>
+          <a:ln w="19050">
+            <a:tailEnd type="triangle"/>
+          </a:ln>
+        </p:spPr>
+        <p:style>
+          <a:lnRef idx="1">
+            <a:schemeClr val="accent1"/>
+          </a:lnRef>
+          <a:fillRef idx="0">
+            <a:schemeClr val="accent1"/>
+          </a:fillRef>
+          <a:effectRef idx="0">
+            <a:schemeClr val="accent1"/>
+          </a:effectRef>
+          <a:fontRef idx="minor">
+            <a:schemeClr val="tx1"/>
+          </a:fontRef>
+        </p:style>
+      </p:cxnSp>
     </p:spTree>
     <p:extLst>
       <p:ext uri="{BB962C8B-B14F-4D97-AF65-F5344CB8AC3E}">
